--- a/Presentation_slides.pptx
+++ b/Presentation_slides.pptx
@@ -4,6 +4,9 @@
   <p:sldMasterIdLst>
     <p:sldMasterId id="2147483672" r:id="rId1"/>
   </p:sldMasterIdLst>
+  <p:notesMasterIdLst>
+    <p:notesMasterId r:id="rId24"/>
+  </p:notesMasterIdLst>
   <p:sldIdLst>
     <p:sldId id="256" r:id="rId2"/>
     <p:sldId id="257" r:id="rId3"/>
@@ -14,12 +17,19 @@
     <p:sldId id="262" r:id="rId8"/>
     <p:sldId id="263" r:id="rId9"/>
     <p:sldId id="264" r:id="rId10"/>
-    <p:sldId id="265" r:id="rId11"/>
-    <p:sldId id="266" r:id="rId12"/>
-    <p:sldId id="267" r:id="rId13"/>
-    <p:sldId id="268" r:id="rId14"/>
-    <p:sldId id="269" r:id="rId15"/>
-    <p:sldId id="270" r:id="rId16"/>
+    <p:sldId id="281" r:id="rId11"/>
+    <p:sldId id="265" r:id="rId12"/>
+    <p:sldId id="266" r:id="rId13"/>
+    <p:sldId id="267" r:id="rId14"/>
+    <p:sldId id="268" r:id="rId15"/>
+    <p:sldId id="269" r:id="rId16"/>
+    <p:sldId id="278" r:id="rId17"/>
+    <p:sldId id="272" r:id="rId18"/>
+    <p:sldId id="273" r:id="rId19"/>
+    <p:sldId id="274" r:id="rId20"/>
+    <p:sldId id="280" r:id="rId21"/>
+    <p:sldId id="279" r:id="rId22"/>
+    <p:sldId id="270" r:id="rId23"/>
   </p:sldIdLst>
   <p:sldSz cx="9144000" cy="6858000" type="screen4x3"/>
   <p:notesSz cx="6858000" cy="9144000"/>
@@ -119,6 +129,468 @@
     </a:lvl9pPr>
   </p:defaultTextStyle>
 </p:presentation>
+</file>
+
+<file path=ppt/notesMasters/notesMaster1.xml><?xml version="1.0" encoding="utf-8"?>
+<p:notesMaster xmlns:a="http://schemas.openxmlformats.org/drawingml/2006/main" xmlns:r="http://schemas.openxmlformats.org/officeDocument/2006/relationships" xmlns:p="http://schemas.openxmlformats.org/presentationml/2006/main">
+  <p:cSld>
+    <p:bg>
+      <p:bgRef idx="1001">
+        <a:schemeClr val="bg1"/>
+      </p:bgRef>
+    </p:bg>
+    <p:spTree>
+      <p:nvGrpSpPr>
+        <p:cNvPr id="1" name=""/>
+        <p:cNvGrpSpPr/>
+        <p:nvPr/>
+      </p:nvGrpSpPr>
+      <p:grpSpPr>
+        <a:xfrm>
+          <a:off x="0" y="0"/>
+          <a:ext cx="0" cy="0"/>
+          <a:chOff x="0" y="0"/>
+          <a:chExt cx="0" cy="0"/>
+        </a:xfrm>
+      </p:grpSpPr>
+      <p:sp>
+        <p:nvSpPr>
+          <p:cNvPr id="2" name="Header Placeholder 1"/>
+          <p:cNvSpPr>
+            <a:spLocks noGrp="1"/>
+          </p:cNvSpPr>
+          <p:nvPr>
+            <p:ph type="hdr" sz="quarter"/>
+          </p:nvPr>
+        </p:nvSpPr>
+        <p:spPr>
+          <a:xfrm>
+            <a:off x="0" y="0"/>
+            <a:ext cx="2971800" cy="457200"/>
+          </a:xfrm>
+          <a:prstGeom prst="rect">
+            <a:avLst/>
+          </a:prstGeom>
+        </p:spPr>
+        <p:txBody>
+          <a:bodyPr vert="horz" lIns="91440" tIns="45720" rIns="91440" bIns="45720" rtlCol="0"/>
+          <a:lstStyle>
+            <a:lvl1pPr algn="l">
+              <a:defRPr sz="1200"/>
+            </a:lvl1pPr>
+          </a:lstStyle>
+          <a:p>
+            <a:endParaRPr lang="en-ZA"/>
+          </a:p>
+        </p:txBody>
+      </p:sp>
+      <p:sp>
+        <p:nvSpPr>
+          <p:cNvPr id="3" name="Date Placeholder 2"/>
+          <p:cNvSpPr>
+            <a:spLocks noGrp="1"/>
+          </p:cNvSpPr>
+          <p:nvPr>
+            <p:ph type="dt" idx="1"/>
+          </p:nvPr>
+        </p:nvSpPr>
+        <p:spPr>
+          <a:xfrm>
+            <a:off x="3884613" y="0"/>
+            <a:ext cx="2971800" cy="457200"/>
+          </a:xfrm>
+          <a:prstGeom prst="rect">
+            <a:avLst/>
+          </a:prstGeom>
+        </p:spPr>
+        <p:txBody>
+          <a:bodyPr vert="horz" lIns="91440" tIns="45720" rIns="91440" bIns="45720" rtlCol="0"/>
+          <a:lstStyle>
+            <a:lvl1pPr algn="r">
+              <a:defRPr sz="1200"/>
+            </a:lvl1pPr>
+          </a:lstStyle>
+          <a:p>
+            <a:fld id="{D9580826-5E05-47AC-9D9D-C3DBC7FE4B3D}" type="datetimeFigureOut">
+              <a:rPr lang="en-ZA" smtClean="0"/>
+              <a:t>2021/07/22</a:t>
+            </a:fld>
+            <a:endParaRPr lang="en-ZA"/>
+          </a:p>
+        </p:txBody>
+      </p:sp>
+      <p:sp>
+        <p:nvSpPr>
+          <p:cNvPr id="4" name="Slide Image Placeholder 3"/>
+          <p:cNvSpPr>
+            <a:spLocks noGrp="1" noRot="1" noChangeAspect="1"/>
+          </p:cNvSpPr>
+          <p:nvPr>
+            <p:ph type="sldImg" idx="2"/>
+          </p:nvPr>
+        </p:nvSpPr>
+        <p:spPr>
+          <a:xfrm>
+            <a:off x="1143000" y="685800"/>
+            <a:ext cx="4572000" cy="3429000"/>
+          </a:xfrm>
+          <a:prstGeom prst="rect">
+            <a:avLst/>
+          </a:prstGeom>
+          <a:noFill/>
+          <a:ln w="12700">
+            <a:solidFill>
+              <a:prstClr val="black"/>
+            </a:solidFill>
+          </a:ln>
+        </p:spPr>
+        <p:txBody>
+          <a:bodyPr vert="horz" lIns="91440" tIns="45720" rIns="91440" bIns="45720" rtlCol="0" anchor="ctr"/>
+          <a:lstStyle/>
+          <a:p>
+            <a:endParaRPr lang="en-ZA"/>
+          </a:p>
+        </p:txBody>
+      </p:sp>
+      <p:sp>
+        <p:nvSpPr>
+          <p:cNvPr id="5" name="Notes Placeholder 4"/>
+          <p:cNvSpPr>
+            <a:spLocks noGrp="1"/>
+          </p:cNvSpPr>
+          <p:nvPr>
+            <p:ph type="body" sz="quarter" idx="3"/>
+          </p:nvPr>
+        </p:nvSpPr>
+        <p:spPr>
+          <a:xfrm>
+            <a:off x="685800" y="4343400"/>
+            <a:ext cx="5486400" cy="4114800"/>
+          </a:xfrm>
+          <a:prstGeom prst="rect">
+            <a:avLst/>
+          </a:prstGeom>
+        </p:spPr>
+        <p:txBody>
+          <a:bodyPr vert="horz" lIns="91440" tIns="45720" rIns="91440" bIns="45720" rtlCol="0"/>
+          <a:lstStyle/>
+          <a:p>
+            <a:pPr lvl="0"/>
+            <a:r>
+              <a:rPr lang="en-US" smtClean="0"/>
+              <a:t>Click to edit Master text styles</a:t>
+            </a:r>
+          </a:p>
+          <a:p>
+            <a:pPr lvl="1"/>
+            <a:r>
+              <a:rPr lang="en-US" smtClean="0"/>
+              <a:t>Second level</a:t>
+            </a:r>
+          </a:p>
+          <a:p>
+            <a:pPr lvl="2"/>
+            <a:r>
+              <a:rPr lang="en-US" smtClean="0"/>
+              <a:t>Third level</a:t>
+            </a:r>
+          </a:p>
+          <a:p>
+            <a:pPr lvl="3"/>
+            <a:r>
+              <a:rPr lang="en-US" smtClean="0"/>
+              <a:t>Fourth level</a:t>
+            </a:r>
+          </a:p>
+          <a:p>
+            <a:pPr lvl="4"/>
+            <a:r>
+              <a:rPr lang="en-US" smtClean="0"/>
+              <a:t>Fifth level</a:t>
+            </a:r>
+            <a:endParaRPr lang="en-ZA"/>
+          </a:p>
+        </p:txBody>
+      </p:sp>
+      <p:sp>
+        <p:nvSpPr>
+          <p:cNvPr id="6" name="Footer Placeholder 5"/>
+          <p:cNvSpPr>
+            <a:spLocks noGrp="1"/>
+          </p:cNvSpPr>
+          <p:nvPr>
+            <p:ph type="ftr" sz="quarter" idx="4"/>
+          </p:nvPr>
+        </p:nvSpPr>
+        <p:spPr>
+          <a:xfrm>
+            <a:off x="0" y="8685213"/>
+            <a:ext cx="2971800" cy="457200"/>
+          </a:xfrm>
+          <a:prstGeom prst="rect">
+            <a:avLst/>
+          </a:prstGeom>
+        </p:spPr>
+        <p:txBody>
+          <a:bodyPr vert="horz" lIns="91440" tIns="45720" rIns="91440" bIns="45720" rtlCol="0" anchor="b"/>
+          <a:lstStyle>
+            <a:lvl1pPr algn="l">
+              <a:defRPr sz="1200"/>
+            </a:lvl1pPr>
+          </a:lstStyle>
+          <a:p>
+            <a:endParaRPr lang="en-ZA"/>
+          </a:p>
+        </p:txBody>
+      </p:sp>
+      <p:sp>
+        <p:nvSpPr>
+          <p:cNvPr id="7" name="Slide Number Placeholder 6"/>
+          <p:cNvSpPr>
+            <a:spLocks noGrp="1"/>
+          </p:cNvSpPr>
+          <p:nvPr>
+            <p:ph type="sldNum" sz="quarter" idx="5"/>
+          </p:nvPr>
+        </p:nvSpPr>
+        <p:spPr>
+          <a:xfrm>
+            <a:off x="3884613" y="8685213"/>
+            <a:ext cx="2971800" cy="457200"/>
+          </a:xfrm>
+          <a:prstGeom prst="rect">
+            <a:avLst/>
+          </a:prstGeom>
+        </p:spPr>
+        <p:txBody>
+          <a:bodyPr vert="horz" lIns="91440" tIns="45720" rIns="91440" bIns="45720" rtlCol="0" anchor="b"/>
+          <a:lstStyle>
+            <a:lvl1pPr algn="r">
+              <a:defRPr sz="1200"/>
+            </a:lvl1pPr>
+          </a:lstStyle>
+          <a:p>
+            <a:fld id="{C35282D9-CCD8-429B-8572-1C07A25916E1}" type="slidenum">
+              <a:rPr lang="en-ZA" smtClean="0"/>
+              <a:t>‹#›</a:t>
+            </a:fld>
+            <a:endParaRPr lang="en-ZA"/>
+          </a:p>
+        </p:txBody>
+      </p:sp>
+    </p:spTree>
+    <p:extLst>
+      <p:ext uri="{BB962C8B-B14F-4D97-AF65-F5344CB8AC3E}">
+        <p14:creationId xmlns:p14="http://schemas.microsoft.com/office/powerpoint/2010/main" val="775735275"/>
+      </p:ext>
+    </p:extLst>
+  </p:cSld>
+  <p:clrMap bg1="lt1" tx1="dk1" bg2="lt2" tx2="dk2" accent1="accent1" accent2="accent2" accent3="accent3" accent4="accent4" accent5="accent5" accent6="accent6" hlink="hlink" folHlink="folHlink"/>
+  <p:notesStyle>
+    <a:lvl1pPr marL="0" algn="l" defTabSz="914400" rtl="0" eaLnBrk="1" latinLnBrk="0" hangingPunct="1">
+      <a:defRPr sz="1200" kern="1200">
+        <a:solidFill>
+          <a:schemeClr val="tx1"/>
+        </a:solidFill>
+        <a:latin typeface="+mn-lt"/>
+        <a:ea typeface="+mn-ea"/>
+        <a:cs typeface="+mn-cs"/>
+      </a:defRPr>
+    </a:lvl1pPr>
+    <a:lvl2pPr marL="457200" algn="l" defTabSz="914400" rtl="0" eaLnBrk="1" latinLnBrk="0" hangingPunct="1">
+      <a:defRPr sz="1200" kern="1200">
+        <a:solidFill>
+          <a:schemeClr val="tx1"/>
+        </a:solidFill>
+        <a:latin typeface="+mn-lt"/>
+        <a:ea typeface="+mn-ea"/>
+        <a:cs typeface="+mn-cs"/>
+      </a:defRPr>
+    </a:lvl2pPr>
+    <a:lvl3pPr marL="914400" algn="l" defTabSz="914400" rtl="0" eaLnBrk="1" latinLnBrk="0" hangingPunct="1">
+      <a:defRPr sz="1200" kern="1200">
+        <a:solidFill>
+          <a:schemeClr val="tx1"/>
+        </a:solidFill>
+        <a:latin typeface="+mn-lt"/>
+        <a:ea typeface="+mn-ea"/>
+        <a:cs typeface="+mn-cs"/>
+      </a:defRPr>
+    </a:lvl3pPr>
+    <a:lvl4pPr marL="1371600" algn="l" defTabSz="914400" rtl="0" eaLnBrk="1" latinLnBrk="0" hangingPunct="1">
+      <a:defRPr sz="1200" kern="1200">
+        <a:solidFill>
+          <a:schemeClr val="tx1"/>
+        </a:solidFill>
+        <a:latin typeface="+mn-lt"/>
+        <a:ea typeface="+mn-ea"/>
+        <a:cs typeface="+mn-cs"/>
+      </a:defRPr>
+    </a:lvl4pPr>
+    <a:lvl5pPr marL="1828800" algn="l" defTabSz="914400" rtl="0" eaLnBrk="1" latinLnBrk="0" hangingPunct="1">
+      <a:defRPr sz="1200" kern="1200">
+        <a:solidFill>
+          <a:schemeClr val="tx1"/>
+        </a:solidFill>
+        <a:latin typeface="+mn-lt"/>
+        <a:ea typeface="+mn-ea"/>
+        <a:cs typeface="+mn-cs"/>
+      </a:defRPr>
+    </a:lvl5pPr>
+    <a:lvl6pPr marL="2286000" algn="l" defTabSz="914400" rtl="0" eaLnBrk="1" latinLnBrk="0" hangingPunct="1">
+      <a:defRPr sz="1200" kern="1200">
+        <a:solidFill>
+          <a:schemeClr val="tx1"/>
+        </a:solidFill>
+        <a:latin typeface="+mn-lt"/>
+        <a:ea typeface="+mn-ea"/>
+        <a:cs typeface="+mn-cs"/>
+      </a:defRPr>
+    </a:lvl6pPr>
+    <a:lvl7pPr marL="2743200" algn="l" defTabSz="914400" rtl="0" eaLnBrk="1" latinLnBrk="0" hangingPunct="1">
+      <a:defRPr sz="1200" kern="1200">
+        <a:solidFill>
+          <a:schemeClr val="tx1"/>
+        </a:solidFill>
+        <a:latin typeface="+mn-lt"/>
+        <a:ea typeface="+mn-ea"/>
+        <a:cs typeface="+mn-cs"/>
+      </a:defRPr>
+    </a:lvl7pPr>
+    <a:lvl8pPr marL="3200400" algn="l" defTabSz="914400" rtl="0" eaLnBrk="1" latinLnBrk="0" hangingPunct="1">
+      <a:defRPr sz="1200" kern="1200">
+        <a:solidFill>
+          <a:schemeClr val="tx1"/>
+        </a:solidFill>
+        <a:latin typeface="+mn-lt"/>
+        <a:ea typeface="+mn-ea"/>
+        <a:cs typeface="+mn-cs"/>
+      </a:defRPr>
+    </a:lvl8pPr>
+    <a:lvl9pPr marL="3657600" algn="l" defTabSz="914400" rtl="0" eaLnBrk="1" latinLnBrk="0" hangingPunct="1">
+      <a:defRPr sz="1200" kern="1200">
+        <a:solidFill>
+          <a:schemeClr val="tx1"/>
+        </a:solidFill>
+        <a:latin typeface="+mn-lt"/>
+        <a:ea typeface="+mn-ea"/>
+        <a:cs typeface="+mn-cs"/>
+      </a:defRPr>
+    </a:lvl9pPr>
+  </p:notesStyle>
+</p:notesMaster>
+</file>
+
+<file path=ppt/notesSlides/notesSlide1.xml><?xml version="1.0" encoding="utf-8"?>
+<p:notes xmlns:a="http://schemas.openxmlformats.org/drawingml/2006/main" xmlns:r="http://schemas.openxmlformats.org/officeDocument/2006/relationships" xmlns:p="http://schemas.openxmlformats.org/presentationml/2006/main">
+  <p:cSld>
+    <p:spTree>
+      <p:nvGrpSpPr>
+        <p:cNvPr id="1" name=""/>
+        <p:cNvGrpSpPr/>
+        <p:nvPr/>
+      </p:nvGrpSpPr>
+      <p:grpSpPr>
+        <a:xfrm>
+          <a:off x="0" y="0"/>
+          <a:ext cx="0" cy="0"/>
+          <a:chOff x="0" y="0"/>
+          <a:chExt cx="0" cy="0"/>
+        </a:xfrm>
+      </p:grpSpPr>
+      <p:sp>
+        <p:nvSpPr>
+          <p:cNvPr id="2" name="Slide Image Placeholder 1"/>
+          <p:cNvSpPr>
+            <a:spLocks noGrp="1" noRot="1" noChangeAspect="1"/>
+          </p:cNvSpPr>
+          <p:nvPr>
+            <p:ph type="sldImg"/>
+          </p:nvPr>
+        </p:nvSpPr>
+        <p:spPr/>
+      </p:sp>
+      <p:sp>
+        <p:nvSpPr>
+          <p:cNvPr id="3" name="Notes Placeholder 2"/>
+          <p:cNvSpPr>
+            <a:spLocks noGrp="1"/>
+          </p:cNvSpPr>
+          <p:nvPr>
+            <p:ph type="body" idx="1"/>
+          </p:nvPr>
+        </p:nvSpPr>
+        <p:spPr/>
+        <p:txBody>
+          <a:bodyPr/>
+          <a:lstStyle/>
+          <a:p>
+            <a:r>
+              <a:rPr lang="en-ZA" sz="1200" b="1" kern="1200" dirty="0" smtClean="0">
+                <a:solidFill>
+                  <a:schemeClr val="tx1"/>
+                </a:solidFill>
+                <a:effectLst/>
+                <a:latin typeface="+mn-lt"/>
+                <a:ea typeface="+mn-ea"/>
+                <a:cs typeface="+mn-cs"/>
+              </a:rPr>
+              <a:t>Proposition Statement</a:t>
+            </a:r>
+          </a:p>
+          <a:p>
+            <a:r>
+              <a:rPr lang="en-ZA" sz="1200" kern="1200" dirty="0" smtClean="0">
+                <a:solidFill>
+                  <a:schemeClr val="tx1"/>
+                </a:solidFill>
+                <a:effectLst/>
+                <a:latin typeface="+mn-lt"/>
+                <a:ea typeface="+mn-ea"/>
+                <a:cs typeface="+mn-cs"/>
+              </a:rPr>
+              <a:t>Today we will show you how our movie recommender has the potential of improving your customers’ movie watching experience so that they stay subscribed to your platform for longer and tell all their friends about you.</a:t>
+            </a:r>
+          </a:p>
+          <a:p>
+            <a:endParaRPr lang="en-ZA" dirty="0"/>
+          </a:p>
+        </p:txBody>
+      </p:sp>
+      <p:sp>
+        <p:nvSpPr>
+          <p:cNvPr id="4" name="Slide Number Placeholder 3"/>
+          <p:cNvSpPr>
+            <a:spLocks noGrp="1"/>
+          </p:cNvSpPr>
+          <p:nvPr>
+            <p:ph type="sldNum" sz="quarter" idx="10"/>
+          </p:nvPr>
+        </p:nvSpPr>
+        <p:spPr/>
+        <p:txBody>
+          <a:bodyPr/>
+          <a:lstStyle/>
+          <a:p>
+            <a:fld id="{C35282D9-CCD8-429B-8572-1C07A25916E1}" type="slidenum">
+              <a:rPr lang="en-ZA" smtClean="0"/>
+              <a:t>1</a:t>
+            </a:fld>
+            <a:endParaRPr lang="en-ZA"/>
+          </a:p>
+        </p:txBody>
+      </p:sp>
+    </p:spTree>
+    <p:extLst>
+      <p:ext uri="{BB962C8B-B14F-4D97-AF65-F5344CB8AC3E}">
+        <p14:creationId xmlns:p14="http://schemas.microsoft.com/office/powerpoint/2010/main" val="2099813422"/>
+      </p:ext>
+    </p:extLst>
+  </p:cSld>
+  <p:clrMapOvr>
+    <a:masterClrMapping/>
+  </p:clrMapOvr>
+</p:notes>
 </file>
 
 <file path=ppt/slideLayouts/slideLayout1.xml><?xml version="1.0" encoding="utf-8"?>
@@ -3209,6 +3681,84 @@
             <p:ph type="title"/>
           </p:nvPr>
         </p:nvSpPr>
+        <p:spPr/>
+        <p:txBody>
+          <a:bodyPr/>
+          <a:lstStyle/>
+          <a:p>
+            <a:r>
+              <a:rPr lang="en-ZA" dirty="0" smtClean="0"/>
+              <a:t>BUT …</a:t>
+            </a:r>
+            <a:endParaRPr lang="en-ZA" dirty="0"/>
+          </a:p>
+        </p:txBody>
+      </p:sp>
+      <p:sp>
+        <p:nvSpPr>
+          <p:cNvPr id="3" name="Content Placeholder 2"/>
+          <p:cNvSpPr>
+            <a:spLocks noGrp="1"/>
+          </p:cNvSpPr>
+          <p:nvPr>
+            <p:ph idx="1"/>
+          </p:nvPr>
+        </p:nvSpPr>
+        <p:spPr/>
+        <p:txBody>
+          <a:bodyPr/>
+          <a:lstStyle/>
+          <a:p>
+            <a:r>
+              <a:rPr lang="en-ZA" sz="4000" dirty="0"/>
+              <a:t>Johnny’s problem is not unique</a:t>
+            </a:r>
+          </a:p>
+          <a:p>
+            <a:endParaRPr lang="en-ZA" dirty="0"/>
+          </a:p>
+        </p:txBody>
+      </p:sp>
+    </p:spTree>
+    <p:extLst>
+      <p:ext uri="{BB962C8B-B14F-4D97-AF65-F5344CB8AC3E}">
+        <p14:creationId xmlns:p14="http://schemas.microsoft.com/office/powerpoint/2010/main" val="1456926760"/>
+      </p:ext>
+    </p:extLst>
+  </p:cSld>
+  <p:clrMapOvr>
+    <a:masterClrMapping/>
+  </p:clrMapOvr>
+</p:sld>
+</file>
+
+<file path=ppt/slides/slide11.xml><?xml version="1.0" encoding="utf-8"?>
+<p:sld xmlns:a="http://schemas.openxmlformats.org/drawingml/2006/main" xmlns:r="http://schemas.openxmlformats.org/officeDocument/2006/relationships" xmlns:p="http://schemas.openxmlformats.org/presentationml/2006/main">
+  <p:cSld>
+    <p:spTree>
+      <p:nvGrpSpPr>
+        <p:cNvPr id="1" name=""/>
+        <p:cNvGrpSpPr/>
+        <p:nvPr/>
+      </p:nvGrpSpPr>
+      <p:grpSpPr>
+        <a:xfrm>
+          <a:off x="0" y="0"/>
+          <a:ext cx="0" cy="0"/>
+          <a:chOff x="0" y="0"/>
+          <a:chExt cx="0" cy="0"/>
+        </a:xfrm>
+      </p:grpSpPr>
+      <p:sp>
+        <p:nvSpPr>
+          <p:cNvPr id="2" name="Title 1"/>
+          <p:cNvSpPr>
+            <a:spLocks noGrp="1"/>
+          </p:cNvSpPr>
+          <p:nvPr>
+            <p:ph type="title"/>
+          </p:nvPr>
+        </p:nvSpPr>
         <p:spPr>
           <a:xfrm>
             <a:off x="467544" y="332656"/>
@@ -3516,7 +4066,7 @@
 </p:sld>
 </file>
 
-<file path=ppt/slides/slide11.xml><?xml version="1.0" encoding="utf-8"?>
+<file path=ppt/slides/slide12.xml><?xml version="1.0" encoding="utf-8"?>
 <p:sld xmlns:a="http://schemas.openxmlformats.org/drawingml/2006/main" xmlns:r="http://schemas.openxmlformats.org/officeDocument/2006/relationships" xmlns:p="http://schemas.openxmlformats.org/presentationml/2006/main">
   <p:cSld>
     <p:spTree>
@@ -4002,7 +4552,7 @@
 </p:sld>
 </file>
 
-<file path=ppt/slides/slide12.xml><?xml version="1.0" encoding="utf-8"?>
+<file path=ppt/slides/slide13.xml><?xml version="1.0" encoding="utf-8"?>
 <p:sld xmlns:a="http://schemas.openxmlformats.org/drawingml/2006/main" xmlns:r="http://schemas.openxmlformats.org/officeDocument/2006/relationships" xmlns:p="http://schemas.openxmlformats.org/presentationml/2006/main">
   <p:cSld>
     <p:spTree>
@@ -4649,7 +5199,7 @@
 </p:sld>
 </file>
 
-<file path=ppt/slides/slide13.xml><?xml version="1.0" encoding="utf-8"?>
+<file path=ppt/slides/slide14.xml><?xml version="1.0" encoding="utf-8"?>
 <p:sld xmlns:a="http://schemas.openxmlformats.org/drawingml/2006/main" xmlns:r="http://schemas.openxmlformats.org/officeDocument/2006/relationships" xmlns:p="http://schemas.openxmlformats.org/presentationml/2006/main">
   <p:cSld>
     <p:spTree>
@@ -5208,7 +5758,7 @@
 </p:sld>
 </file>
 
-<file path=ppt/slides/slide14.xml><?xml version="1.0" encoding="utf-8"?>
+<file path=ppt/slides/slide15.xml><?xml version="1.0" encoding="utf-8"?>
 <p:sld xmlns:a="http://schemas.openxmlformats.org/drawingml/2006/main" xmlns:r="http://schemas.openxmlformats.org/officeDocument/2006/relationships" xmlns:p="http://schemas.openxmlformats.org/presentationml/2006/main">
   <p:cSld>
     <p:spTree>
@@ -5601,7 +6151,6548 @@
 </p:sld>
 </file>
 
-<file path=ppt/slides/slide15.xml><?xml version="1.0" encoding="utf-8"?>
+<file path=ppt/slides/slide16.xml><?xml version="1.0" encoding="utf-8"?>
+<p:sld xmlns:a="http://schemas.openxmlformats.org/drawingml/2006/main" xmlns:r="http://schemas.openxmlformats.org/officeDocument/2006/relationships" xmlns:p="http://schemas.openxmlformats.org/presentationml/2006/main">
+  <p:cSld>
+    <p:spTree>
+      <p:nvGrpSpPr>
+        <p:cNvPr id="1" name=""/>
+        <p:cNvGrpSpPr/>
+        <p:nvPr/>
+      </p:nvGrpSpPr>
+      <p:grpSpPr>
+        <a:xfrm>
+          <a:off x="0" y="0"/>
+          <a:ext cx="0" cy="0"/>
+          <a:chOff x="0" y="0"/>
+          <a:chExt cx="0" cy="0"/>
+        </a:xfrm>
+      </p:grpSpPr>
+      <p:sp>
+        <p:nvSpPr>
+          <p:cNvPr id="2" name="object 2"/>
+          <p:cNvSpPr/>
+          <p:nvPr/>
+        </p:nvSpPr>
+        <p:spPr>
+          <a:xfrm>
+            <a:off x="0" y="1082041"/>
+            <a:ext cx="8919210" cy="4693920"/>
+          </a:xfrm>
+          <a:custGeom>
+            <a:avLst/>
+            <a:gdLst/>
+            <a:ahLst/>
+            <a:cxnLst/>
+            <a:rect l="l" t="t" r="r" b="b"/>
+            <a:pathLst>
+              <a:path w="8919210" h="4693920">
+                <a:moveTo>
+                  <a:pt x="0" y="4693920"/>
+                </a:moveTo>
+                <a:lnTo>
+                  <a:pt x="8918919" y="4693920"/>
+                </a:lnTo>
+                <a:lnTo>
+                  <a:pt x="8918919" y="0"/>
+                </a:lnTo>
+                <a:lnTo>
+                  <a:pt x="0" y="0"/>
+                </a:lnTo>
+                <a:lnTo>
+                  <a:pt x="0" y="4693920"/>
+                </a:lnTo>
+                <a:close/>
+              </a:path>
+            </a:pathLst>
+          </a:custGeom>
+          <a:solidFill>
+            <a:srgbClr val="A5B0FD"/>
+          </a:solidFill>
+        </p:spPr>
+        <p:txBody>
+          <a:bodyPr wrap="square" lIns="0" tIns="0" rIns="0" bIns="0" rtlCol="0"/>
+          <a:lstStyle/>
+          <a:p>
+            <a:endParaRPr/>
+          </a:p>
+        </p:txBody>
+      </p:sp>
+      <p:grpSp>
+        <p:nvGrpSpPr>
+          <p:cNvPr id="3" name="object 3"/>
+          <p:cNvGrpSpPr/>
+          <p:nvPr/>
+        </p:nvGrpSpPr>
+        <p:grpSpPr>
+          <a:xfrm>
+            <a:off x="0" y="857250"/>
+            <a:ext cx="9144000" cy="5143500"/>
+            <a:chOff x="0" y="0"/>
+            <a:chExt cx="9144000" cy="5143500"/>
+          </a:xfrm>
+        </p:grpSpPr>
+        <p:sp>
+          <p:nvSpPr>
+            <p:cNvPr id="4" name="object 4"/>
+            <p:cNvSpPr/>
+            <p:nvPr/>
+          </p:nvSpPr>
+          <p:spPr>
+            <a:xfrm>
+              <a:off x="0" y="0"/>
+              <a:ext cx="9144000" cy="5143500"/>
+            </a:xfrm>
+            <a:custGeom>
+              <a:avLst/>
+              <a:gdLst/>
+              <a:ahLst/>
+              <a:cxnLst/>
+              <a:rect l="l" t="t" r="r" b="b"/>
+              <a:pathLst>
+                <a:path w="9144000" h="5143500">
+                  <a:moveTo>
+                    <a:pt x="9143987" y="4918722"/>
+                  </a:moveTo>
+                  <a:lnTo>
+                    <a:pt x="5027498" y="4918722"/>
+                  </a:lnTo>
+                  <a:lnTo>
+                    <a:pt x="5027498" y="5143500"/>
+                  </a:lnTo>
+                  <a:lnTo>
+                    <a:pt x="9143987" y="5143500"/>
+                  </a:lnTo>
+                  <a:lnTo>
+                    <a:pt x="9143987" y="4918722"/>
+                  </a:lnTo>
+                  <a:close/>
+                </a:path>
+                <a:path w="9144000" h="5143500">
+                  <a:moveTo>
+                    <a:pt x="9144000" y="225082"/>
+                  </a:moveTo>
+                  <a:lnTo>
+                    <a:pt x="8918918" y="225082"/>
+                  </a:lnTo>
+                  <a:lnTo>
+                    <a:pt x="8918918" y="4918430"/>
+                  </a:lnTo>
+                  <a:lnTo>
+                    <a:pt x="9144000" y="4918430"/>
+                  </a:lnTo>
+                  <a:lnTo>
+                    <a:pt x="9144000" y="225082"/>
+                  </a:lnTo>
+                  <a:close/>
+                </a:path>
+                <a:path w="9144000" h="5143500">
+                  <a:moveTo>
+                    <a:pt x="9144000" y="0"/>
+                  </a:moveTo>
+                  <a:lnTo>
+                    <a:pt x="0" y="0"/>
+                  </a:lnTo>
+                  <a:lnTo>
+                    <a:pt x="0" y="224802"/>
+                  </a:lnTo>
+                  <a:lnTo>
+                    <a:pt x="0" y="4918722"/>
+                  </a:lnTo>
+                  <a:lnTo>
+                    <a:pt x="0" y="5143500"/>
+                  </a:lnTo>
+                  <a:lnTo>
+                    <a:pt x="4116387" y="5143500"/>
+                  </a:lnTo>
+                  <a:lnTo>
+                    <a:pt x="4116387" y="4918722"/>
+                  </a:lnTo>
+                  <a:lnTo>
+                    <a:pt x="225069" y="4918722"/>
+                  </a:lnTo>
+                  <a:lnTo>
+                    <a:pt x="225069" y="224802"/>
+                  </a:lnTo>
+                  <a:lnTo>
+                    <a:pt x="9144000" y="224802"/>
+                  </a:lnTo>
+                  <a:lnTo>
+                    <a:pt x="9144000" y="0"/>
+                  </a:lnTo>
+                  <a:close/>
+                </a:path>
+              </a:pathLst>
+            </a:custGeom>
+            <a:solidFill>
+              <a:srgbClr val="FFFFFF"/>
+            </a:solidFill>
+          </p:spPr>
+          <p:txBody>
+            <a:bodyPr wrap="square" lIns="0" tIns="0" rIns="0" bIns="0" rtlCol="0"/>
+            <a:lstStyle/>
+            <a:p>
+              <a:endParaRPr/>
+            </a:p>
+          </p:txBody>
+        </p:sp>
+        <p:sp>
+          <p:nvSpPr>
+            <p:cNvPr id="5" name="object 5"/>
+            <p:cNvSpPr/>
+            <p:nvPr/>
+          </p:nvSpPr>
+          <p:spPr>
+            <a:xfrm>
+              <a:off x="4116399" y="4807499"/>
+              <a:ext cx="911225" cy="336550"/>
+            </a:xfrm>
+            <a:custGeom>
+              <a:avLst/>
+              <a:gdLst/>
+              <a:ahLst/>
+              <a:cxnLst/>
+              <a:rect l="l" t="t" r="r" b="b"/>
+              <a:pathLst>
+                <a:path w="911225" h="336550">
+                  <a:moveTo>
+                    <a:pt x="911099" y="335999"/>
+                  </a:moveTo>
+                  <a:lnTo>
+                    <a:pt x="0" y="335999"/>
+                  </a:lnTo>
+                  <a:lnTo>
+                    <a:pt x="0" y="0"/>
+                  </a:lnTo>
+                  <a:lnTo>
+                    <a:pt x="911099" y="0"/>
+                  </a:lnTo>
+                  <a:lnTo>
+                    <a:pt x="911099" y="335999"/>
+                  </a:lnTo>
+                  <a:close/>
+                </a:path>
+              </a:pathLst>
+            </a:custGeom>
+            <a:solidFill>
+              <a:srgbClr val="000000"/>
+            </a:solidFill>
+          </p:spPr>
+          <p:txBody>
+            <a:bodyPr wrap="square" lIns="0" tIns="0" rIns="0" bIns="0" rtlCol="0"/>
+            <a:lstStyle/>
+            <a:p>
+              <a:endParaRPr/>
+            </a:p>
+          </p:txBody>
+        </p:sp>
+        <p:pic>
+          <p:nvPicPr>
+            <p:cNvPr id="6" name="object 6"/>
+            <p:cNvPicPr/>
+            <p:nvPr/>
+          </p:nvPicPr>
+          <p:blipFill>
+            <a:blip r:embed="rId2" cstate="print"/>
+            <a:stretch>
+              <a:fillRect/>
+            </a:stretch>
+          </p:blipFill>
+          <p:spPr>
+            <a:xfrm>
+              <a:off x="1020600" y="398985"/>
+              <a:ext cx="7102700" cy="4345525"/>
+            </a:xfrm>
+            <a:prstGeom prst="rect">
+              <a:avLst/>
+            </a:prstGeom>
+          </p:spPr>
+        </p:pic>
+      </p:grpSp>
+    </p:spTree>
+    <p:extLst>
+      <p:ext uri="{BB962C8B-B14F-4D97-AF65-F5344CB8AC3E}">
+        <p14:creationId xmlns:p14="http://schemas.microsoft.com/office/powerpoint/2010/main" val="610423163"/>
+      </p:ext>
+    </p:extLst>
+  </p:cSld>
+  <p:clrMapOvr>
+    <a:masterClrMapping/>
+  </p:clrMapOvr>
+  <p:timing>
+    <p:tnLst>
+      <p:par>
+        <p:cTn id="1" dur="indefinite" restart="never" nodeType="tmRoot"/>
+      </p:par>
+    </p:tnLst>
+  </p:timing>
+</p:sld>
+</file>
+
+<file path=ppt/slides/slide17.xml><?xml version="1.0" encoding="utf-8"?>
+<p:sld xmlns:a="http://schemas.openxmlformats.org/drawingml/2006/main" xmlns:r="http://schemas.openxmlformats.org/officeDocument/2006/relationships" xmlns:p="http://schemas.openxmlformats.org/presentationml/2006/main">
+  <p:cSld>
+    <p:spTree>
+      <p:nvGrpSpPr>
+        <p:cNvPr id="1" name=""/>
+        <p:cNvGrpSpPr/>
+        <p:nvPr/>
+      </p:nvGrpSpPr>
+      <p:grpSpPr>
+        <a:xfrm>
+          <a:off x="0" y="0"/>
+          <a:ext cx="0" cy="0"/>
+          <a:chOff x="0" y="0"/>
+          <a:chExt cx="0" cy="0"/>
+        </a:xfrm>
+      </p:grpSpPr>
+      <p:sp>
+        <p:nvSpPr>
+          <p:cNvPr id="2" name="object 2"/>
+          <p:cNvSpPr txBox="1"/>
+          <p:nvPr/>
+        </p:nvSpPr>
+        <p:spPr>
+          <a:xfrm>
+            <a:off x="312539" y="339328"/>
+            <a:ext cx="5438180" cy="268703"/>
+          </a:xfrm>
+          <a:prstGeom prst="rect">
+            <a:avLst/>
+          </a:prstGeom>
+        </p:spPr>
+        <p:txBody>
+          <a:bodyPr vert="horz" wrap="square" lIns="0" tIns="8929" rIns="0" bIns="0" rtlCol="0">
+            <a:spAutoFit/>
+          </a:bodyPr>
+          <a:lstStyle/>
+          <a:p>
+            <a:pPr marL="8929">
+              <a:spcBef>
+                <a:spcPts val="70"/>
+              </a:spcBef>
+            </a:pPr>
+            <a:r>
+              <a:rPr lang="en-ZA" sz="1700" b="1" spc="49" dirty="0" smtClean="0">
+                <a:latin typeface="Trebuchet MS"/>
+                <a:cs typeface="Trebuchet MS"/>
+              </a:rPr>
+              <a:t>What influences a Content Based Model?</a:t>
+            </a:r>
+            <a:endParaRPr sz="1700" dirty="0">
+              <a:latin typeface="Trebuchet MS"/>
+              <a:cs typeface="Trebuchet MS"/>
+            </a:endParaRPr>
+          </a:p>
+        </p:txBody>
+      </p:sp>
+      <p:sp>
+        <p:nvSpPr>
+          <p:cNvPr id="3" name="object 3"/>
+          <p:cNvSpPr txBox="1"/>
+          <p:nvPr/>
+        </p:nvSpPr>
+        <p:spPr>
+          <a:xfrm>
+            <a:off x="368742" y="937617"/>
+            <a:ext cx="8168039" cy="528390"/>
+          </a:xfrm>
+          <a:prstGeom prst="rect">
+            <a:avLst/>
+          </a:prstGeom>
+        </p:spPr>
+        <p:txBody>
+          <a:bodyPr vert="horz" wrap="square" lIns="0" tIns="8929" rIns="0" bIns="0" rtlCol="0">
+            <a:spAutoFit/>
+          </a:bodyPr>
+          <a:lstStyle/>
+          <a:p>
+            <a:pPr marL="8929">
+              <a:spcBef>
+                <a:spcPts val="70"/>
+              </a:spcBef>
+            </a:pPr>
+            <a:r>
+              <a:rPr lang="en-ZA" sz="3400" b="1" dirty="0" smtClean="0">
+                <a:latin typeface="Arial" panose="020B0604020202020204" pitchFamily="34" charset="0"/>
+                <a:cs typeface="Arial" panose="020B0604020202020204" pitchFamily="34" charset="0"/>
+              </a:rPr>
+              <a:t>1. Actors</a:t>
+            </a:r>
+            <a:endParaRPr sz="3400" b="1" dirty="0">
+              <a:latin typeface="Arial" panose="020B0604020202020204" pitchFamily="34" charset="0"/>
+              <a:cs typeface="Arial" panose="020B0604020202020204" pitchFamily="34" charset="0"/>
+            </a:endParaRPr>
+          </a:p>
+        </p:txBody>
+      </p:sp>
+      <p:pic>
+        <p:nvPicPr>
+          <p:cNvPr id="3074" name="Picture 2">
+            <a:extLst>
+              <a:ext uri="{FF2B5EF4-FFF2-40B4-BE49-F238E27FC236}">
+                <a16:creationId xmlns="" xmlns:a16="http://schemas.microsoft.com/office/drawing/2014/main" id="{871C0D42-6917-45EE-A543-D88A5C2D721D}"/>
+              </a:ext>
+            </a:extLst>
+          </p:cNvPr>
+          <p:cNvPicPr>
+            <a:picLocks noChangeAspect="1" noChangeArrowheads="1"/>
+          </p:cNvPicPr>
+          <p:nvPr/>
+        </p:nvPicPr>
+        <p:blipFill>
+          <a:blip r:embed="rId2">
+            <a:extLst>
+              <a:ext uri="{28A0092B-C50C-407E-A947-70E740481C1C}">
+                <a14:useLocalDpi xmlns:a14="http://schemas.microsoft.com/office/drawing/2010/main" val="0"/>
+              </a:ext>
+            </a:extLst>
+          </a:blip>
+          <a:srcRect/>
+          <a:stretch>
+            <a:fillRect/>
+          </a:stretch>
+        </p:blipFill>
+        <p:spPr bwMode="auto">
+          <a:xfrm>
+            <a:off x="714375" y="1821656"/>
+            <a:ext cx="7282423" cy="4393406"/>
+          </a:xfrm>
+          <a:prstGeom prst="rect">
+            <a:avLst/>
+          </a:prstGeom>
+          <a:noFill/>
+          <a:extLst>
+            <a:ext uri="{909E8E84-426E-40DD-AFC4-6F175D3DCCD1}">
+              <a14:hiddenFill xmlns:a14="http://schemas.microsoft.com/office/drawing/2010/main">
+                <a:solidFill>
+                  <a:srgbClr val="FFFFFF"/>
+                </a:solidFill>
+              </a14:hiddenFill>
+            </a:ext>
+          </a:extLst>
+        </p:spPr>
+      </p:pic>
+    </p:spTree>
+    <p:extLst>
+      <p:ext uri="{BB962C8B-B14F-4D97-AF65-F5344CB8AC3E}">
+        <p14:creationId xmlns:p14="http://schemas.microsoft.com/office/powerpoint/2010/main" val="555686178"/>
+      </p:ext>
+    </p:extLst>
+  </p:cSld>
+  <p:clrMapOvr>
+    <a:masterClrMapping/>
+  </p:clrMapOvr>
+  <p:timing>
+    <p:tnLst>
+      <p:par>
+        <p:cTn id="1" dur="indefinite" restart="never" nodeType="tmRoot"/>
+      </p:par>
+    </p:tnLst>
+  </p:timing>
+</p:sld>
+</file>
+
+<file path=ppt/slides/slide18.xml><?xml version="1.0" encoding="utf-8"?>
+<p:sld xmlns:a="http://schemas.openxmlformats.org/drawingml/2006/main" xmlns:r="http://schemas.openxmlformats.org/officeDocument/2006/relationships" xmlns:p="http://schemas.openxmlformats.org/presentationml/2006/main">
+  <p:cSld>
+    <p:spTree>
+      <p:nvGrpSpPr>
+        <p:cNvPr id="1" name=""/>
+        <p:cNvGrpSpPr/>
+        <p:nvPr/>
+      </p:nvGrpSpPr>
+      <p:grpSpPr>
+        <a:xfrm>
+          <a:off x="0" y="0"/>
+          <a:ext cx="0" cy="0"/>
+          <a:chOff x="0" y="0"/>
+          <a:chExt cx="0" cy="0"/>
+        </a:xfrm>
+      </p:grpSpPr>
+      <p:sp>
+        <p:nvSpPr>
+          <p:cNvPr id="5" name="object 5"/>
+          <p:cNvSpPr txBox="1"/>
+          <p:nvPr/>
+        </p:nvSpPr>
+        <p:spPr>
+          <a:xfrm>
+            <a:off x="312539" y="339328"/>
+            <a:ext cx="4366617" cy="268703"/>
+          </a:xfrm>
+          <a:prstGeom prst="rect">
+            <a:avLst/>
+          </a:prstGeom>
+        </p:spPr>
+        <p:txBody>
+          <a:bodyPr vert="horz" wrap="square" lIns="0" tIns="8929" rIns="0" bIns="0" rtlCol="0">
+            <a:spAutoFit/>
+          </a:bodyPr>
+          <a:lstStyle/>
+          <a:p>
+            <a:pPr marL="8929">
+              <a:spcBef>
+                <a:spcPts val="70"/>
+              </a:spcBef>
+            </a:pPr>
+            <a:r>
+              <a:rPr lang="en-US" sz="1700" b="1" spc="49" dirty="0">
+                <a:latin typeface="Trebuchet MS"/>
+                <a:cs typeface="Trebuchet MS"/>
+              </a:rPr>
+              <a:t>What influences a Content Based Model?</a:t>
+            </a:r>
+            <a:endParaRPr lang="en-US" sz="1700" dirty="0">
+              <a:latin typeface="Trebuchet MS"/>
+              <a:cs typeface="Trebuchet MS"/>
+            </a:endParaRPr>
+          </a:p>
+        </p:txBody>
+      </p:sp>
+      <p:pic>
+        <p:nvPicPr>
+          <p:cNvPr id="4098" name="Picture 2">
+            <a:extLst>
+              <a:ext uri="{FF2B5EF4-FFF2-40B4-BE49-F238E27FC236}">
+                <a16:creationId xmlns="" xmlns:a16="http://schemas.microsoft.com/office/drawing/2014/main" id="{F3EBACF5-A4CA-4386-8AB6-65E5B5258655}"/>
+              </a:ext>
+            </a:extLst>
+          </p:cNvPr>
+          <p:cNvPicPr>
+            <a:picLocks noChangeAspect="1" noChangeArrowheads="1"/>
+          </p:cNvPicPr>
+          <p:nvPr/>
+        </p:nvPicPr>
+        <p:blipFill>
+          <a:blip r:embed="rId2">
+            <a:extLst>
+              <a:ext uri="{28A0092B-C50C-407E-A947-70E740481C1C}">
+                <a14:useLocalDpi xmlns:a14="http://schemas.microsoft.com/office/drawing/2010/main" val="0"/>
+              </a:ext>
+            </a:extLst>
+          </a:blip>
+          <a:srcRect/>
+          <a:stretch>
+            <a:fillRect/>
+          </a:stretch>
+        </p:blipFill>
+        <p:spPr bwMode="auto">
+          <a:xfrm>
+            <a:off x="767953" y="2143125"/>
+            <a:ext cx="7286625" cy="4232672"/>
+          </a:xfrm>
+          <a:prstGeom prst="rect">
+            <a:avLst/>
+          </a:prstGeom>
+          <a:noFill/>
+          <a:extLst>
+            <a:ext uri="{909E8E84-426E-40DD-AFC4-6F175D3DCCD1}">
+              <a14:hiddenFill xmlns:a14="http://schemas.microsoft.com/office/drawing/2010/main">
+                <a:solidFill>
+                  <a:srgbClr val="FFFFFF"/>
+                </a:solidFill>
+              </a14:hiddenFill>
+            </a:ext>
+          </a:extLst>
+        </p:spPr>
+      </p:pic>
+      <p:sp>
+        <p:nvSpPr>
+          <p:cNvPr id="9" name="TextBox 8">
+            <a:extLst>
+              <a:ext uri="{FF2B5EF4-FFF2-40B4-BE49-F238E27FC236}">
+                <a16:creationId xmlns="" xmlns:a16="http://schemas.microsoft.com/office/drawing/2014/main" id="{78850670-5EDF-497B-BE66-1E2C006FA33F}"/>
+              </a:ext>
+            </a:extLst>
+          </p:cNvPr>
+          <p:cNvSpPr txBox="1"/>
+          <p:nvPr/>
+        </p:nvSpPr>
+        <p:spPr>
+          <a:xfrm>
+            <a:off x="178594" y="1245735"/>
+            <a:ext cx="8197453" cy="584295"/>
+          </a:xfrm>
+          <a:prstGeom prst="rect">
+            <a:avLst/>
+          </a:prstGeom>
+          <a:noFill/>
+        </p:spPr>
+        <p:txBody>
+          <a:bodyPr wrap="square" lIns="64291" tIns="32146" rIns="64291" bIns="32146">
+            <a:spAutoFit/>
+          </a:bodyPr>
+          <a:lstStyle/>
+          <a:p>
+            <a:pPr marL="8929">
+              <a:spcBef>
+                <a:spcPts val="70"/>
+              </a:spcBef>
+            </a:pPr>
+            <a:r>
+              <a:rPr lang="en-US" sz="3400" b="1" dirty="0" smtClean="0">
+                <a:latin typeface="Arial" panose="020B0604020202020204" pitchFamily="34" charset="0"/>
+                <a:cs typeface="Arial" panose="020B0604020202020204" pitchFamily="34" charset="0"/>
+              </a:rPr>
+              <a:t>2. GENRES</a:t>
+            </a:r>
+            <a:endParaRPr lang="en-US" sz="3400" b="1" dirty="0">
+              <a:latin typeface="Arial" panose="020B0604020202020204" pitchFamily="34" charset="0"/>
+              <a:cs typeface="Arial" panose="020B0604020202020204" pitchFamily="34" charset="0"/>
+            </a:endParaRPr>
+          </a:p>
+        </p:txBody>
+      </p:sp>
+    </p:spTree>
+    <p:extLst>
+      <p:ext uri="{BB962C8B-B14F-4D97-AF65-F5344CB8AC3E}">
+        <p14:creationId xmlns:p14="http://schemas.microsoft.com/office/powerpoint/2010/main" val="888368520"/>
+      </p:ext>
+    </p:extLst>
+  </p:cSld>
+  <p:clrMapOvr>
+    <a:masterClrMapping/>
+  </p:clrMapOvr>
+  <p:timing>
+    <p:tnLst>
+      <p:par>
+        <p:cTn id="1" dur="indefinite" restart="never" nodeType="tmRoot"/>
+      </p:par>
+    </p:tnLst>
+  </p:timing>
+</p:sld>
+</file>
+
+<file path=ppt/slides/slide19.xml><?xml version="1.0" encoding="utf-8"?>
+<p:sld xmlns:a="http://schemas.openxmlformats.org/drawingml/2006/main" xmlns:r="http://schemas.openxmlformats.org/officeDocument/2006/relationships" xmlns:p="http://schemas.openxmlformats.org/presentationml/2006/main">
+  <p:cSld>
+    <p:spTree>
+      <p:nvGrpSpPr>
+        <p:cNvPr id="1" name=""/>
+        <p:cNvGrpSpPr/>
+        <p:nvPr/>
+      </p:nvGrpSpPr>
+      <p:grpSpPr>
+        <a:xfrm>
+          <a:off x="0" y="0"/>
+          <a:ext cx="0" cy="0"/>
+          <a:chOff x="0" y="0"/>
+          <a:chExt cx="0" cy="0"/>
+        </a:xfrm>
+      </p:grpSpPr>
+      <p:sp>
+        <p:nvSpPr>
+          <p:cNvPr id="2" name="object 2"/>
+          <p:cNvSpPr txBox="1"/>
+          <p:nvPr/>
+        </p:nvSpPr>
+        <p:spPr>
+          <a:xfrm>
+            <a:off x="312539" y="339328"/>
+            <a:ext cx="4527352" cy="270626"/>
+          </a:xfrm>
+          <a:prstGeom prst="rect">
+            <a:avLst/>
+          </a:prstGeom>
+        </p:spPr>
+        <p:txBody>
+          <a:bodyPr vert="horz" wrap="square" lIns="0" tIns="8929" rIns="0" bIns="0" rtlCol="0">
+            <a:spAutoFit/>
+          </a:bodyPr>
+          <a:lstStyle/>
+          <a:p>
+            <a:pPr marL="8929">
+              <a:spcBef>
+                <a:spcPts val="70"/>
+              </a:spcBef>
+            </a:pPr>
+            <a:r>
+              <a:rPr lang="en-US" sz="1700" b="1" spc="49" dirty="0">
+                <a:latin typeface="Trebuchet MS"/>
+                <a:cs typeface="Trebuchet MS"/>
+              </a:rPr>
+              <a:t>What influences a Content Based Model?</a:t>
+            </a:r>
+            <a:endParaRPr lang="en-US" sz="1700" dirty="0">
+              <a:latin typeface="Trebuchet MS"/>
+              <a:cs typeface="Trebuchet MS"/>
+            </a:endParaRPr>
+          </a:p>
+        </p:txBody>
+      </p:sp>
+      <p:sp>
+        <p:nvSpPr>
+          <p:cNvPr id="3" name="object 3"/>
+          <p:cNvSpPr txBox="1"/>
+          <p:nvPr/>
+        </p:nvSpPr>
+        <p:spPr>
+          <a:xfrm>
+            <a:off x="312539" y="979050"/>
+            <a:ext cx="4527352" cy="536228"/>
+          </a:xfrm>
+          <a:prstGeom prst="rect">
+            <a:avLst/>
+          </a:prstGeom>
+        </p:spPr>
+        <p:txBody>
+          <a:bodyPr vert="horz" wrap="square" lIns="0" tIns="12055" rIns="0" bIns="0" rtlCol="0">
+            <a:spAutoFit/>
+          </a:bodyPr>
+          <a:lstStyle/>
+          <a:p>
+            <a:pPr marL="8929">
+              <a:spcBef>
+                <a:spcPts val="95"/>
+              </a:spcBef>
+            </a:pPr>
+            <a:r>
+              <a:rPr lang="en-ZA" sz="3400" b="1" dirty="0" smtClean="0">
+                <a:latin typeface="Calibri"/>
+                <a:cs typeface="Calibri"/>
+              </a:rPr>
+              <a:t>3. RELEASE </a:t>
+            </a:r>
+            <a:r>
+              <a:rPr lang="en-ZA" sz="3400" b="1" dirty="0">
+                <a:latin typeface="Calibri"/>
+                <a:cs typeface="Calibri"/>
+              </a:rPr>
+              <a:t>YEAR </a:t>
+            </a:r>
+            <a:endParaRPr sz="3400" b="1" dirty="0">
+              <a:latin typeface="Calibri"/>
+              <a:cs typeface="Calibri"/>
+            </a:endParaRPr>
+          </a:p>
+        </p:txBody>
+      </p:sp>
+      <p:pic>
+        <p:nvPicPr>
+          <p:cNvPr id="5122" name="Picture 2">
+            <a:extLst>
+              <a:ext uri="{FF2B5EF4-FFF2-40B4-BE49-F238E27FC236}">
+                <a16:creationId xmlns="" xmlns:a16="http://schemas.microsoft.com/office/drawing/2014/main" id="{7A09DB13-A8D4-4CD8-8D2A-A5E6C0BC781C}"/>
+              </a:ext>
+            </a:extLst>
+          </p:cNvPr>
+          <p:cNvPicPr>
+            <a:picLocks noChangeAspect="1" noChangeArrowheads="1"/>
+          </p:cNvPicPr>
+          <p:nvPr/>
+        </p:nvPicPr>
+        <p:blipFill>
+          <a:blip r:embed="rId2">
+            <a:extLst>
+              <a:ext uri="{28A0092B-C50C-407E-A947-70E740481C1C}">
+                <a14:useLocalDpi xmlns:a14="http://schemas.microsoft.com/office/drawing/2010/main" val="0"/>
+              </a:ext>
+            </a:extLst>
+          </a:blip>
+          <a:srcRect/>
+          <a:stretch>
+            <a:fillRect/>
+          </a:stretch>
+        </p:blipFill>
+        <p:spPr bwMode="auto">
+          <a:xfrm>
+            <a:off x="289426" y="1829539"/>
+            <a:ext cx="8354511" cy="4159002"/>
+          </a:xfrm>
+          <a:prstGeom prst="rect">
+            <a:avLst/>
+          </a:prstGeom>
+          <a:noFill/>
+          <a:extLst>
+            <a:ext uri="{909E8E84-426E-40DD-AFC4-6F175D3DCCD1}">
+              <a14:hiddenFill xmlns:a14="http://schemas.microsoft.com/office/drawing/2010/main">
+                <a:solidFill>
+                  <a:srgbClr val="FFFFFF"/>
+                </a:solidFill>
+              </a14:hiddenFill>
+            </a:ext>
+          </a:extLst>
+        </p:spPr>
+      </p:pic>
+    </p:spTree>
+    <p:extLst>
+      <p:ext uri="{BB962C8B-B14F-4D97-AF65-F5344CB8AC3E}">
+        <p14:creationId xmlns:p14="http://schemas.microsoft.com/office/powerpoint/2010/main" val="953797265"/>
+      </p:ext>
+    </p:extLst>
+  </p:cSld>
+  <p:clrMapOvr>
+    <a:masterClrMapping/>
+  </p:clrMapOvr>
+  <p:timing>
+    <p:tnLst>
+      <p:par>
+        <p:cTn id="1" dur="indefinite" restart="never" nodeType="tmRoot"/>
+      </p:par>
+    </p:tnLst>
+  </p:timing>
+</p:sld>
+</file>
+
+<file path=ppt/slides/slide2.xml><?xml version="1.0" encoding="utf-8"?>
+<p:sld xmlns:a="http://schemas.openxmlformats.org/drawingml/2006/main" xmlns:r="http://schemas.openxmlformats.org/officeDocument/2006/relationships" xmlns:p="http://schemas.openxmlformats.org/presentationml/2006/main">
+  <p:cSld>
+    <p:spTree>
+      <p:nvGrpSpPr>
+        <p:cNvPr id="1" name=""/>
+        <p:cNvGrpSpPr/>
+        <p:nvPr/>
+      </p:nvGrpSpPr>
+      <p:grpSpPr>
+        <a:xfrm>
+          <a:off x="0" y="0"/>
+          <a:ext cx="0" cy="0"/>
+          <a:chOff x="0" y="0"/>
+          <a:chExt cx="0" cy="0"/>
+        </a:xfrm>
+      </p:grpSpPr>
+      <p:sp>
+        <p:nvSpPr>
+          <p:cNvPr id="2" name="Title 1"/>
+          <p:cNvSpPr>
+            <a:spLocks noGrp="1"/>
+          </p:cNvSpPr>
+          <p:nvPr>
+            <p:ph type="title"/>
+          </p:nvPr>
+        </p:nvSpPr>
+        <p:spPr/>
+        <p:txBody>
+          <a:bodyPr/>
+          <a:lstStyle/>
+          <a:p>
+            <a:r>
+              <a:rPr lang="en-ZA" dirty="0" smtClean="0"/>
+              <a:t>Johnny had a tough Week</a:t>
+            </a:r>
+            <a:endParaRPr lang="en-ZA" dirty="0"/>
+          </a:p>
+        </p:txBody>
+      </p:sp>
+      <p:pic>
+        <p:nvPicPr>
+          <p:cNvPr id="4" name="Content Placeholder 3"/>
+          <p:cNvPicPr>
+            <a:picLocks noGrp="1" noChangeAspect="1"/>
+          </p:cNvPicPr>
+          <p:nvPr>
+            <p:ph idx="1"/>
+          </p:nvPr>
+        </p:nvPicPr>
+        <p:blipFill>
+          <a:blip r:embed="rId2">
+            <a:extLst>
+              <a:ext uri="{28A0092B-C50C-407E-A947-70E740481C1C}">
+                <a14:useLocalDpi xmlns:a14="http://schemas.microsoft.com/office/drawing/2010/main" val="0"/>
+              </a:ext>
+            </a:extLst>
+          </a:blip>
+          <a:stretch>
+            <a:fillRect/>
+          </a:stretch>
+        </p:blipFill>
+        <p:spPr>
+          <a:xfrm>
+            <a:off x="2221354" y="1600200"/>
+            <a:ext cx="4701292" cy="4708525"/>
+          </a:xfrm>
+        </p:spPr>
+      </p:pic>
+    </p:spTree>
+    <p:extLst>
+      <p:ext uri="{BB962C8B-B14F-4D97-AF65-F5344CB8AC3E}">
+        <p14:creationId xmlns:p14="http://schemas.microsoft.com/office/powerpoint/2010/main" val="3037039112"/>
+      </p:ext>
+    </p:extLst>
+  </p:cSld>
+  <p:clrMapOvr>
+    <a:masterClrMapping/>
+  </p:clrMapOvr>
+  <p:timing>
+    <p:tnLst>
+      <p:par>
+        <p:cTn id="1" dur="indefinite" restart="never" nodeType="tmRoot"/>
+      </p:par>
+    </p:tnLst>
+  </p:timing>
+</p:sld>
+</file>
+
+<file path=ppt/slides/slide20.xml><?xml version="1.0" encoding="utf-8"?>
+<p:sld xmlns:a="http://schemas.openxmlformats.org/drawingml/2006/main" xmlns:r="http://schemas.openxmlformats.org/officeDocument/2006/relationships" xmlns:p="http://schemas.openxmlformats.org/presentationml/2006/main">
+  <p:cSld>
+    <p:spTree>
+      <p:nvGrpSpPr>
+        <p:cNvPr id="1" name=""/>
+        <p:cNvGrpSpPr/>
+        <p:nvPr/>
+      </p:nvGrpSpPr>
+      <p:grpSpPr>
+        <a:xfrm>
+          <a:off x="0" y="0"/>
+          <a:ext cx="0" cy="0"/>
+          <a:chOff x="0" y="0"/>
+          <a:chExt cx="0" cy="0"/>
+        </a:xfrm>
+      </p:grpSpPr>
+      <p:sp>
+        <p:nvSpPr>
+          <p:cNvPr id="2" name="object 2"/>
+          <p:cNvSpPr txBox="1"/>
+          <p:nvPr/>
+        </p:nvSpPr>
+        <p:spPr>
+          <a:xfrm>
+            <a:off x="395535" y="339328"/>
+            <a:ext cx="4896545" cy="270626"/>
+          </a:xfrm>
+          <a:prstGeom prst="rect">
+            <a:avLst/>
+          </a:prstGeom>
+        </p:spPr>
+        <p:txBody>
+          <a:bodyPr vert="horz" wrap="square" lIns="0" tIns="8929" rIns="0" bIns="0" rtlCol="0">
+            <a:spAutoFit/>
+          </a:bodyPr>
+          <a:lstStyle/>
+          <a:p>
+            <a:pPr marL="8929">
+              <a:spcBef>
+                <a:spcPts val="70"/>
+              </a:spcBef>
+            </a:pPr>
+            <a:r>
+              <a:rPr lang="en-US" sz="1700" b="1" spc="49" dirty="0">
+                <a:latin typeface="Trebuchet MS"/>
+                <a:cs typeface="Trebuchet MS"/>
+              </a:rPr>
+              <a:t>What influences a Content Based Model?</a:t>
+            </a:r>
+            <a:endParaRPr lang="en-US" sz="1700" dirty="0">
+              <a:latin typeface="Trebuchet MS"/>
+              <a:cs typeface="Trebuchet MS"/>
+            </a:endParaRPr>
+          </a:p>
+        </p:txBody>
+      </p:sp>
+      <p:sp>
+        <p:nvSpPr>
+          <p:cNvPr id="3" name="object 3"/>
+          <p:cNvSpPr txBox="1"/>
+          <p:nvPr/>
+        </p:nvSpPr>
+        <p:spPr>
+          <a:xfrm>
+            <a:off x="312539" y="937617"/>
+            <a:ext cx="8224242" cy="532236"/>
+          </a:xfrm>
+          <a:prstGeom prst="rect">
+            <a:avLst/>
+          </a:prstGeom>
+        </p:spPr>
+        <p:txBody>
+          <a:bodyPr vert="horz" wrap="square" lIns="0" tIns="8929" rIns="0" bIns="0" rtlCol="0">
+            <a:spAutoFit/>
+          </a:bodyPr>
+          <a:lstStyle/>
+          <a:p>
+            <a:pPr marL="8929">
+              <a:spcBef>
+                <a:spcPts val="70"/>
+              </a:spcBef>
+            </a:pPr>
+            <a:r>
+              <a:rPr lang="en-ZA" sz="3400" b="1" dirty="0">
+                <a:latin typeface="Calibri"/>
+                <a:cs typeface="Calibri"/>
+              </a:rPr>
+              <a:t>4. </a:t>
+            </a:r>
+            <a:r>
+              <a:rPr lang="en-ZA" sz="3400" b="1" dirty="0">
+                <a:latin typeface="Calibri"/>
+                <a:cs typeface="Calibri"/>
+              </a:rPr>
+              <a:t>Directors</a:t>
+            </a:r>
+            <a:endParaRPr sz="3400" b="1" dirty="0">
+              <a:latin typeface="Calibri"/>
+              <a:cs typeface="Calibri"/>
+            </a:endParaRPr>
+          </a:p>
+        </p:txBody>
+      </p:sp>
+      <p:pic>
+        <p:nvPicPr>
+          <p:cNvPr id="2050" name="Picture 2">
+            <a:extLst>
+              <a:ext uri="{FF2B5EF4-FFF2-40B4-BE49-F238E27FC236}">
+                <a16:creationId xmlns="" xmlns:a16="http://schemas.microsoft.com/office/drawing/2014/main" id="{7826D653-95AF-4F10-877D-F7C4AA1627E8}"/>
+              </a:ext>
+            </a:extLst>
+          </p:cNvPr>
+          <p:cNvPicPr>
+            <a:picLocks noChangeAspect="1" noChangeArrowheads="1"/>
+          </p:cNvPicPr>
+          <p:nvPr/>
+        </p:nvPicPr>
+        <p:blipFill>
+          <a:blip r:embed="rId2">
+            <a:extLst>
+              <a:ext uri="{28A0092B-C50C-407E-A947-70E740481C1C}">
+                <a14:useLocalDpi xmlns:a14="http://schemas.microsoft.com/office/drawing/2010/main" val="0"/>
+              </a:ext>
+            </a:extLst>
+          </a:blip>
+          <a:srcRect/>
+          <a:stretch>
+            <a:fillRect/>
+          </a:stretch>
+        </p:blipFill>
+        <p:spPr bwMode="auto">
+          <a:xfrm>
+            <a:off x="928687" y="1682412"/>
+            <a:ext cx="6697266" cy="4639807"/>
+          </a:xfrm>
+          <a:prstGeom prst="rect">
+            <a:avLst/>
+          </a:prstGeom>
+          <a:noFill/>
+          <a:extLst>
+            <a:ext uri="{909E8E84-426E-40DD-AFC4-6F175D3DCCD1}">
+              <a14:hiddenFill xmlns:a14="http://schemas.microsoft.com/office/drawing/2010/main">
+                <a:solidFill>
+                  <a:srgbClr val="FFFFFF"/>
+                </a:solidFill>
+              </a14:hiddenFill>
+            </a:ext>
+          </a:extLst>
+        </p:spPr>
+      </p:pic>
+    </p:spTree>
+    <p:extLst>
+      <p:ext uri="{BB962C8B-B14F-4D97-AF65-F5344CB8AC3E}">
+        <p14:creationId xmlns:p14="http://schemas.microsoft.com/office/powerpoint/2010/main" val="1520735524"/>
+      </p:ext>
+    </p:extLst>
+  </p:cSld>
+  <p:clrMapOvr>
+    <a:masterClrMapping/>
+  </p:clrMapOvr>
+  <p:timing>
+    <p:tnLst>
+      <p:par>
+        <p:cTn id="1" dur="indefinite" restart="never" nodeType="tmRoot"/>
+      </p:par>
+    </p:tnLst>
+  </p:timing>
+</p:sld>
+</file>
+
+<file path=ppt/slides/slide21.xml><?xml version="1.0" encoding="utf-8"?>
+<p:sld xmlns:a="http://schemas.openxmlformats.org/drawingml/2006/main" xmlns:r="http://schemas.openxmlformats.org/officeDocument/2006/relationships" xmlns:p="http://schemas.openxmlformats.org/presentationml/2006/main">
+  <p:cSld>
+    <p:spTree>
+      <p:nvGrpSpPr>
+        <p:cNvPr id="1" name=""/>
+        <p:cNvGrpSpPr/>
+        <p:nvPr/>
+      </p:nvGrpSpPr>
+      <p:grpSpPr>
+        <a:xfrm>
+          <a:off x="0" y="0"/>
+          <a:ext cx="0" cy="0"/>
+          <a:chOff x="0" y="0"/>
+          <a:chExt cx="0" cy="0"/>
+        </a:xfrm>
+      </p:grpSpPr>
+      <p:grpSp>
+        <p:nvGrpSpPr>
+          <p:cNvPr id="2" name="object 2"/>
+          <p:cNvGrpSpPr/>
+          <p:nvPr/>
+        </p:nvGrpSpPr>
+        <p:grpSpPr>
+          <a:xfrm>
+            <a:off x="7846175" y="4068775"/>
+            <a:ext cx="327025" cy="219075"/>
+            <a:chOff x="7846174" y="3211524"/>
+            <a:chExt cx="327025" cy="219075"/>
+          </a:xfrm>
+        </p:grpSpPr>
+        <p:sp>
+          <p:nvSpPr>
+            <p:cNvPr id="3" name="object 3"/>
+            <p:cNvSpPr/>
+            <p:nvPr/>
+          </p:nvSpPr>
+          <p:spPr>
+            <a:xfrm>
+              <a:off x="7846174" y="3211525"/>
+              <a:ext cx="327025" cy="219075"/>
+            </a:xfrm>
+            <a:custGeom>
+              <a:avLst/>
+              <a:gdLst/>
+              <a:ahLst/>
+              <a:cxnLst/>
+              <a:rect l="l" t="t" r="r" b="b"/>
+              <a:pathLst>
+                <a:path w="327025" h="219075">
+                  <a:moveTo>
+                    <a:pt x="112788" y="129082"/>
+                  </a:moveTo>
+                  <a:lnTo>
+                    <a:pt x="107454" y="123825"/>
+                  </a:lnTo>
+                  <a:lnTo>
+                    <a:pt x="91452" y="123825"/>
+                  </a:lnTo>
+                  <a:lnTo>
+                    <a:pt x="48768" y="150075"/>
+                  </a:lnTo>
+                  <a:lnTo>
+                    <a:pt x="42684" y="154101"/>
+                  </a:lnTo>
+                  <a:lnTo>
+                    <a:pt x="40093" y="158610"/>
+                  </a:lnTo>
+                  <a:lnTo>
+                    <a:pt x="40513" y="164109"/>
+                  </a:lnTo>
+                  <a:lnTo>
+                    <a:pt x="43434" y="171081"/>
+                  </a:lnTo>
+                  <a:lnTo>
+                    <a:pt x="48768" y="176326"/>
+                  </a:lnTo>
+                  <a:lnTo>
+                    <a:pt x="59436" y="176326"/>
+                  </a:lnTo>
+                  <a:lnTo>
+                    <a:pt x="107454" y="150075"/>
+                  </a:lnTo>
+                  <a:lnTo>
+                    <a:pt x="112788" y="144830"/>
+                  </a:lnTo>
+                  <a:lnTo>
+                    <a:pt x="112788" y="129082"/>
+                  </a:lnTo>
+                  <a:close/>
+                </a:path>
+                <a:path w="327025" h="219075">
+                  <a:moveTo>
+                    <a:pt x="326999" y="32054"/>
+                  </a:moveTo>
+                  <a:lnTo>
+                    <a:pt x="300189" y="1257"/>
+                  </a:lnTo>
+                  <a:lnTo>
+                    <a:pt x="300189" y="32054"/>
+                  </a:lnTo>
+                  <a:lnTo>
+                    <a:pt x="300189" y="192303"/>
+                  </a:lnTo>
+                  <a:lnTo>
+                    <a:pt x="26797" y="192303"/>
+                  </a:lnTo>
+                  <a:lnTo>
+                    <a:pt x="26797" y="32054"/>
+                  </a:lnTo>
+                  <a:lnTo>
+                    <a:pt x="32156" y="26708"/>
+                  </a:lnTo>
+                  <a:lnTo>
+                    <a:pt x="294830" y="26708"/>
+                  </a:lnTo>
+                  <a:lnTo>
+                    <a:pt x="300189" y="32054"/>
+                  </a:lnTo>
+                  <a:lnTo>
+                    <a:pt x="300189" y="1257"/>
+                  </a:lnTo>
+                  <a:lnTo>
+                    <a:pt x="294830" y="0"/>
+                  </a:lnTo>
+                  <a:lnTo>
+                    <a:pt x="32156" y="0"/>
+                  </a:lnTo>
+                  <a:lnTo>
+                    <a:pt x="20345" y="2755"/>
+                  </a:lnTo>
+                  <a:lnTo>
+                    <a:pt x="10045" y="10020"/>
+                  </a:lnTo>
+                  <a:lnTo>
+                    <a:pt x="2755" y="20281"/>
+                  </a:lnTo>
+                  <a:lnTo>
+                    <a:pt x="0" y="32054"/>
+                  </a:lnTo>
+                  <a:lnTo>
+                    <a:pt x="0" y="165595"/>
+                  </a:lnTo>
+                  <a:lnTo>
+                    <a:pt x="10718" y="170929"/>
+                  </a:lnTo>
+                  <a:lnTo>
+                    <a:pt x="18592" y="180695"/>
+                  </a:lnTo>
+                  <a:lnTo>
+                    <a:pt x="25450" y="192963"/>
+                  </a:lnTo>
+                  <a:lnTo>
+                    <a:pt x="30314" y="206235"/>
+                  </a:lnTo>
+                  <a:lnTo>
+                    <a:pt x="32156" y="219011"/>
+                  </a:lnTo>
+                  <a:lnTo>
+                    <a:pt x="294830" y="219011"/>
+                  </a:lnTo>
+                  <a:lnTo>
+                    <a:pt x="325945" y="192303"/>
+                  </a:lnTo>
+                  <a:lnTo>
+                    <a:pt x="326999" y="186956"/>
+                  </a:lnTo>
+                  <a:lnTo>
+                    <a:pt x="326999" y="32054"/>
+                  </a:lnTo>
+                  <a:close/>
+                </a:path>
+              </a:pathLst>
+            </a:custGeom>
+            <a:solidFill>
+              <a:srgbClr val="FFFFFF"/>
+            </a:solidFill>
+          </p:spPr>
+          <p:txBody>
+            <a:bodyPr wrap="square" lIns="0" tIns="0" rIns="0" bIns="0" rtlCol="0"/>
+            <a:lstStyle/>
+            <a:p>
+              <a:endParaRPr/>
+            </a:p>
+          </p:txBody>
+        </p:sp>
+        <p:pic>
+          <p:nvPicPr>
+            <p:cNvPr id="4" name="object 4"/>
+            <p:cNvPicPr/>
+            <p:nvPr/>
+          </p:nvPicPr>
+          <p:blipFill>
+            <a:blip r:embed="rId2" cstate="print"/>
+            <a:stretch>
+              <a:fillRect/>
+            </a:stretch>
+          </p:blipFill>
+          <p:spPr>
+            <a:xfrm>
+              <a:off x="7884274" y="3259149"/>
+              <a:ext cx="250799" cy="128699"/>
+            </a:xfrm>
+            <a:prstGeom prst="rect">
+              <a:avLst/>
+            </a:prstGeom>
+          </p:spPr>
+        </p:pic>
+      </p:grpSp>
+      <p:sp>
+        <p:nvSpPr>
+          <p:cNvPr id="5" name="object 5"/>
+          <p:cNvSpPr/>
+          <p:nvPr/>
+        </p:nvSpPr>
+        <p:spPr>
+          <a:xfrm>
+            <a:off x="7744574" y="4449366"/>
+            <a:ext cx="525780" cy="262890"/>
+          </a:xfrm>
+          <a:custGeom>
+            <a:avLst/>
+            <a:gdLst/>
+            <a:ahLst/>
+            <a:cxnLst/>
+            <a:rect l="l" t="t" r="r" b="b"/>
+            <a:pathLst>
+              <a:path w="525779" h="262889">
+                <a:moveTo>
+                  <a:pt x="501507" y="235530"/>
+                </a:moveTo>
+                <a:lnTo>
+                  <a:pt x="434421" y="235530"/>
+                </a:lnTo>
+                <a:lnTo>
+                  <a:pt x="460317" y="230846"/>
+                </a:lnTo>
+                <a:lnTo>
+                  <a:pt x="480681" y="218133"/>
+                </a:lnTo>
+                <a:lnTo>
+                  <a:pt x="494004" y="199397"/>
+                </a:lnTo>
+                <a:lnTo>
+                  <a:pt x="498781" y="176646"/>
+                </a:lnTo>
+                <a:lnTo>
+                  <a:pt x="498781" y="112412"/>
+                </a:lnTo>
+                <a:lnTo>
+                  <a:pt x="107261" y="112412"/>
+                </a:lnTo>
+                <a:lnTo>
+                  <a:pt x="107177" y="104466"/>
+                </a:lnTo>
+                <a:lnTo>
+                  <a:pt x="106591" y="97022"/>
+                </a:lnTo>
+                <a:lnTo>
+                  <a:pt x="105000" y="90581"/>
+                </a:lnTo>
+                <a:lnTo>
+                  <a:pt x="101900" y="85646"/>
+                </a:lnTo>
+                <a:lnTo>
+                  <a:pt x="498781" y="85646"/>
+                </a:lnTo>
+                <a:lnTo>
+                  <a:pt x="498781" y="0"/>
+                </a:lnTo>
+                <a:lnTo>
+                  <a:pt x="509507" y="10706"/>
+                </a:lnTo>
+                <a:lnTo>
+                  <a:pt x="525594" y="10706"/>
+                </a:lnTo>
+                <a:lnTo>
+                  <a:pt x="525594" y="176646"/>
+                </a:lnTo>
+                <a:lnTo>
+                  <a:pt x="518891" y="210354"/>
+                </a:lnTo>
+                <a:lnTo>
+                  <a:pt x="501507" y="235530"/>
+                </a:lnTo>
+                <a:close/>
+              </a:path>
+              <a:path w="525779" h="262889">
+                <a:moveTo>
+                  <a:pt x="525594" y="10706"/>
+                </a:moveTo>
+                <a:lnTo>
+                  <a:pt x="509507" y="10706"/>
+                </a:lnTo>
+                <a:lnTo>
+                  <a:pt x="514873" y="5353"/>
+                </a:lnTo>
+                <a:lnTo>
+                  <a:pt x="525594" y="5353"/>
+                </a:lnTo>
+                <a:lnTo>
+                  <a:pt x="525594" y="10706"/>
+                </a:lnTo>
+                <a:close/>
+              </a:path>
+              <a:path w="525779" h="262889">
+                <a:moveTo>
+                  <a:pt x="434421" y="262296"/>
+                </a:moveTo>
+                <a:lnTo>
+                  <a:pt x="91174" y="262296"/>
+                </a:lnTo>
+                <a:lnTo>
+                  <a:pt x="56563" y="255688"/>
+                </a:lnTo>
+                <a:lnTo>
+                  <a:pt x="27485" y="237538"/>
+                </a:lnTo>
+                <a:lnTo>
+                  <a:pt x="7457" y="210354"/>
+                </a:lnTo>
+                <a:lnTo>
+                  <a:pt x="0" y="176646"/>
+                </a:lnTo>
+                <a:lnTo>
+                  <a:pt x="0" y="155236"/>
+                </a:lnTo>
+                <a:lnTo>
+                  <a:pt x="13405" y="162597"/>
+                </a:lnTo>
+                <a:lnTo>
+                  <a:pt x="19606" y="165022"/>
+                </a:lnTo>
+                <a:lnTo>
+                  <a:pt x="26813" y="165942"/>
+                </a:lnTo>
+                <a:lnTo>
+                  <a:pt x="26813" y="176646"/>
+                </a:lnTo>
+                <a:lnTo>
+                  <a:pt x="31590" y="199397"/>
+                </a:lnTo>
+                <a:lnTo>
+                  <a:pt x="44914" y="218133"/>
+                </a:lnTo>
+                <a:lnTo>
+                  <a:pt x="65278" y="230846"/>
+                </a:lnTo>
+                <a:lnTo>
+                  <a:pt x="91174" y="235530"/>
+                </a:lnTo>
+                <a:lnTo>
+                  <a:pt x="501507" y="235530"/>
+                </a:lnTo>
+                <a:lnTo>
+                  <a:pt x="500120" y="237538"/>
+                </a:lnTo>
+                <a:lnTo>
+                  <a:pt x="471294" y="255688"/>
+                </a:lnTo>
+                <a:lnTo>
+                  <a:pt x="434421" y="262296"/>
+                </a:lnTo>
+                <a:close/>
+              </a:path>
+            </a:pathLst>
+          </a:custGeom>
+          <a:solidFill>
+            <a:srgbClr val="FFFFFF"/>
+          </a:solidFill>
+        </p:spPr>
+        <p:txBody>
+          <a:bodyPr wrap="square" lIns="0" tIns="0" rIns="0" bIns="0" rtlCol="0"/>
+          <a:lstStyle/>
+          <a:p>
+            <a:endParaRPr/>
+          </a:p>
+        </p:txBody>
+      </p:sp>
+      <p:sp>
+        <p:nvSpPr>
+          <p:cNvPr id="6" name="object 6"/>
+          <p:cNvSpPr/>
+          <p:nvPr/>
+        </p:nvSpPr>
+        <p:spPr>
+          <a:xfrm>
+            <a:off x="7744574" y="3805250"/>
+            <a:ext cx="525780" cy="365125"/>
+          </a:xfrm>
+          <a:custGeom>
+            <a:avLst/>
+            <a:gdLst/>
+            <a:ahLst/>
+            <a:cxnLst/>
+            <a:rect l="l" t="t" r="r" b="b"/>
+            <a:pathLst>
+              <a:path w="525779" h="365125">
+                <a:moveTo>
+                  <a:pt x="26813" y="365099"/>
+                </a:moveTo>
+                <a:lnTo>
+                  <a:pt x="21868" y="361995"/>
+                </a:lnTo>
+                <a:lnTo>
+                  <a:pt x="15415" y="360401"/>
+                </a:lnTo>
+                <a:lnTo>
+                  <a:pt x="7958" y="359813"/>
+                </a:lnTo>
+                <a:lnTo>
+                  <a:pt x="0" y="359729"/>
+                </a:lnTo>
+                <a:lnTo>
+                  <a:pt x="0" y="91274"/>
+                </a:lnTo>
+                <a:lnTo>
+                  <a:pt x="7457" y="54361"/>
+                </a:lnTo>
+                <a:lnTo>
+                  <a:pt x="27485" y="25502"/>
+                </a:lnTo>
+                <a:lnTo>
+                  <a:pt x="56563" y="6710"/>
+                </a:lnTo>
+                <a:lnTo>
+                  <a:pt x="91174" y="0"/>
+                </a:lnTo>
+                <a:lnTo>
+                  <a:pt x="434421" y="0"/>
+                </a:lnTo>
+                <a:lnTo>
+                  <a:pt x="471294" y="6710"/>
+                </a:lnTo>
+                <a:lnTo>
+                  <a:pt x="500120" y="25502"/>
+                </a:lnTo>
+                <a:lnTo>
+                  <a:pt x="500993" y="26843"/>
+                </a:lnTo>
+                <a:lnTo>
+                  <a:pt x="91174" y="26843"/>
+                </a:lnTo>
+                <a:lnTo>
+                  <a:pt x="65278" y="31626"/>
+                </a:lnTo>
+                <a:lnTo>
+                  <a:pt x="44914" y="44965"/>
+                </a:lnTo>
+                <a:lnTo>
+                  <a:pt x="31590" y="65351"/>
+                </a:lnTo>
+                <a:lnTo>
+                  <a:pt x="26813" y="91274"/>
+                </a:lnTo>
+                <a:lnTo>
+                  <a:pt x="26813" y="150332"/>
+                </a:lnTo>
+                <a:lnTo>
+                  <a:pt x="525594" y="150332"/>
+                </a:lnTo>
+                <a:lnTo>
+                  <a:pt x="525594" y="177179"/>
+                </a:lnTo>
+                <a:lnTo>
+                  <a:pt x="26813" y="177179"/>
+                </a:lnTo>
+                <a:lnTo>
+                  <a:pt x="26813" y="365099"/>
+                </a:lnTo>
+                <a:close/>
+              </a:path>
+              <a:path w="525779" h="365125">
+                <a:moveTo>
+                  <a:pt x="525594" y="150332"/>
+                </a:moveTo>
+                <a:lnTo>
+                  <a:pt x="498781" y="150332"/>
+                </a:lnTo>
+                <a:lnTo>
+                  <a:pt x="498781" y="91274"/>
+                </a:lnTo>
+                <a:lnTo>
+                  <a:pt x="494004" y="65351"/>
+                </a:lnTo>
+                <a:lnTo>
+                  <a:pt x="480681" y="44965"/>
+                </a:lnTo>
+                <a:lnTo>
+                  <a:pt x="460317" y="31626"/>
+                </a:lnTo>
+                <a:lnTo>
+                  <a:pt x="434421" y="26843"/>
+                </a:lnTo>
+                <a:lnTo>
+                  <a:pt x="500993" y="26843"/>
+                </a:lnTo>
+                <a:lnTo>
+                  <a:pt x="518891" y="54361"/>
+                </a:lnTo>
+                <a:lnTo>
+                  <a:pt x="525594" y="91274"/>
+                </a:lnTo>
+                <a:lnTo>
+                  <a:pt x="525594" y="150332"/>
+                </a:lnTo>
+                <a:close/>
+              </a:path>
+              <a:path w="525779" h="365125">
+                <a:moveTo>
+                  <a:pt x="498781" y="284561"/>
+                </a:moveTo>
+                <a:lnTo>
+                  <a:pt x="498781" y="177179"/>
+                </a:lnTo>
+                <a:lnTo>
+                  <a:pt x="525594" y="177179"/>
+                </a:lnTo>
+                <a:lnTo>
+                  <a:pt x="525594" y="273824"/>
+                </a:lnTo>
+                <a:lnTo>
+                  <a:pt x="520652" y="274747"/>
+                </a:lnTo>
+                <a:lnTo>
+                  <a:pt x="514200" y="277179"/>
+                </a:lnTo>
+                <a:lnTo>
+                  <a:pt x="506742" y="280618"/>
+                </a:lnTo>
+                <a:lnTo>
+                  <a:pt x="498781" y="284561"/>
+                </a:lnTo>
+                <a:close/>
+              </a:path>
+            </a:pathLst>
+          </a:custGeom>
+          <a:solidFill>
+            <a:srgbClr val="FFFFFF"/>
+          </a:solidFill>
+        </p:spPr>
+        <p:txBody>
+          <a:bodyPr wrap="square" lIns="0" tIns="0" rIns="0" bIns="0" rtlCol="0"/>
+          <a:lstStyle/>
+          <a:p>
+            <a:endParaRPr/>
+          </a:p>
+        </p:txBody>
+      </p:sp>
+      <p:sp>
+        <p:nvSpPr>
+          <p:cNvPr id="7" name="object 7"/>
+          <p:cNvSpPr/>
+          <p:nvPr/>
+        </p:nvSpPr>
+        <p:spPr>
+          <a:xfrm>
+            <a:off x="7900151" y="4610114"/>
+            <a:ext cx="219075" cy="27305"/>
+          </a:xfrm>
+          <a:custGeom>
+            <a:avLst/>
+            <a:gdLst/>
+            <a:ahLst/>
+            <a:cxnLst/>
+            <a:rect l="l" t="t" r="r" b="b"/>
+            <a:pathLst>
+              <a:path w="219075" h="27304">
+                <a:moveTo>
+                  <a:pt x="208316" y="26999"/>
+                </a:moveTo>
+                <a:lnTo>
+                  <a:pt x="202974" y="26999"/>
+                </a:lnTo>
+                <a:lnTo>
+                  <a:pt x="5339" y="26999"/>
+                </a:lnTo>
+                <a:lnTo>
+                  <a:pt x="0" y="21599"/>
+                </a:lnTo>
+                <a:lnTo>
+                  <a:pt x="0" y="5399"/>
+                </a:lnTo>
+                <a:lnTo>
+                  <a:pt x="5339" y="0"/>
+                </a:lnTo>
+                <a:lnTo>
+                  <a:pt x="208316" y="0"/>
+                </a:lnTo>
+                <a:lnTo>
+                  <a:pt x="218999" y="5399"/>
+                </a:lnTo>
+                <a:lnTo>
+                  <a:pt x="218999" y="21599"/>
+                </a:lnTo>
+                <a:lnTo>
+                  <a:pt x="208316" y="26999"/>
+                </a:lnTo>
+                <a:close/>
+              </a:path>
+            </a:pathLst>
+          </a:custGeom>
+          <a:solidFill>
+            <a:srgbClr val="FFFFFF"/>
+          </a:solidFill>
+        </p:spPr>
+        <p:txBody>
+          <a:bodyPr wrap="square" lIns="0" tIns="0" rIns="0" bIns="0" rtlCol="0"/>
+          <a:lstStyle/>
+          <a:p>
+            <a:endParaRPr/>
+          </a:p>
+        </p:txBody>
+      </p:sp>
+      <p:pic>
+        <p:nvPicPr>
+          <p:cNvPr id="8" name="object 8"/>
+          <p:cNvPicPr/>
+          <p:nvPr/>
+        </p:nvPicPr>
+        <p:blipFill>
+          <a:blip r:embed="rId3" cstate="print"/>
+          <a:stretch>
+            <a:fillRect/>
+          </a:stretch>
+        </p:blipFill>
+        <p:spPr>
+          <a:xfrm>
+            <a:off x="7974763" y="3863988"/>
+            <a:ext cx="65099" cy="65099"/>
+          </a:xfrm>
+          <a:prstGeom prst="rect">
+            <a:avLst/>
+          </a:prstGeom>
+        </p:spPr>
+      </p:pic>
+      <p:grpSp>
+        <p:nvGrpSpPr>
+          <p:cNvPr id="9" name="object 9"/>
+          <p:cNvGrpSpPr/>
+          <p:nvPr/>
+        </p:nvGrpSpPr>
+        <p:grpSpPr>
+          <a:xfrm>
+            <a:off x="6707938" y="4948250"/>
+            <a:ext cx="567055" cy="681355"/>
+            <a:chOff x="6707937" y="4090999"/>
+            <a:chExt cx="567055" cy="681355"/>
+          </a:xfrm>
+        </p:grpSpPr>
+        <p:sp>
+          <p:nvSpPr>
+            <p:cNvPr id="10" name="object 10"/>
+            <p:cNvSpPr/>
+            <p:nvPr/>
+          </p:nvSpPr>
+          <p:spPr>
+            <a:xfrm>
+              <a:off x="6707937" y="4090999"/>
+              <a:ext cx="567055" cy="681355"/>
+            </a:xfrm>
+            <a:custGeom>
+              <a:avLst/>
+              <a:gdLst/>
+              <a:ahLst/>
+              <a:cxnLst/>
+              <a:rect l="l" t="t" r="r" b="b"/>
+              <a:pathLst>
+                <a:path w="567054" h="681354">
+                  <a:moveTo>
+                    <a:pt x="561349" y="680999"/>
+                  </a:moveTo>
+                  <a:lnTo>
+                    <a:pt x="5346" y="680999"/>
+                  </a:lnTo>
+                  <a:lnTo>
+                    <a:pt x="0" y="675636"/>
+                  </a:lnTo>
+                  <a:lnTo>
+                    <a:pt x="0" y="5356"/>
+                  </a:lnTo>
+                  <a:lnTo>
+                    <a:pt x="5346" y="0"/>
+                  </a:lnTo>
+                  <a:lnTo>
+                    <a:pt x="561349" y="0"/>
+                  </a:lnTo>
+                  <a:lnTo>
+                    <a:pt x="566699" y="5356"/>
+                  </a:lnTo>
+                  <a:lnTo>
+                    <a:pt x="566699" y="26808"/>
+                  </a:lnTo>
+                  <a:lnTo>
+                    <a:pt x="26729" y="26808"/>
+                  </a:lnTo>
+                  <a:lnTo>
+                    <a:pt x="26729" y="654185"/>
+                  </a:lnTo>
+                  <a:lnTo>
+                    <a:pt x="566699" y="654185"/>
+                  </a:lnTo>
+                  <a:lnTo>
+                    <a:pt x="566699" y="675636"/>
+                  </a:lnTo>
+                  <a:lnTo>
+                    <a:pt x="561349" y="680999"/>
+                  </a:lnTo>
+                  <a:close/>
+                </a:path>
+                <a:path w="567054" h="681354">
+                  <a:moveTo>
+                    <a:pt x="112267" y="123328"/>
+                  </a:moveTo>
+                  <a:lnTo>
+                    <a:pt x="96563" y="120396"/>
+                  </a:lnTo>
+                  <a:lnTo>
+                    <a:pt x="82863" y="111933"/>
+                  </a:lnTo>
+                  <a:lnTo>
+                    <a:pt x="73172" y="98444"/>
+                  </a:lnTo>
+                  <a:lnTo>
+                    <a:pt x="69496" y="80431"/>
+                  </a:lnTo>
+                  <a:lnTo>
+                    <a:pt x="71501" y="68532"/>
+                  </a:lnTo>
+                  <a:lnTo>
+                    <a:pt x="77517" y="57640"/>
+                  </a:lnTo>
+                  <a:lnTo>
+                    <a:pt x="87542" y="48759"/>
+                  </a:lnTo>
+                  <a:lnTo>
+                    <a:pt x="101576" y="42897"/>
+                  </a:lnTo>
+                  <a:lnTo>
+                    <a:pt x="101576" y="26808"/>
+                  </a:lnTo>
+                  <a:lnTo>
+                    <a:pt x="128305" y="26808"/>
+                  </a:lnTo>
+                  <a:lnTo>
+                    <a:pt x="128305" y="42897"/>
+                  </a:lnTo>
+                  <a:lnTo>
+                    <a:pt x="139250" y="48759"/>
+                  </a:lnTo>
+                  <a:lnTo>
+                    <a:pt x="147688" y="57640"/>
+                  </a:lnTo>
+                  <a:lnTo>
+                    <a:pt x="151029" y="64342"/>
+                  </a:lnTo>
+                  <a:lnTo>
+                    <a:pt x="101576" y="64342"/>
+                  </a:lnTo>
+                  <a:lnTo>
+                    <a:pt x="96230" y="75068"/>
+                  </a:lnTo>
+                  <a:lnTo>
+                    <a:pt x="96230" y="91151"/>
+                  </a:lnTo>
+                  <a:lnTo>
+                    <a:pt x="101576" y="96514"/>
+                  </a:lnTo>
+                  <a:lnTo>
+                    <a:pt x="151757" y="96514"/>
+                  </a:lnTo>
+                  <a:lnTo>
+                    <a:pt x="151363" y="98444"/>
+                  </a:lnTo>
+                  <a:lnTo>
+                    <a:pt x="141672" y="111933"/>
+                  </a:lnTo>
+                  <a:lnTo>
+                    <a:pt x="127972" y="120396"/>
+                  </a:lnTo>
+                  <a:lnTo>
+                    <a:pt x="112267" y="123328"/>
+                  </a:lnTo>
+                  <a:close/>
+                </a:path>
+                <a:path w="567054" h="681354">
+                  <a:moveTo>
+                    <a:pt x="224540" y="123328"/>
+                  </a:moveTo>
+                  <a:lnTo>
+                    <a:pt x="208834" y="120396"/>
+                  </a:lnTo>
+                  <a:lnTo>
+                    <a:pt x="195134" y="111933"/>
+                  </a:lnTo>
+                  <a:lnTo>
+                    <a:pt x="185444" y="98444"/>
+                  </a:lnTo>
+                  <a:lnTo>
+                    <a:pt x="181768" y="80431"/>
+                  </a:lnTo>
+                  <a:lnTo>
+                    <a:pt x="184525" y="68532"/>
+                  </a:lnTo>
+                  <a:lnTo>
+                    <a:pt x="191792" y="57640"/>
+                  </a:lnTo>
+                  <a:lnTo>
+                    <a:pt x="202068" y="48759"/>
+                  </a:lnTo>
+                  <a:lnTo>
+                    <a:pt x="213849" y="42897"/>
+                  </a:lnTo>
+                  <a:lnTo>
+                    <a:pt x="213849" y="26808"/>
+                  </a:lnTo>
+                  <a:lnTo>
+                    <a:pt x="240578" y="26808"/>
+                  </a:lnTo>
+                  <a:lnTo>
+                    <a:pt x="240578" y="42897"/>
+                  </a:lnTo>
+                  <a:lnTo>
+                    <a:pt x="251520" y="48759"/>
+                  </a:lnTo>
+                  <a:lnTo>
+                    <a:pt x="259957" y="57640"/>
+                  </a:lnTo>
+                  <a:lnTo>
+                    <a:pt x="263298" y="64342"/>
+                  </a:lnTo>
+                  <a:lnTo>
+                    <a:pt x="219194" y="64342"/>
+                  </a:lnTo>
+                  <a:lnTo>
+                    <a:pt x="208498" y="75068"/>
+                  </a:lnTo>
+                  <a:lnTo>
+                    <a:pt x="208498" y="91151"/>
+                  </a:lnTo>
+                  <a:lnTo>
+                    <a:pt x="219194" y="96514"/>
+                  </a:lnTo>
+                  <a:lnTo>
+                    <a:pt x="264697" y="96514"/>
+                  </a:lnTo>
+                  <a:lnTo>
+                    <a:pt x="264384" y="98444"/>
+                  </a:lnTo>
+                  <a:lnTo>
+                    <a:pt x="255947" y="111933"/>
+                  </a:lnTo>
+                  <a:lnTo>
+                    <a:pt x="242499" y="120396"/>
+                  </a:lnTo>
+                  <a:lnTo>
+                    <a:pt x="224540" y="123328"/>
+                  </a:lnTo>
+                  <a:close/>
+                </a:path>
+                <a:path w="567054" h="681354">
+                  <a:moveTo>
+                    <a:pt x="342154" y="123328"/>
+                  </a:moveTo>
+                  <a:lnTo>
+                    <a:pt x="324195" y="120396"/>
+                  </a:lnTo>
+                  <a:lnTo>
+                    <a:pt x="310747" y="111933"/>
+                  </a:lnTo>
+                  <a:lnTo>
+                    <a:pt x="302311" y="98444"/>
+                  </a:lnTo>
+                  <a:lnTo>
+                    <a:pt x="299387" y="80431"/>
+                  </a:lnTo>
+                  <a:lnTo>
+                    <a:pt x="301308" y="68532"/>
+                  </a:lnTo>
+                  <a:lnTo>
+                    <a:pt x="306738" y="57640"/>
+                  </a:lnTo>
+                  <a:lnTo>
+                    <a:pt x="315174" y="48759"/>
+                  </a:lnTo>
+                  <a:lnTo>
+                    <a:pt x="326117" y="42897"/>
+                  </a:lnTo>
+                  <a:lnTo>
+                    <a:pt x="326117" y="26808"/>
+                  </a:lnTo>
+                  <a:lnTo>
+                    <a:pt x="352846" y="26808"/>
+                  </a:lnTo>
+                  <a:lnTo>
+                    <a:pt x="352846" y="42897"/>
+                  </a:lnTo>
+                  <a:lnTo>
+                    <a:pt x="363791" y="48759"/>
+                  </a:lnTo>
+                  <a:lnTo>
+                    <a:pt x="372229" y="57640"/>
+                  </a:lnTo>
+                  <a:lnTo>
+                    <a:pt x="375570" y="64342"/>
+                  </a:lnTo>
+                  <a:lnTo>
+                    <a:pt x="331462" y="64342"/>
+                  </a:lnTo>
+                  <a:lnTo>
+                    <a:pt x="326117" y="75068"/>
+                  </a:lnTo>
+                  <a:lnTo>
+                    <a:pt x="326117" y="91151"/>
+                  </a:lnTo>
+                  <a:lnTo>
+                    <a:pt x="331462" y="96514"/>
+                  </a:lnTo>
+                  <a:lnTo>
+                    <a:pt x="377044" y="96514"/>
+                  </a:lnTo>
+                  <a:lnTo>
+                    <a:pt x="376740" y="98444"/>
+                  </a:lnTo>
+                  <a:lnTo>
+                    <a:pt x="368888" y="111933"/>
+                  </a:lnTo>
+                  <a:lnTo>
+                    <a:pt x="357025" y="120396"/>
+                  </a:lnTo>
+                  <a:lnTo>
+                    <a:pt x="342154" y="123328"/>
+                  </a:lnTo>
+                  <a:close/>
+                </a:path>
+                <a:path w="567054" h="681354">
+                  <a:moveTo>
+                    <a:pt x="454427" y="123328"/>
+                  </a:moveTo>
+                  <a:lnTo>
+                    <a:pt x="436467" y="120396"/>
+                  </a:lnTo>
+                  <a:lnTo>
+                    <a:pt x="423017" y="111933"/>
+                  </a:lnTo>
+                  <a:lnTo>
+                    <a:pt x="414579" y="98444"/>
+                  </a:lnTo>
+                  <a:lnTo>
+                    <a:pt x="411655" y="80431"/>
+                  </a:lnTo>
+                  <a:lnTo>
+                    <a:pt x="413576" y="68532"/>
+                  </a:lnTo>
+                  <a:lnTo>
+                    <a:pt x="419006" y="57640"/>
+                  </a:lnTo>
+                  <a:lnTo>
+                    <a:pt x="427444" y="48759"/>
+                  </a:lnTo>
+                  <a:lnTo>
+                    <a:pt x="438389" y="42897"/>
+                  </a:lnTo>
+                  <a:lnTo>
+                    <a:pt x="438389" y="26808"/>
+                  </a:lnTo>
+                  <a:lnTo>
+                    <a:pt x="465118" y="26808"/>
+                  </a:lnTo>
+                  <a:lnTo>
+                    <a:pt x="465118" y="42897"/>
+                  </a:lnTo>
+                  <a:lnTo>
+                    <a:pt x="476897" y="48759"/>
+                  </a:lnTo>
+                  <a:lnTo>
+                    <a:pt x="487173" y="57640"/>
+                  </a:lnTo>
+                  <a:lnTo>
+                    <a:pt x="491645" y="64342"/>
+                  </a:lnTo>
+                  <a:lnTo>
+                    <a:pt x="443735" y="64342"/>
+                  </a:lnTo>
+                  <a:lnTo>
+                    <a:pt x="438389" y="75068"/>
+                  </a:lnTo>
+                  <a:lnTo>
+                    <a:pt x="438389" y="91151"/>
+                  </a:lnTo>
+                  <a:lnTo>
+                    <a:pt x="443735" y="96514"/>
+                  </a:lnTo>
+                  <a:lnTo>
+                    <a:pt x="493916" y="96514"/>
+                  </a:lnTo>
+                  <a:lnTo>
+                    <a:pt x="493523" y="98444"/>
+                  </a:lnTo>
+                  <a:lnTo>
+                    <a:pt x="483832" y="111933"/>
+                  </a:lnTo>
+                  <a:lnTo>
+                    <a:pt x="470131" y="120396"/>
+                  </a:lnTo>
+                  <a:lnTo>
+                    <a:pt x="454427" y="123328"/>
+                  </a:lnTo>
+                  <a:close/>
+                </a:path>
+                <a:path w="567054" h="681354">
+                  <a:moveTo>
+                    <a:pt x="566699" y="654185"/>
+                  </a:moveTo>
+                  <a:lnTo>
+                    <a:pt x="539965" y="654185"/>
+                  </a:lnTo>
+                  <a:lnTo>
+                    <a:pt x="539965" y="26808"/>
+                  </a:lnTo>
+                  <a:lnTo>
+                    <a:pt x="566699" y="26808"/>
+                  </a:lnTo>
+                  <a:lnTo>
+                    <a:pt x="566699" y="654185"/>
+                  </a:lnTo>
+                  <a:close/>
+                </a:path>
+                <a:path w="567054" h="681354">
+                  <a:moveTo>
+                    <a:pt x="151757" y="96514"/>
+                  </a:moveTo>
+                  <a:lnTo>
+                    <a:pt x="122959" y="96514"/>
+                  </a:lnTo>
+                  <a:lnTo>
+                    <a:pt x="128305" y="91151"/>
+                  </a:lnTo>
+                  <a:lnTo>
+                    <a:pt x="128305" y="75068"/>
+                  </a:lnTo>
+                  <a:lnTo>
+                    <a:pt x="122959" y="64342"/>
+                  </a:lnTo>
+                  <a:lnTo>
+                    <a:pt x="151029" y="64342"/>
+                  </a:lnTo>
+                  <a:lnTo>
+                    <a:pt x="153118" y="68532"/>
+                  </a:lnTo>
+                  <a:lnTo>
+                    <a:pt x="155039" y="80431"/>
+                  </a:lnTo>
+                  <a:lnTo>
+                    <a:pt x="151757" y="96514"/>
+                  </a:lnTo>
+                  <a:close/>
+                </a:path>
+                <a:path w="567054" h="681354">
+                  <a:moveTo>
+                    <a:pt x="264697" y="96514"/>
+                  </a:moveTo>
+                  <a:lnTo>
+                    <a:pt x="235232" y="96514"/>
+                  </a:lnTo>
+                  <a:lnTo>
+                    <a:pt x="240578" y="91151"/>
+                  </a:lnTo>
+                  <a:lnTo>
+                    <a:pt x="240578" y="75068"/>
+                  </a:lnTo>
+                  <a:lnTo>
+                    <a:pt x="235232" y="64342"/>
+                  </a:lnTo>
+                  <a:lnTo>
+                    <a:pt x="263298" y="64342"/>
+                  </a:lnTo>
+                  <a:lnTo>
+                    <a:pt x="265386" y="68532"/>
+                  </a:lnTo>
+                  <a:lnTo>
+                    <a:pt x="267307" y="80431"/>
+                  </a:lnTo>
+                  <a:lnTo>
+                    <a:pt x="264697" y="96514"/>
+                  </a:lnTo>
+                  <a:close/>
+                </a:path>
+                <a:path w="567054" h="681354">
+                  <a:moveTo>
+                    <a:pt x="377044" y="96514"/>
+                  </a:moveTo>
+                  <a:lnTo>
+                    <a:pt x="347500" y="96514"/>
+                  </a:lnTo>
+                  <a:lnTo>
+                    <a:pt x="352846" y="91151"/>
+                  </a:lnTo>
+                  <a:lnTo>
+                    <a:pt x="352846" y="75068"/>
+                  </a:lnTo>
+                  <a:lnTo>
+                    <a:pt x="347500" y="64342"/>
+                  </a:lnTo>
+                  <a:lnTo>
+                    <a:pt x="375570" y="64342"/>
+                  </a:lnTo>
+                  <a:lnTo>
+                    <a:pt x="377659" y="68532"/>
+                  </a:lnTo>
+                  <a:lnTo>
+                    <a:pt x="379580" y="80431"/>
+                  </a:lnTo>
+                  <a:lnTo>
+                    <a:pt x="377044" y="96514"/>
+                  </a:lnTo>
+                  <a:close/>
+                </a:path>
+                <a:path w="567054" h="681354">
+                  <a:moveTo>
+                    <a:pt x="493916" y="96514"/>
+                  </a:moveTo>
+                  <a:lnTo>
+                    <a:pt x="459773" y="96514"/>
+                  </a:lnTo>
+                  <a:lnTo>
+                    <a:pt x="470464" y="91151"/>
+                  </a:lnTo>
+                  <a:lnTo>
+                    <a:pt x="470464" y="75068"/>
+                  </a:lnTo>
+                  <a:lnTo>
+                    <a:pt x="459773" y="64342"/>
+                  </a:lnTo>
+                  <a:lnTo>
+                    <a:pt x="491645" y="64342"/>
+                  </a:lnTo>
+                  <a:lnTo>
+                    <a:pt x="494441" y="68532"/>
+                  </a:lnTo>
+                  <a:lnTo>
+                    <a:pt x="497199" y="80431"/>
+                  </a:lnTo>
+                  <a:lnTo>
+                    <a:pt x="493916" y="96514"/>
+                  </a:lnTo>
+                  <a:close/>
+                </a:path>
+              </a:pathLst>
+            </a:custGeom>
+            <a:solidFill>
+              <a:srgbClr val="000000"/>
+            </a:solidFill>
+          </p:spPr>
+          <p:txBody>
+            <a:bodyPr wrap="square" lIns="0" tIns="0" rIns="0" bIns="0" rtlCol="0"/>
+            <a:lstStyle/>
+            <a:p>
+              <a:endParaRPr/>
+            </a:p>
+          </p:txBody>
+        </p:sp>
+        <p:pic>
+          <p:nvPicPr>
+            <p:cNvPr id="11" name="object 11"/>
+            <p:cNvPicPr/>
+            <p:nvPr/>
+          </p:nvPicPr>
+          <p:blipFill>
+            <a:blip r:embed="rId4" cstate="print"/>
+            <a:stretch>
+              <a:fillRect/>
+            </a:stretch>
+          </p:blipFill>
+          <p:spPr>
+            <a:xfrm>
+              <a:off x="6809537" y="4273562"/>
+              <a:ext cx="101699" cy="85799"/>
+            </a:xfrm>
+            <a:prstGeom prst="rect">
+              <a:avLst/>
+            </a:prstGeom>
+          </p:spPr>
+        </p:pic>
+        <p:pic>
+          <p:nvPicPr>
+            <p:cNvPr id="12" name="object 12"/>
+            <p:cNvPicPr/>
+            <p:nvPr/>
+          </p:nvPicPr>
+          <p:blipFill>
+            <a:blip r:embed="rId5" cstate="print"/>
+            <a:stretch>
+              <a:fillRect/>
+            </a:stretch>
+          </p:blipFill>
+          <p:spPr>
+            <a:xfrm>
+              <a:off x="6809537" y="4386274"/>
+              <a:ext cx="101699" cy="85799"/>
+            </a:xfrm>
+            <a:prstGeom prst="rect">
+              <a:avLst/>
+            </a:prstGeom>
+          </p:spPr>
+        </p:pic>
+        <p:sp>
+          <p:nvSpPr>
+            <p:cNvPr id="13" name="object 13"/>
+            <p:cNvSpPr/>
+            <p:nvPr/>
+          </p:nvSpPr>
+          <p:spPr>
+            <a:xfrm>
+              <a:off x="6798424" y="4295800"/>
+              <a:ext cx="407034" cy="338455"/>
+            </a:xfrm>
+            <a:custGeom>
+              <a:avLst/>
+              <a:gdLst/>
+              <a:ahLst/>
+              <a:cxnLst/>
+              <a:rect l="l" t="t" r="r" b="b"/>
+              <a:pathLst>
+                <a:path w="407034" h="338454">
+                  <a:moveTo>
+                    <a:pt x="385699" y="20993"/>
+                  </a:moveTo>
+                  <a:lnTo>
+                    <a:pt x="374992" y="10490"/>
+                  </a:lnTo>
+                  <a:lnTo>
+                    <a:pt x="364299" y="10490"/>
+                  </a:lnTo>
+                  <a:lnTo>
+                    <a:pt x="353606" y="20993"/>
+                  </a:lnTo>
+                  <a:lnTo>
+                    <a:pt x="337566" y="20993"/>
+                  </a:lnTo>
+                  <a:lnTo>
+                    <a:pt x="337566" y="15748"/>
+                  </a:lnTo>
+                  <a:lnTo>
+                    <a:pt x="332219" y="15748"/>
+                  </a:lnTo>
+                  <a:lnTo>
+                    <a:pt x="326872" y="10490"/>
+                  </a:lnTo>
+                  <a:lnTo>
+                    <a:pt x="326872" y="5245"/>
+                  </a:lnTo>
+                  <a:lnTo>
+                    <a:pt x="316166" y="5245"/>
+                  </a:lnTo>
+                  <a:lnTo>
+                    <a:pt x="307225" y="2374"/>
+                  </a:lnTo>
+                  <a:lnTo>
+                    <a:pt x="296786" y="1968"/>
+                  </a:lnTo>
+                  <a:lnTo>
+                    <a:pt x="285343" y="4508"/>
+                  </a:lnTo>
+                  <a:lnTo>
+                    <a:pt x="273392" y="10490"/>
+                  </a:lnTo>
+                  <a:lnTo>
+                    <a:pt x="262699" y="10490"/>
+                  </a:lnTo>
+                  <a:lnTo>
+                    <a:pt x="262699" y="15748"/>
+                  </a:lnTo>
+                  <a:lnTo>
+                    <a:pt x="251993" y="15748"/>
+                  </a:lnTo>
+                  <a:lnTo>
+                    <a:pt x="246646" y="20993"/>
+                  </a:lnTo>
+                  <a:lnTo>
+                    <a:pt x="241300" y="20993"/>
+                  </a:lnTo>
+                  <a:lnTo>
+                    <a:pt x="230606" y="26238"/>
+                  </a:lnTo>
+                  <a:lnTo>
+                    <a:pt x="225259" y="20993"/>
+                  </a:lnTo>
+                  <a:lnTo>
+                    <a:pt x="219913" y="20993"/>
+                  </a:lnTo>
+                  <a:lnTo>
+                    <a:pt x="219913" y="10490"/>
+                  </a:lnTo>
+                  <a:lnTo>
+                    <a:pt x="209219" y="0"/>
+                  </a:lnTo>
+                  <a:lnTo>
+                    <a:pt x="193167" y="0"/>
+                  </a:lnTo>
+                  <a:lnTo>
+                    <a:pt x="181216" y="977"/>
+                  </a:lnTo>
+                  <a:lnTo>
+                    <a:pt x="146545" y="19761"/>
+                  </a:lnTo>
+                  <a:lnTo>
+                    <a:pt x="142862" y="29768"/>
+                  </a:lnTo>
+                  <a:lnTo>
+                    <a:pt x="145046" y="36741"/>
+                  </a:lnTo>
+                  <a:lnTo>
+                    <a:pt x="150393" y="41998"/>
+                  </a:lnTo>
+                  <a:lnTo>
+                    <a:pt x="155740" y="41998"/>
+                  </a:lnTo>
+                  <a:lnTo>
+                    <a:pt x="161086" y="36741"/>
+                  </a:lnTo>
+                  <a:lnTo>
+                    <a:pt x="169189" y="32893"/>
+                  </a:lnTo>
+                  <a:lnTo>
+                    <a:pt x="177800" y="29527"/>
+                  </a:lnTo>
+                  <a:lnTo>
+                    <a:pt x="187401" y="27152"/>
+                  </a:lnTo>
+                  <a:lnTo>
+                    <a:pt x="198513" y="26238"/>
+                  </a:lnTo>
+                  <a:lnTo>
+                    <a:pt x="198513" y="31496"/>
+                  </a:lnTo>
+                  <a:lnTo>
+                    <a:pt x="204368" y="39204"/>
+                  </a:lnTo>
+                  <a:lnTo>
+                    <a:pt x="213220" y="45935"/>
+                  </a:lnTo>
+                  <a:lnTo>
+                    <a:pt x="224091" y="50685"/>
+                  </a:lnTo>
+                  <a:lnTo>
+                    <a:pt x="235953" y="52489"/>
+                  </a:lnTo>
+                  <a:lnTo>
+                    <a:pt x="241300" y="52489"/>
+                  </a:lnTo>
+                  <a:lnTo>
+                    <a:pt x="241300" y="47244"/>
+                  </a:lnTo>
+                  <a:lnTo>
+                    <a:pt x="246646" y="47244"/>
+                  </a:lnTo>
+                  <a:lnTo>
+                    <a:pt x="254584" y="46342"/>
+                  </a:lnTo>
+                  <a:lnTo>
+                    <a:pt x="262026" y="43967"/>
+                  </a:lnTo>
+                  <a:lnTo>
+                    <a:pt x="268452" y="40601"/>
+                  </a:lnTo>
+                  <a:lnTo>
+                    <a:pt x="273392" y="36741"/>
+                  </a:lnTo>
+                  <a:lnTo>
+                    <a:pt x="278739" y="36741"/>
+                  </a:lnTo>
+                  <a:lnTo>
+                    <a:pt x="278739" y="31496"/>
+                  </a:lnTo>
+                  <a:lnTo>
+                    <a:pt x="284086" y="31496"/>
+                  </a:lnTo>
+                  <a:lnTo>
+                    <a:pt x="289433" y="26238"/>
+                  </a:lnTo>
+                  <a:lnTo>
+                    <a:pt x="310819" y="26238"/>
+                  </a:lnTo>
+                  <a:lnTo>
+                    <a:pt x="310819" y="31496"/>
+                  </a:lnTo>
+                  <a:lnTo>
+                    <a:pt x="316166" y="31496"/>
+                  </a:lnTo>
+                  <a:lnTo>
+                    <a:pt x="321513" y="36741"/>
+                  </a:lnTo>
+                  <a:lnTo>
+                    <a:pt x="321513" y="41998"/>
+                  </a:lnTo>
+                  <a:lnTo>
+                    <a:pt x="326872" y="41998"/>
+                  </a:lnTo>
+                  <a:lnTo>
+                    <a:pt x="339737" y="47078"/>
+                  </a:lnTo>
+                  <a:lnTo>
+                    <a:pt x="353606" y="47244"/>
+                  </a:lnTo>
+                  <a:lnTo>
+                    <a:pt x="367474" y="43472"/>
+                  </a:lnTo>
+                  <a:lnTo>
+                    <a:pt x="380339" y="36741"/>
+                  </a:lnTo>
+                  <a:lnTo>
+                    <a:pt x="385699" y="31496"/>
+                  </a:lnTo>
+                  <a:lnTo>
+                    <a:pt x="385699" y="20993"/>
+                  </a:lnTo>
+                  <a:close/>
+                </a:path>
+                <a:path w="407034" h="338454">
+                  <a:moveTo>
+                    <a:pt x="401586" y="133388"/>
+                  </a:moveTo>
+                  <a:lnTo>
+                    <a:pt x="398399" y="130251"/>
+                  </a:lnTo>
+                  <a:lnTo>
+                    <a:pt x="390880" y="122796"/>
+                  </a:lnTo>
+                  <a:lnTo>
+                    <a:pt x="385521" y="122796"/>
+                  </a:lnTo>
+                  <a:lnTo>
+                    <a:pt x="365455" y="126606"/>
+                  </a:lnTo>
+                  <a:lnTo>
+                    <a:pt x="345376" y="129413"/>
+                  </a:lnTo>
+                  <a:lnTo>
+                    <a:pt x="325297" y="130251"/>
+                  </a:lnTo>
+                  <a:lnTo>
+                    <a:pt x="305231" y="128092"/>
+                  </a:lnTo>
+                  <a:lnTo>
+                    <a:pt x="299872" y="122796"/>
+                  </a:lnTo>
+                  <a:lnTo>
+                    <a:pt x="299872" y="117487"/>
+                  </a:lnTo>
+                  <a:lnTo>
+                    <a:pt x="290093" y="108381"/>
+                  </a:lnTo>
+                  <a:lnTo>
+                    <a:pt x="277799" y="104241"/>
+                  </a:lnTo>
+                  <a:lnTo>
+                    <a:pt x="264490" y="104076"/>
+                  </a:lnTo>
+                  <a:lnTo>
+                    <a:pt x="251701" y="106895"/>
+                  </a:lnTo>
+                  <a:lnTo>
+                    <a:pt x="246341" y="106895"/>
+                  </a:lnTo>
+                  <a:lnTo>
+                    <a:pt x="235635" y="117487"/>
+                  </a:lnTo>
+                  <a:lnTo>
+                    <a:pt x="230289" y="117487"/>
+                  </a:lnTo>
+                  <a:lnTo>
+                    <a:pt x="219583" y="128092"/>
+                  </a:lnTo>
+                  <a:lnTo>
+                    <a:pt x="208876" y="128092"/>
+                  </a:lnTo>
+                  <a:lnTo>
+                    <a:pt x="208876" y="122796"/>
+                  </a:lnTo>
+                  <a:lnTo>
+                    <a:pt x="203517" y="122796"/>
+                  </a:lnTo>
+                  <a:lnTo>
+                    <a:pt x="198170" y="117487"/>
+                  </a:lnTo>
+                  <a:lnTo>
+                    <a:pt x="182105" y="117487"/>
+                  </a:lnTo>
+                  <a:lnTo>
+                    <a:pt x="167055" y="119392"/>
+                  </a:lnTo>
+                  <a:lnTo>
+                    <a:pt x="154012" y="124777"/>
+                  </a:lnTo>
+                  <a:lnTo>
+                    <a:pt x="142963" y="133146"/>
+                  </a:lnTo>
+                  <a:lnTo>
+                    <a:pt x="133934" y="143992"/>
+                  </a:lnTo>
+                  <a:lnTo>
+                    <a:pt x="128587" y="149288"/>
+                  </a:lnTo>
+                  <a:lnTo>
+                    <a:pt x="128587" y="154597"/>
+                  </a:lnTo>
+                  <a:lnTo>
+                    <a:pt x="139280" y="165188"/>
+                  </a:lnTo>
+                  <a:lnTo>
+                    <a:pt x="149987" y="165188"/>
+                  </a:lnTo>
+                  <a:lnTo>
+                    <a:pt x="149987" y="159893"/>
+                  </a:lnTo>
+                  <a:lnTo>
+                    <a:pt x="155346" y="159893"/>
+                  </a:lnTo>
+                  <a:lnTo>
+                    <a:pt x="160286" y="152933"/>
+                  </a:lnTo>
+                  <a:lnTo>
+                    <a:pt x="166725" y="147967"/>
+                  </a:lnTo>
+                  <a:lnTo>
+                    <a:pt x="174167" y="144983"/>
+                  </a:lnTo>
+                  <a:lnTo>
+                    <a:pt x="182105" y="143992"/>
+                  </a:lnTo>
+                  <a:lnTo>
+                    <a:pt x="187464" y="143992"/>
+                  </a:lnTo>
+                  <a:lnTo>
+                    <a:pt x="192811" y="149288"/>
+                  </a:lnTo>
+                  <a:lnTo>
+                    <a:pt x="201764" y="152273"/>
+                  </a:lnTo>
+                  <a:lnTo>
+                    <a:pt x="212217" y="153263"/>
+                  </a:lnTo>
+                  <a:lnTo>
+                    <a:pt x="223685" y="152273"/>
+                  </a:lnTo>
+                  <a:lnTo>
+                    <a:pt x="235635" y="149288"/>
+                  </a:lnTo>
+                  <a:lnTo>
+                    <a:pt x="240995" y="143992"/>
+                  </a:lnTo>
+                  <a:lnTo>
+                    <a:pt x="246341" y="143992"/>
+                  </a:lnTo>
+                  <a:lnTo>
+                    <a:pt x="251701" y="138696"/>
+                  </a:lnTo>
+                  <a:lnTo>
+                    <a:pt x="251701" y="133388"/>
+                  </a:lnTo>
+                  <a:lnTo>
+                    <a:pt x="262407" y="133388"/>
+                  </a:lnTo>
+                  <a:lnTo>
+                    <a:pt x="267754" y="128092"/>
+                  </a:lnTo>
+                  <a:lnTo>
+                    <a:pt x="273113" y="128092"/>
+                  </a:lnTo>
+                  <a:lnTo>
+                    <a:pt x="278460" y="133388"/>
+                  </a:lnTo>
+                  <a:lnTo>
+                    <a:pt x="278460" y="138696"/>
+                  </a:lnTo>
+                  <a:lnTo>
+                    <a:pt x="294525" y="154597"/>
+                  </a:lnTo>
+                  <a:lnTo>
+                    <a:pt x="305231" y="154597"/>
+                  </a:lnTo>
+                  <a:lnTo>
+                    <a:pt x="326136" y="156743"/>
+                  </a:lnTo>
+                  <a:lnTo>
+                    <a:pt x="348056" y="155917"/>
+                  </a:lnTo>
+                  <a:lnTo>
+                    <a:pt x="369963" y="153098"/>
+                  </a:lnTo>
+                  <a:lnTo>
+                    <a:pt x="390880" y="149288"/>
+                  </a:lnTo>
+                  <a:lnTo>
+                    <a:pt x="396227" y="149288"/>
+                  </a:lnTo>
+                  <a:lnTo>
+                    <a:pt x="401586" y="143992"/>
+                  </a:lnTo>
+                  <a:lnTo>
+                    <a:pt x="401586" y="133388"/>
+                  </a:lnTo>
+                  <a:close/>
+                </a:path>
+                <a:path w="407034" h="338454">
+                  <a:moveTo>
+                    <a:pt x="406488" y="289394"/>
+                  </a:moveTo>
+                  <a:lnTo>
+                    <a:pt x="401142" y="283984"/>
+                  </a:lnTo>
+                  <a:lnTo>
+                    <a:pt x="395795" y="278561"/>
+                  </a:lnTo>
+                  <a:lnTo>
+                    <a:pt x="390448" y="278561"/>
+                  </a:lnTo>
+                  <a:lnTo>
+                    <a:pt x="385102" y="283984"/>
+                  </a:lnTo>
+                  <a:lnTo>
+                    <a:pt x="379755" y="283984"/>
+                  </a:lnTo>
+                  <a:lnTo>
+                    <a:pt x="374396" y="278561"/>
+                  </a:lnTo>
+                  <a:lnTo>
+                    <a:pt x="369049" y="278561"/>
+                  </a:lnTo>
+                  <a:lnTo>
+                    <a:pt x="358355" y="273138"/>
+                  </a:lnTo>
+                  <a:lnTo>
+                    <a:pt x="353009" y="273138"/>
+                  </a:lnTo>
+                  <a:lnTo>
+                    <a:pt x="341972" y="274154"/>
+                  </a:lnTo>
+                  <a:lnTo>
+                    <a:pt x="332943" y="277202"/>
+                  </a:lnTo>
+                  <a:lnTo>
+                    <a:pt x="325932" y="282282"/>
+                  </a:lnTo>
+                  <a:lnTo>
+                    <a:pt x="320916" y="289394"/>
+                  </a:lnTo>
+                  <a:lnTo>
+                    <a:pt x="315569" y="289394"/>
+                  </a:lnTo>
+                  <a:lnTo>
+                    <a:pt x="310210" y="294817"/>
+                  </a:lnTo>
+                  <a:lnTo>
+                    <a:pt x="299516" y="294817"/>
+                  </a:lnTo>
+                  <a:lnTo>
+                    <a:pt x="304863" y="289394"/>
+                  </a:lnTo>
+                  <a:lnTo>
+                    <a:pt x="304863" y="283984"/>
+                  </a:lnTo>
+                  <a:lnTo>
+                    <a:pt x="306209" y="267728"/>
+                  </a:lnTo>
+                  <a:lnTo>
+                    <a:pt x="304863" y="259600"/>
+                  </a:lnTo>
+                  <a:lnTo>
+                    <a:pt x="299516" y="251472"/>
+                  </a:lnTo>
+                  <a:lnTo>
+                    <a:pt x="299516" y="246049"/>
+                  </a:lnTo>
+                  <a:lnTo>
+                    <a:pt x="283476" y="246049"/>
+                  </a:lnTo>
+                  <a:lnTo>
+                    <a:pt x="165798" y="305650"/>
+                  </a:lnTo>
+                  <a:lnTo>
+                    <a:pt x="172935" y="283984"/>
+                  </a:lnTo>
+                  <a:lnTo>
+                    <a:pt x="176504" y="273138"/>
+                  </a:lnTo>
+                  <a:lnTo>
+                    <a:pt x="176504" y="262305"/>
+                  </a:lnTo>
+                  <a:lnTo>
+                    <a:pt x="171145" y="256895"/>
+                  </a:lnTo>
+                  <a:lnTo>
+                    <a:pt x="165798" y="256895"/>
+                  </a:lnTo>
+                  <a:lnTo>
+                    <a:pt x="165798" y="251472"/>
+                  </a:lnTo>
+                  <a:lnTo>
+                    <a:pt x="160451" y="256895"/>
+                  </a:lnTo>
+                  <a:lnTo>
+                    <a:pt x="136550" y="259765"/>
+                  </a:lnTo>
+                  <a:lnTo>
+                    <a:pt x="113652" y="267728"/>
+                  </a:lnTo>
+                  <a:lnTo>
+                    <a:pt x="92760" y="279742"/>
+                  </a:lnTo>
+                  <a:lnTo>
+                    <a:pt x="74879" y="294817"/>
+                  </a:lnTo>
+                  <a:lnTo>
+                    <a:pt x="74879" y="267728"/>
+                  </a:lnTo>
+                  <a:lnTo>
+                    <a:pt x="64173" y="256895"/>
+                  </a:lnTo>
+                  <a:lnTo>
+                    <a:pt x="58826" y="256895"/>
+                  </a:lnTo>
+                  <a:lnTo>
+                    <a:pt x="53479" y="262305"/>
+                  </a:lnTo>
+                  <a:lnTo>
+                    <a:pt x="41440" y="268147"/>
+                  </a:lnTo>
+                  <a:lnTo>
+                    <a:pt x="29413" y="276529"/>
+                  </a:lnTo>
+                  <a:lnTo>
+                    <a:pt x="17373" y="285927"/>
+                  </a:lnTo>
+                  <a:lnTo>
+                    <a:pt x="5334" y="294817"/>
+                  </a:lnTo>
+                  <a:lnTo>
+                    <a:pt x="0" y="300228"/>
+                  </a:lnTo>
+                  <a:lnTo>
+                    <a:pt x="0" y="311061"/>
+                  </a:lnTo>
+                  <a:lnTo>
+                    <a:pt x="10693" y="321906"/>
+                  </a:lnTo>
+                  <a:lnTo>
+                    <a:pt x="21386" y="321906"/>
+                  </a:lnTo>
+                  <a:lnTo>
+                    <a:pt x="42786" y="300228"/>
+                  </a:lnTo>
+                  <a:lnTo>
+                    <a:pt x="42786" y="316484"/>
+                  </a:lnTo>
+                  <a:lnTo>
+                    <a:pt x="48133" y="316484"/>
+                  </a:lnTo>
+                  <a:lnTo>
+                    <a:pt x="53314" y="320967"/>
+                  </a:lnTo>
+                  <a:lnTo>
+                    <a:pt x="61506" y="323938"/>
+                  </a:lnTo>
+                  <a:lnTo>
+                    <a:pt x="73710" y="321818"/>
+                  </a:lnTo>
+                  <a:lnTo>
+                    <a:pt x="90919" y="311061"/>
+                  </a:lnTo>
+                  <a:lnTo>
+                    <a:pt x="103035" y="303022"/>
+                  </a:lnTo>
+                  <a:lnTo>
+                    <a:pt x="107721" y="300228"/>
+                  </a:lnTo>
+                  <a:lnTo>
+                    <a:pt x="115658" y="295490"/>
+                  </a:lnTo>
+                  <a:lnTo>
+                    <a:pt x="117068" y="294817"/>
+                  </a:lnTo>
+                  <a:lnTo>
+                    <a:pt x="129286" y="288975"/>
+                  </a:lnTo>
+                  <a:lnTo>
+                    <a:pt x="144411" y="283984"/>
+                  </a:lnTo>
+                  <a:lnTo>
+                    <a:pt x="133705" y="311061"/>
+                  </a:lnTo>
+                  <a:lnTo>
+                    <a:pt x="133705" y="327317"/>
+                  </a:lnTo>
+                  <a:lnTo>
+                    <a:pt x="144411" y="338150"/>
+                  </a:lnTo>
+                  <a:lnTo>
+                    <a:pt x="165798" y="338150"/>
+                  </a:lnTo>
+                  <a:lnTo>
+                    <a:pt x="233197" y="305650"/>
+                  </a:lnTo>
+                  <a:lnTo>
+                    <a:pt x="278130" y="283984"/>
+                  </a:lnTo>
+                  <a:lnTo>
+                    <a:pt x="272770" y="289394"/>
+                  </a:lnTo>
+                  <a:lnTo>
+                    <a:pt x="272770" y="300228"/>
+                  </a:lnTo>
+                  <a:lnTo>
+                    <a:pt x="278130" y="305650"/>
+                  </a:lnTo>
+                  <a:lnTo>
+                    <a:pt x="283476" y="316484"/>
+                  </a:lnTo>
+                  <a:lnTo>
+                    <a:pt x="288823" y="316484"/>
+                  </a:lnTo>
+                  <a:lnTo>
+                    <a:pt x="294170" y="321906"/>
+                  </a:lnTo>
+                  <a:lnTo>
+                    <a:pt x="302945" y="321818"/>
+                  </a:lnTo>
+                  <a:lnTo>
+                    <a:pt x="312216" y="321221"/>
+                  </a:lnTo>
+                  <a:lnTo>
+                    <a:pt x="320497" y="319620"/>
+                  </a:lnTo>
+                  <a:lnTo>
+                    <a:pt x="326263" y="316484"/>
+                  </a:lnTo>
+                  <a:lnTo>
+                    <a:pt x="331609" y="311061"/>
+                  </a:lnTo>
+                  <a:lnTo>
+                    <a:pt x="336956" y="311061"/>
+                  </a:lnTo>
+                  <a:lnTo>
+                    <a:pt x="347662" y="300228"/>
+                  </a:lnTo>
+                  <a:lnTo>
+                    <a:pt x="353009" y="300228"/>
+                  </a:lnTo>
+                  <a:lnTo>
+                    <a:pt x="358355" y="305650"/>
+                  </a:lnTo>
+                  <a:lnTo>
+                    <a:pt x="363702" y="305650"/>
+                  </a:lnTo>
+                  <a:lnTo>
+                    <a:pt x="372567" y="309372"/>
+                  </a:lnTo>
+                  <a:lnTo>
+                    <a:pt x="382422" y="311061"/>
+                  </a:lnTo>
+                  <a:lnTo>
+                    <a:pt x="392290" y="308698"/>
+                  </a:lnTo>
+                  <a:lnTo>
+                    <a:pt x="401142" y="300228"/>
+                  </a:lnTo>
+                  <a:lnTo>
+                    <a:pt x="406488" y="294817"/>
+                  </a:lnTo>
+                  <a:lnTo>
+                    <a:pt x="406488" y="289394"/>
+                  </a:lnTo>
+                  <a:close/>
+                </a:path>
+              </a:pathLst>
+            </a:custGeom>
+            <a:solidFill>
+              <a:srgbClr val="000000"/>
+            </a:solidFill>
+          </p:spPr>
+          <p:txBody>
+            <a:bodyPr wrap="square" lIns="0" tIns="0" rIns="0" bIns="0" rtlCol="0"/>
+            <a:lstStyle/>
+            <a:p>
+              <a:endParaRPr/>
+            </a:p>
+          </p:txBody>
+        </p:sp>
+      </p:grpSp>
+      <p:sp>
+        <p:nvSpPr>
+          <p:cNvPr id="14" name="object 14"/>
+          <p:cNvSpPr/>
+          <p:nvPr/>
+        </p:nvSpPr>
+        <p:spPr>
+          <a:xfrm>
+            <a:off x="7371512" y="4975237"/>
+            <a:ext cx="165100" cy="611505"/>
+          </a:xfrm>
+          <a:custGeom>
+            <a:avLst/>
+            <a:gdLst/>
+            <a:ahLst/>
+            <a:cxnLst/>
+            <a:rect l="l" t="t" r="r" b="b"/>
+            <a:pathLst>
+              <a:path w="165100" h="611504">
+                <a:moveTo>
+                  <a:pt x="58547" y="611094"/>
+                </a:moveTo>
+                <a:lnTo>
+                  <a:pt x="47902" y="611094"/>
+                </a:lnTo>
+                <a:lnTo>
+                  <a:pt x="42579" y="605737"/>
+                </a:lnTo>
+                <a:lnTo>
+                  <a:pt x="42579" y="600374"/>
+                </a:lnTo>
+                <a:lnTo>
+                  <a:pt x="0" y="471723"/>
+                </a:lnTo>
+                <a:lnTo>
+                  <a:pt x="0" y="53603"/>
+                </a:lnTo>
+                <a:lnTo>
+                  <a:pt x="3825" y="31658"/>
+                </a:lnTo>
+                <a:lnTo>
+                  <a:pt x="14636" y="14740"/>
+                </a:lnTo>
+                <a:lnTo>
+                  <a:pt x="31435" y="3852"/>
+                </a:lnTo>
+                <a:lnTo>
+                  <a:pt x="53224" y="0"/>
+                </a:lnTo>
+                <a:lnTo>
+                  <a:pt x="68195" y="1926"/>
+                </a:lnTo>
+                <a:lnTo>
+                  <a:pt x="81168" y="7370"/>
+                </a:lnTo>
+                <a:lnTo>
+                  <a:pt x="92146" y="15829"/>
+                </a:lnTo>
+                <a:lnTo>
+                  <a:pt x="101128" y="26801"/>
+                </a:lnTo>
+                <a:lnTo>
+                  <a:pt x="53224" y="26801"/>
+                </a:lnTo>
+                <a:lnTo>
+                  <a:pt x="42330" y="28728"/>
+                </a:lnTo>
+                <a:lnTo>
+                  <a:pt x="33930" y="34171"/>
+                </a:lnTo>
+                <a:lnTo>
+                  <a:pt x="28524" y="42631"/>
+                </a:lnTo>
+                <a:lnTo>
+                  <a:pt x="26611" y="53603"/>
+                </a:lnTo>
+                <a:lnTo>
+                  <a:pt x="26611" y="241221"/>
+                </a:lnTo>
+                <a:lnTo>
+                  <a:pt x="111773" y="241221"/>
+                </a:lnTo>
+                <a:lnTo>
+                  <a:pt x="111773" y="268023"/>
+                </a:lnTo>
+                <a:lnTo>
+                  <a:pt x="26611" y="268023"/>
+                </a:lnTo>
+                <a:lnTo>
+                  <a:pt x="26611" y="439558"/>
+                </a:lnTo>
+                <a:lnTo>
+                  <a:pt x="111773" y="439558"/>
+                </a:lnTo>
+                <a:lnTo>
+                  <a:pt x="111773" y="466360"/>
+                </a:lnTo>
+                <a:lnTo>
+                  <a:pt x="26611" y="466360"/>
+                </a:lnTo>
+                <a:lnTo>
+                  <a:pt x="53224" y="552133"/>
+                </a:lnTo>
+                <a:lnTo>
+                  <a:pt x="79836" y="552133"/>
+                </a:lnTo>
+                <a:lnTo>
+                  <a:pt x="63870" y="600374"/>
+                </a:lnTo>
+                <a:lnTo>
+                  <a:pt x="63870" y="605737"/>
+                </a:lnTo>
+                <a:lnTo>
+                  <a:pt x="58547" y="611094"/>
+                </a:lnTo>
+                <a:close/>
+              </a:path>
+              <a:path w="165100" h="611504">
+                <a:moveTo>
+                  <a:pt x="111773" y="241221"/>
+                </a:moveTo>
+                <a:lnTo>
+                  <a:pt x="85160" y="241221"/>
+                </a:lnTo>
+                <a:lnTo>
+                  <a:pt x="85160" y="53603"/>
+                </a:lnTo>
+                <a:lnTo>
+                  <a:pt x="82416" y="42631"/>
+                </a:lnTo>
+                <a:lnTo>
+                  <a:pt x="75180" y="34171"/>
+                </a:lnTo>
+                <a:lnTo>
+                  <a:pt x="64951" y="28728"/>
+                </a:lnTo>
+                <a:lnTo>
+                  <a:pt x="53224" y="26801"/>
+                </a:lnTo>
+                <a:lnTo>
+                  <a:pt x="111773" y="26801"/>
+                </a:lnTo>
+                <a:lnTo>
+                  <a:pt x="131317" y="31408"/>
+                </a:lnTo>
+                <a:lnTo>
+                  <a:pt x="148366" y="43552"/>
+                </a:lnTo>
+                <a:lnTo>
+                  <a:pt x="155425" y="53603"/>
+                </a:lnTo>
+                <a:lnTo>
+                  <a:pt x="111773" y="53603"/>
+                </a:lnTo>
+                <a:lnTo>
+                  <a:pt x="111773" y="241221"/>
+                </a:lnTo>
+                <a:close/>
+              </a:path>
+              <a:path w="165100" h="611504">
+                <a:moveTo>
+                  <a:pt x="159677" y="310907"/>
+                </a:moveTo>
+                <a:lnTo>
+                  <a:pt x="143709" y="310907"/>
+                </a:lnTo>
+                <a:lnTo>
+                  <a:pt x="138386" y="305544"/>
+                </a:lnTo>
+                <a:lnTo>
+                  <a:pt x="138386" y="80405"/>
+                </a:lnTo>
+                <a:lnTo>
+                  <a:pt x="136473" y="69432"/>
+                </a:lnTo>
+                <a:lnTo>
+                  <a:pt x="131068" y="60973"/>
+                </a:lnTo>
+                <a:lnTo>
+                  <a:pt x="122668" y="55529"/>
+                </a:lnTo>
+                <a:lnTo>
+                  <a:pt x="111773" y="53603"/>
+                </a:lnTo>
+                <a:lnTo>
+                  <a:pt x="155425" y="53603"/>
+                </a:lnTo>
+                <a:lnTo>
+                  <a:pt x="160425" y="60722"/>
+                </a:lnTo>
+                <a:lnTo>
+                  <a:pt x="164999" y="80405"/>
+                </a:lnTo>
+                <a:lnTo>
+                  <a:pt x="164999" y="305544"/>
+                </a:lnTo>
+                <a:lnTo>
+                  <a:pt x="159677" y="310907"/>
+                </a:lnTo>
+                <a:close/>
+              </a:path>
+              <a:path w="165100" h="611504">
+                <a:moveTo>
+                  <a:pt x="111773" y="439558"/>
+                </a:moveTo>
+                <a:lnTo>
+                  <a:pt x="85160" y="439558"/>
+                </a:lnTo>
+                <a:lnTo>
+                  <a:pt x="85160" y="268023"/>
+                </a:lnTo>
+                <a:lnTo>
+                  <a:pt x="111773" y="268023"/>
+                </a:lnTo>
+                <a:lnTo>
+                  <a:pt x="111773" y="439558"/>
+                </a:lnTo>
+                <a:close/>
+              </a:path>
+              <a:path w="165100" h="611504">
+                <a:moveTo>
+                  <a:pt x="79836" y="552133"/>
+                </a:moveTo>
+                <a:lnTo>
+                  <a:pt x="53224" y="552133"/>
+                </a:lnTo>
+                <a:lnTo>
+                  <a:pt x="79838" y="466360"/>
+                </a:lnTo>
+                <a:lnTo>
+                  <a:pt x="111773" y="466360"/>
+                </a:lnTo>
+                <a:lnTo>
+                  <a:pt x="106450" y="471723"/>
+                </a:lnTo>
+                <a:lnTo>
+                  <a:pt x="79836" y="552133"/>
+                </a:lnTo>
+                <a:close/>
+              </a:path>
+            </a:pathLst>
+          </a:custGeom>
+          <a:solidFill>
+            <a:srgbClr val="000000"/>
+          </a:solidFill>
+        </p:spPr>
+        <p:txBody>
+          <a:bodyPr wrap="square" lIns="0" tIns="0" rIns="0" bIns="0" rtlCol="0"/>
+          <a:lstStyle/>
+          <a:p>
+            <a:endParaRPr/>
+          </a:p>
+        </p:txBody>
+      </p:sp>
+      <p:sp>
+        <p:nvSpPr>
+          <p:cNvPr id="15" name="object 15"/>
+          <p:cNvSpPr/>
+          <p:nvPr/>
+        </p:nvSpPr>
+        <p:spPr>
+          <a:xfrm>
+            <a:off x="7613194" y="3991598"/>
+            <a:ext cx="827405" cy="2009775"/>
+          </a:xfrm>
+          <a:custGeom>
+            <a:avLst/>
+            <a:gdLst/>
+            <a:ahLst/>
+            <a:cxnLst/>
+            <a:rect l="l" t="t" r="r" b="b"/>
+            <a:pathLst>
+              <a:path w="827404" h="2009775">
+                <a:moveTo>
+                  <a:pt x="265099" y="293077"/>
+                </a:moveTo>
+                <a:lnTo>
+                  <a:pt x="259524" y="268439"/>
+                </a:lnTo>
+                <a:lnTo>
+                  <a:pt x="244436" y="248843"/>
+                </a:lnTo>
+                <a:lnTo>
+                  <a:pt x="239776" y="244881"/>
+                </a:lnTo>
+                <a:lnTo>
+                  <a:pt x="239776" y="295084"/>
+                </a:lnTo>
+                <a:lnTo>
+                  <a:pt x="237363" y="310261"/>
+                </a:lnTo>
+                <a:lnTo>
+                  <a:pt x="228447" y="323913"/>
+                </a:lnTo>
+                <a:lnTo>
+                  <a:pt x="215531" y="336067"/>
+                </a:lnTo>
+                <a:lnTo>
+                  <a:pt x="201117" y="340664"/>
+                </a:lnTo>
+                <a:lnTo>
+                  <a:pt x="185699" y="338239"/>
+                </a:lnTo>
+                <a:lnTo>
+                  <a:pt x="100469" y="270281"/>
+                </a:lnTo>
+                <a:lnTo>
+                  <a:pt x="89801" y="243471"/>
+                </a:lnTo>
+                <a:lnTo>
+                  <a:pt x="89979" y="235432"/>
+                </a:lnTo>
+                <a:lnTo>
+                  <a:pt x="111798" y="203936"/>
+                </a:lnTo>
+                <a:lnTo>
+                  <a:pt x="127127" y="200583"/>
+                </a:lnTo>
+                <a:lnTo>
+                  <a:pt x="135051" y="198399"/>
+                </a:lnTo>
+                <a:lnTo>
+                  <a:pt x="142468" y="199237"/>
+                </a:lnTo>
+                <a:lnTo>
+                  <a:pt x="148882" y="202095"/>
+                </a:lnTo>
+                <a:lnTo>
+                  <a:pt x="153797" y="205943"/>
+                </a:lnTo>
+                <a:lnTo>
+                  <a:pt x="223113" y="270281"/>
+                </a:lnTo>
+                <a:lnTo>
+                  <a:pt x="235191" y="280924"/>
+                </a:lnTo>
+                <a:lnTo>
+                  <a:pt x="239776" y="295084"/>
+                </a:lnTo>
+                <a:lnTo>
+                  <a:pt x="239776" y="244881"/>
+                </a:lnTo>
+                <a:lnTo>
+                  <a:pt x="185166" y="198399"/>
+                </a:lnTo>
+                <a:lnTo>
+                  <a:pt x="144373" y="174777"/>
+                </a:lnTo>
+                <a:lnTo>
+                  <a:pt x="132461" y="173774"/>
+                </a:lnTo>
+                <a:lnTo>
+                  <a:pt x="132461" y="146964"/>
+                </a:lnTo>
+                <a:lnTo>
+                  <a:pt x="63144" y="125514"/>
+                </a:lnTo>
+                <a:lnTo>
+                  <a:pt x="45402" y="114706"/>
+                </a:lnTo>
+                <a:lnTo>
+                  <a:pt x="33159" y="99377"/>
+                </a:lnTo>
+                <a:lnTo>
+                  <a:pt x="27901" y="81026"/>
+                </a:lnTo>
+                <a:lnTo>
+                  <a:pt x="31153" y="61163"/>
+                </a:lnTo>
+                <a:lnTo>
+                  <a:pt x="38823" y="44069"/>
+                </a:lnTo>
+                <a:lnTo>
+                  <a:pt x="52489" y="33020"/>
+                </a:lnTo>
+                <a:lnTo>
+                  <a:pt x="70142" y="27990"/>
+                </a:lnTo>
+                <a:lnTo>
+                  <a:pt x="89801" y="28994"/>
+                </a:lnTo>
+                <a:lnTo>
+                  <a:pt x="132461" y="39712"/>
+                </a:lnTo>
+                <a:lnTo>
+                  <a:pt x="132461" y="27990"/>
+                </a:lnTo>
+                <a:lnTo>
+                  <a:pt x="132461" y="12903"/>
+                </a:lnTo>
+                <a:lnTo>
+                  <a:pt x="95148" y="2184"/>
+                </a:lnTo>
+                <a:lnTo>
+                  <a:pt x="66725" y="0"/>
+                </a:lnTo>
+                <a:lnTo>
+                  <a:pt x="39814" y="8890"/>
+                </a:lnTo>
+                <a:lnTo>
+                  <a:pt x="17907" y="27813"/>
+                </a:lnTo>
+                <a:lnTo>
+                  <a:pt x="4495" y="55803"/>
+                </a:lnTo>
+                <a:lnTo>
+                  <a:pt x="0" y="84366"/>
+                </a:lnTo>
+                <a:lnTo>
+                  <a:pt x="8496" y="111429"/>
+                </a:lnTo>
+                <a:lnTo>
+                  <a:pt x="26987" y="133464"/>
+                </a:lnTo>
+                <a:lnTo>
+                  <a:pt x="52489" y="146964"/>
+                </a:lnTo>
+                <a:lnTo>
+                  <a:pt x="127127" y="173774"/>
+                </a:lnTo>
+                <a:lnTo>
+                  <a:pt x="121805" y="173774"/>
+                </a:lnTo>
+                <a:lnTo>
+                  <a:pt x="79146" y="195224"/>
+                </a:lnTo>
+                <a:lnTo>
+                  <a:pt x="61899" y="230657"/>
+                </a:lnTo>
+                <a:lnTo>
+                  <a:pt x="63144" y="243471"/>
+                </a:lnTo>
+                <a:lnTo>
+                  <a:pt x="76644" y="282689"/>
+                </a:lnTo>
+                <a:lnTo>
+                  <a:pt x="121805" y="318554"/>
+                </a:lnTo>
+                <a:lnTo>
+                  <a:pt x="109893" y="322745"/>
+                </a:lnTo>
+                <a:lnTo>
+                  <a:pt x="79146" y="345363"/>
+                </a:lnTo>
+                <a:lnTo>
+                  <a:pt x="61899" y="380796"/>
+                </a:lnTo>
+                <a:lnTo>
+                  <a:pt x="63144" y="393623"/>
+                </a:lnTo>
+                <a:lnTo>
+                  <a:pt x="76644" y="429818"/>
+                </a:lnTo>
+                <a:lnTo>
+                  <a:pt x="111137" y="463334"/>
+                </a:lnTo>
+                <a:lnTo>
+                  <a:pt x="103136" y="465086"/>
+                </a:lnTo>
+                <a:lnTo>
+                  <a:pt x="95135" y="469366"/>
+                </a:lnTo>
+                <a:lnTo>
+                  <a:pt x="87147" y="474637"/>
+                </a:lnTo>
+                <a:lnTo>
+                  <a:pt x="79146" y="479412"/>
+                </a:lnTo>
+                <a:lnTo>
+                  <a:pt x="72199" y="491401"/>
+                </a:lnTo>
+                <a:lnTo>
+                  <a:pt x="67144" y="503542"/>
+                </a:lnTo>
+                <a:lnTo>
+                  <a:pt x="64147" y="515607"/>
+                </a:lnTo>
+                <a:lnTo>
+                  <a:pt x="63144" y="527672"/>
+                </a:lnTo>
+                <a:lnTo>
+                  <a:pt x="67233" y="539661"/>
+                </a:lnTo>
+                <a:lnTo>
+                  <a:pt x="132461" y="613473"/>
+                </a:lnTo>
+                <a:lnTo>
+                  <a:pt x="175120" y="629564"/>
+                </a:lnTo>
+                <a:lnTo>
+                  <a:pt x="190119" y="627710"/>
+                </a:lnTo>
+                <a:lnTo>
+                  <a:pt x="203111" y="622858"/>
+                </a:lnTo>
+                <a:lnTo>
+                  <a:pt x="214109" y="615988"/>
+                </a:lnTo>
+                <a:lnTo>
+                  <a:pt x="223113" y="608114"/>
+                </a:lnTo>
+                <a:lnTo>
+                  <a:pt x="226656" y="601408"/>
+                </a:lnTo>
+                <a:lnTo>
+                  <a:pt x="235026" y="585571"/>
+                </a:lnTo>
+                <a:lnTo>
+                  <a:pt x="238442" y="560514"/>
+                </a:lnTo>
+                <a:lnTo>
+                  <a:pt x="232854" y="536473"/>
+                </a:lnTo>
+                <a:lnTo>
+                  <a:pt x="217779" y="516953"/>
+                </a:lnTo>
+                <a:lnTo>
+                  <a:pt x="213779" y="513740"/>
+                </a:lnTo>
+                <a:lnTo>
+                  <a:pt x="213779" y="562521"/>
+                </a:lnTo>
+                <a:lnTo>
+                  <a:pt x="210781" y="576097"/>
+                </a:lnTo>
+                <a:lnTo>
+                  <a:pt x="201777" y="586663"/>
+                </a:lnTo>
+                <a:lnTo>
+                  <a:pt x="192036" y="596544"/>
+                </a:lnTo>
+                <a:lnTo>
+                  <a:pt x="179793" y="601408"/>
+                </a:lnTo>
+                <a:lnTo>
+                  <a:pt x="166535" y="600227"/>
+                </a:lnTo>
+                <a:lnTo>
+                  <a:pt x="153797" y="592023"/>
+                </a:lnTo>
+                <a:lnTo>
+                  <a:pt x="105803" y="549122"/>
+                </a:lnTo>
+                <a:lnTo>
+                  <a:pt x="99555" y="545020"/>
+                </a:lnTo>
+                <a:lnTo>
+                  <a:pt x="95808" y="540410"/>
+                </a:lnTo>
+                <a:lnTo>
+                  <a:pt x="93052" y="534797"/>
+                </a:lnTo>
+                <a:lnTo>
+                  <a:pt x="89801" y="527672"/>
+                </a:lnTo>
+                <a:lnTo>
+                  <a:pt x="90728" y="519709"/>
+                </a:lnTo>
+                <a:lnTo>
+                  <a:pt x="127139" y="488124"/>
+                </a:lnTo>
+                <a:lnTo>
+                  <a:pt x="140970" y="489559"/>
+                </a:lnTo>
+                <a:lnTo>
+                  <a:pt x="153797" y="495503"/>
+                </a:lnTo>
+                <a:lnTo>
+                  <a:pt x="201777" y="538403"/>
+                </a:lnTo>
+                <a:lnTo>
+                  <a:pt x="210781" y="548957"/>
+                </a:lnTo>
+                <a:lnTo>
+                  <a:pt x="213779" y="562521"/>
+                </a:lnTo>
+                <a:lnTo>
+                  <a:pt x="213779" y="513740"/>
+                </a:lnTo>
+                <a:lnTo>
+                  <a:pt x="191122" y="495503"/>
+                </a:lnTo>
+                <a:lnTo>
+                  <a:pt x="202196" y="491401"/>
+                </a:lnTo>
+                <a:lnTo>
+                  <a:pt x="208991" y="488124"/>
+                </a:lnTo>
+                <a:lnTo>
+                  <a:pt x="211785" y="486791"/>
+                </a:lnTo>
+                <a:lnTo>
+                  <a:pt x="220357" y="481177"/>
+                </a:lnTo>
+                <a:lnTo>
+                  <a:pt x="228447" y="474052"/>
+                </a:lnTo>
+                <a:lnTo>
+                  <a:pt x="230289" y="470865"/>
+                </a:lnTo>
+                <a:lnTo>
+                  <a:pt x="235445" y="461987"/>
+                </a:lnTo>
+                <a:lnTo>
+                  <a:pt x="240436" y="449922"/>
+                </a:lnTo>
+                <a:lnTo>
+                  <a:pt x="243446" y="437857"/>
+                </a:lnTo>
+                <a:lnTo>
+                  <a:pt x="244436" y="425792"/>
+                </a:lnTo>
+                <a:lnTo>
+                  <a:pt x="242608" y="410718"/>
+                </a:lnTo>
+                <a:lnTo>
+                  <a:pt x="237769" y="397637"/>
+                </a:lnTo>
+                <a:lnTo>
+                  <a:pt x="230936" y="386588"/>
+                </a:lnTo>
+                <a:lnTo>
+                  <a:pt x="223113" y="377532"/>
+                </a:lnTo>
+                <a:lnTo>
+                  <a:pt x="217779" y="373964"/>
+                </a:lnTo>
+                <a:lnTo>
+                  <a:pt x="217779" y="425792"/>
+                </a:lnTo>
+                <a:lnTo>
+                  <a:pt x="216865" y="433832"/>
+                </a:lnTo>
+                <a:lnTo>
+                  <a:pt x="188366" y="467766"/>
+                </a:lnTo>
+                <a:lnTo>
+                  <a:pt x="180454" y="468693"/>
+                </a:lnTo>
+                <a:lnTo>
+                  <a:pt x="172453" y="470865"/>
+                </a:lnTo>
+                <a:lnTo>
+                  <a:pt x="100469" y="420433"/>
+                </a:lnTo>
+                <a:lnTo>
+                  <a:pt x="96558" y="413232"/>
+                </a:lnTo>
+                <a:lnTo>
+                  <a:pt x="93141" y="407022"/>
+                </a:lnTo>
+                <a:lnTo>
+                  <a:pt x="90728" y="400824"/>
+                </a:lnTo>
+                <a:lnTo>
+                  <a:pt x="89801" y="393623"/>
+                </a:lnTo>
+                <a:lnTo>
+                  <a:pt x="89979" y="385572"/>
+                </a:lnTo>
+                <a:lnTo>
+                  <a:pt x="91135" y="377532"/>
+                </a:lnTo>
+                <a:lnTo>
+                  <a:pt x="94310" y="369493"/>
+                </a:lnTo>
+                <a:lnTo>
+                  <a:pt x="100469" y="361442"/>
+                </a:lnTo>
+                <a:lnTo>
+                  <a:pt x="105384" y="354406"/>
+                </a:lnTo>
+                <a:lnTo>
+                  <a:pt x="111798" y="349377"/>
+                </a:lnTo>
+                <a:lnTo>
+                  <a:pt x="119214" y="346367"/>
+                </a:lnTo>
+                <a:lnTo>
+                  <a:pt x="127127" y="345363"/>
+                </a:lnTo>
+                <a:lnTo>
+                  <a:pt x="135051" y="346278"/>
+                </a:lnTo>
+                <a:lnTo>
+                  <a:pt x="142468" y="348716"/>
+                </a:lnTo>
+                <a:lnTo>
+                  <a:pt x="148882" y="352145"/>
+                </a:lnTo>
+                <a:lnTo>
+                  <a:pt x="153797" y="356082"/>
+                </a:lnTo>
+                <a:lnTo>
+                  <a:pt x="201777" y="398983"/>
+                </a:lnTo>
+                <a:lnTo>
+                  <a:pt x="208775" y="403923"/>
+                </a:lnTo>
+                <a:lnTo>
+                  <a:pt x="213779" y="410375"/>
+                </a:lnTo>
+                <a:lnTo>
+                  <a:pt x="216776" y="417830"/>
+                </a:lnTo>
+                <a:lnTo>
+                  <a:pt x="217779" y="425792"/>
+                </a:lnTo>
+                <a:lnTo>
+                  <a:pt x="217779" y="373964"/>
+                </a:lnTo>
+                <a:lnTo>
+                  <a:pt x="207111" y="366814"/>
+                </a:lnTo>
+                <a:lnTo>
+                  <a:pt x="219024" y="364972"/>
+                </a:lnTo>
+                <a:lnTo>
+                  <a:pt x="230441" y="360108"/>
+                </a:lnTo>
+                <a:lnTo>
+                  <a:pt x="240855" y="353237"/>
+                </a:lnTo>
+                <a:lnTo>
+                  <a:pt x="249770" y="345363"/>
+                </a:lnTo>
+                <a:lnTo>
+                  <a:pt x="251955" y="340664"/>
+                </a:lnTo>
+                <a:lnTo>
+                  <a:pt x="261683" y="319722"/>
+                </a:lnTo>
+                <a:lnTo>
+                  <a:pt x="265099" y="293077"/>
+                </a:lnTo>
+                <a:close/>
+              </a:path>
+              <a:path w="827404" h="2009775">
+                <a:moveTo>
+                  <a:pt x="383806" y="1145311"/>
+                </a:moveTo>
+                <a:lnTo>
+                  <a:pt x="381000" y="1134364"/>
+                </a:lnTo>
+                <a:lnTo>
+                  <a:pt x="373634" y="1125931"/>
+                </a:lnTo>
+                <a:lnTo>
+                  <a:pt x="363207" y="1120508"/>
+                </a:lnTo>
+                <a:lnTo>
+                  <a:pt x="356679" y="1119454"/>
+                </a:lnTo>
+                <a:lnTo>
+                  <a:pt x="356679" y="1145311"/>
+                </a:lnTo>
+                <a:lnTo>
+                  <a:pt x="356679" y="1150658"/>
+                </a:lnTo>
+                <a:lnTo>
+                  <a:pt x="345821" y="1150658"/>
+                </a:lnTo>
+                <a:lnTo>
+                  <a:pt x="345821" y="1145311"/>
+                </a:lnTo>
+                <a:lnTo>
+                  <a:pt x="356679" y="1145311"/>
+                </a:lnTo>
+                <a:lnTo>
+                  <a:pt x="356679" y="1119454"/>
+                </a:lnTo>
+                <a:lnTo>
+                  <a:pt x="321500" y="1134364"/>
+                </a:lnTo>
+                <a:lnTo>
+                  <a:pt x="318706" y="1145311"/>
+                </a:lnTo>
+                <a:lnTo>
+                  <a:pt x="321500" y="1159344"/>
+                </a:lnTo>
+                <a:lnTo>
+                  <a:pt x="328866" y="1169365"/>
+                </a:lnTo>
+                <a:lnTo>
+                  <a:pt x="339293" y="1175385"/>
+                </a:lnTo>
+                <a:lnTo>
+                  <a:pt x="351256" y="1177378"/>
+                </a:lnTo>
+                <a:lnTo>
+                  <a:pt x="363207" y="1175385"/>
+                </a:lnTo>
+                <a:lnTo>
+                  <a:pt x="373634" y="1169365"/>
+                </a:lnTo>
+                <a:lnTo>
+                  <a:pt x="381000" y="1159344"/>
+                </a:lnTo>
+                <a:lnTo>
+                  <a:pt x="382739" y="1150658"/>
+                </a:lnTo>
+                <a:lnTo>
+                  <a:pt x="383806" y="1145311"/>
+                </a:lnTo>
+                <a:close/>
+              </a:path>
+              <a:path w="827404" h="2009775">
+                <a:moveTo>
+                  <a:pt x="826808" y="1010653"/>
+                </a:moveTo>
+                <a:lnTo>
+                  <a:pt x="821474" y="1005281"/>
+                </a:lnTo>
+                <a:lnTo>
+                  <a:pt x="800112" y="1005281"/>
+                </a:lnTo>
+                <a:lnTo>
+                  <a:pt x="800112" y="1032116"/>
+                </a:lnTo>
+                <a:lnTo>
+                  <a:pt x="800112" y="1262951"/>
+                </a:lnTo>
+                <a:lnTo>
+                  <a:pt x="255485" y="1262951"/>
+                </a:lnTo>
+                <a:lnTo>
+                  <a:pt x="255485" y="1032116"/>
+                </a:lnTo>
+                <a:lnTo>
+                  <a:pt x="800112" y="1032116"/>
+                </a:lnTo>
+                <a:lnTo>
+                  <a:pt x="800112" y="1005281"/>
+                </a:lnTo>
+                <a:lnTo>
+                  <a:pt x="741375" y="1005281"/>
+                </a:lnTo>
+                <a:lnTo>
+                  <a:pt x="741375" y="812012"/>
+                </a:lnTo>
+                <a:lnTo>
+                  <a:pt x="810793" y="597293"/>
+                </a:lnTo>
+                <a:lnTo>
+                  <a:pt x="813790" y="584288"/>
+                </a:lnTo>
+                <a:lnTo>
+                  <a:pt x="814793" y="569785"/>
+                </a:lnTo>
+                <a:lnTo>
+                  <a:pt x="813790" y="554266"/>
+                </a:lnTo>
+                <a:lnTo>
+                  <a:pt x="810793" y="538238"/>
+                </a:lnTo>
+                <a:lnTo>
+                  <a:pt x="693902" y="114147"/>
+                </a:lnTo>
+                <a:lnTo>
+                  <a:pt x="687984" y="92671"/>
+                </a:lnTo>
+                <a:lnTo>
+                  <a:pt x="677303" y="81953"/>
+                </a:lnTo>
+                <a:lnTo>
+                  <a:pt x="671969" y="81953"/>
+                </a:lnTo>
+                <a:lnTo>
+                  <a:pt x="624662" y="100063"/>
+                </a:lnTo>
+                <a:lnTo>
+                  <a:pt x="591705" y="141579"/>
+                </a:lnTo>
+                <a:lnTo>
+                  <a:pt x="580021" y="195757"/>
+                </a:lnTo>
+                <a:lnTo>
+                  <a:pt x="581190" y="226885"/>
+                </a:lnTo>
+                <a:lnTo>
+                  <a:pt x="592340" y="293662"/>
+                </a:lnTo>
+                <a:lnTo>
+                  <a:pt x="605028" y="355295"/>
+                </a:lnTo>
+                <a:lnTo>
+                  <a:pt x="616953" y="406615"/>
+                </a:lnTo>
+                <a:lnTo>
+                  <a:pt x="625792" y="442468"/>
+                </a:lnTo>
+                <a:lnTo>
+                  <a:pt x="629246" y="457720"/>
+                </a:lnTo>
+                <a:lnTo>
+                  <a:pt x="639927" y="468452"/>
+                </a:lnTo>
+                <a:lnTo>
+                  <a:pt x="645261" y="463080"/>
+                </a:lnTo>
+                <a:lnTo>
+                  <a:pt x="655942" y="463080"/>
+                </a:lnTo>
+                <a:lnTo>
+                  <a:pt x="655942" y="446976"/>
+                </a:lnTo>
+                <a:lnTo>
+                  <a:pt x="650697" y="427596"/>
+                </a:lnTo>
+                <a:lnTo>
+                  <a:pt x="637921" y="376516"/>
+                </a:lnTo>
+                <a:lnTo>
+                  <a:pt x="622160" y="304304"/>
+                </a:lnTo>
+                <a:lnTo>
+                  <a:pt x="607885" y="221513"/>
+                </a:lnTo>
+                <a:lnTo>
+                  <a:pt x="605891" y="195338"/>
+                </a:lnTo>
+                <a:lnTo>
+                  <a:pt x="607885" y="173189"/>
+                </a:lnTo>
+                <a:lnTo>
+                  <a:pt x="635838" y="129997"/>
+                </a:lnTo>
+                <a:lnTo>
+                  <a:pt x="666623" y="114147"/>
+                </a:lnTo>
+                <a:lnTo>
+                  <a:pt x="784098" y="543610"/>
+                </a:lnTo>
+                <a:lnTo>
+                  <a:pt x="787095" y="555688"/>
+                </a:lnTo>
+                <a:lnTo>
+                  <a:pt x="788098" y="567766"/>
+                </a:lnTo>
+                <a:lnTo>
+                  <a:pt x="787095" y="579843"/>
+                </a:lnTo>
+                <a:lnTo>
+                  <a:pt x="784098" y="591921"/>
+                </a:lnTo>
+                <a:lnTo>
+                  <a:pt x="714679" y="806653"/>
+                </a:lnTo>
+                <a:lnTo>
+                  <a:pt x="714679" y="1005281"/>
+                </a:lnTo>
+                <a:lnTo>
+                  <a:pt x="356933" y="1005281"/>
+                </a:lnTo>
+                <a:lnTo>
+                  <a:pt x="356933" y="914019"/>
+                </a:lnTo>
+                <a:lnTo>
+                  <a:pt x="212763" y="720763"/>
+                </a:lnTo>
+                <a:lnTo>
+                  <a:pt x="200748" y="719759"/>
+                </a:lnTo>
+                <a:lnTo>
+                  <a:pt x="188734" y="716737"/>
+                </a:lnTo>
+                <a:lnTo>
+                  <a:pt x="176733" y="711695"/>
+                </a:lnTo>
+                <a:lnTo>
+                  <a:pt x="164719" y="704659"/>
+                </a:lnTo>
+                <a:lnTo>
+                  <a:pt x="330238" y="924763"/>
+                </a:lnTo>
+                <a:lnTo>
+                  <a:pt x="330238" y="1005281"/>
+                </a:lnTo>
+                <a:lnTo>
+                  <a:pt x="234124" y="1005281"/>
+                </a:lnTo>
+                <a:lnTo>
+                  <a:pt x="228777" y="1010653"/>
+                </a:lnTo>
+                <a:lnTo>
+                  <a:pt x="228777" y="2009152"/>
+                </a:lnTo>
+                <a:lnTo>
+                  <a:pt x="255485" y="2009152"/>
+                </a:lnTo>
+                <a:lnTo>
+                  <a:pt x="255485" y="1289786"/>
+                </a:lnTo>
+                <a:lnTo>
+                  <a:pt x="800112" y="1289786"/>
+                </a:lnTo>
+                <a:lnTo>
+                  <a:pt x="800112" y="2009152"/>
+                </a:lnTo>
+                <a:lnTo>
+                  <a:pt x="826808" y="2009152"/>
+                </a:lnTo>
+                <a:lnTo>
+                  <a:pt x="826808" y="1289786"/>
+                </a:lnTo>
+                <a:lnTo>
+                  <a:pt x="826808" y="1262951"/>
+                </a:lnTo>
+                <a:lnTo>
+                  <a:pt x="826808" y="1032116"/>
+                </a:lnTo>
+                <a:lnTo>
+                  <a:pt x="826808" y="1010653"/>
+                </a:lnTo>
+                <a:close/>
+              </a:path>
+            </a:pathLst>
+          </a:custGeom>
+          <a:solidFill>
+            <a:srgbClr val="000000"/>
+          </a:solidFill>
+        </p:spPr>
+        <p:txBody>
+          <a:bodyPr wrap="square" lIns="0" tIns="0" rIns="0" bIns="0" rtlCol="0"/>
+          <a:lstStyle/>
+          <a:p>
+            <a:endParaRPr/>
+          </a:p>
+        </p:txBody>
+      </p:sp>
+      <p:sp>
+        <p:nvSpPr>
+          <p:cNvPr id="16" name="object 16"/>
+          <p:cNvSpPr/>
+          <p:nvPr/>
+        </p:nvSpPr>
+        <p:spPr>
+          <a:xfrm>
+            <a:off x="7882763" y="2070100"/>
+            <a:ext cx="187325" cy="401955"/>
+          </a:xfrm>
+          <a:custGeom>
+            <a:avLst/>
+            <a:gdLst/>
+            <a:ahLst/>
+            <a:cxnLst/>
+            <a:rect l="l" t="t" r="r" b="b"/>
+            <a:pathLst>
+              <a:path w="187325" h="401955">
+                <a:moveTo>
+                  <a:pt x="85610" y="337426"/>
+                </a:moveTo>
+                <a:lnTo>
+                  <a:pt x="80302" y="331876"/>
+                </a:lnTo>
+                <a:lnTo>
+                  <a:pt x="69710" y="331876"/>
+                </a:lnTo>
+                <a:lnTo>
+                  <a:pt x="69710" y="365175"/>
+                </a:lnTo>
+                <a:lnTo>
+                  <a:pt x="80302" y="365175"/>
+                </a:lnTo>
+                <a:lnTo>
+                  <a:pt x="85610" y="359625"/>
+                </a:lnTo>
+                <a:lnTo>
+                  <a:pt x="85610" y="337426"/>
+                </a:lnTo>
+                <a:close/>
+              </a:path>
+              <a:path w="187325" h="401955">
+                <a:moveTo>
+                  <a:pt x="117360" y="337426"/>
+                </a:moveTo>
+                <a:lnTo>
+                  <a:pt x="112052" y="331876"/>
+                </a:lnTo>
+                <a:lnTo>
+                  <a:pt x="106756" y="331876"/>
+                </a:lnTo>
+                <a:lnTo>
+                  <a:pt x="101460" y="337426"/>
+                </a:lnTo>
+                <a:lnTo>
+                  <a:pt x="101460" y="359625"/>
+                </a:lnTo>
+                <a:lnTo>
+                  <a:pt x="106756" y="365175"/>
+                </a:lnTo>
+                <a:lnTo>
+                  <a:pt x="112052" y="365175"/>
+                </a:lnTo>
+                <a:lnTo>
+                  <a:pt x="117360" y="359625"/>
+                </a:lnTo>
+                <a:lnTo>
+                  <a:pt x="117360" y="337426"/>
+                </a:lnTo>
+                <a:close/>
+              </a:path>
+              <a:path w="187325" h="401955">
+                <a:moveTo>
+                  <a:pt x="144348" y="251510"/>
+                </a:moveTo>
+                <a:lnTo>
+                  <a:pt x="138988" y="246113"/>
+                </a:lnTo>
+                <a:lnTo>
+                  <a:pt x="47993" y="246113"/>
+                </a:lnTo>
+                <a:lnTo>
+                  <a:pt x="42646" y="251510"/>
+                </a:lnTo>
+                <a:lnTo>
+                  <a:pt x="42646" y="267703"/>
+                </a:lnTo>
+                <a:lnTo>
+                  <a:pt x="47993" y="273100"/>
+                </a:lnTo>
+                <a:lnTo>
+                  <a:pt x="53352" y="273100"/>
+                </a:lnTo>
+                <a:lnTo>
+                  <a:pt x="138988" y="273100"/>
+                </a:lnTo>
+                <a:lnTo>
+                  <a:pt x="144348" y="267703"/>
+                </a:lnTo>
+                <a:lnTo>
+                  <a:pt x="144348" y="251510"/>
+                </a:lnTo>
+                <a:close/>
+              </a:path>
+              <a:path w="187325" h="401955">
+                <a:moveTo>
+                  <a:pt x="187210" y="74980"/>
+                </a:moveTo>
+                <a:lnTo>
+                  <a:pt x="181521" y="45186"/>
+                </a:lnTo>
+                <a:lnTo>
+                  <a:pt x="165811" y="21412"/>
+                </a:lnTo>
+                <a:lnTo>
+                  <a:pt x="160464" y="17881"/>
+                </a:lnTo>
+                <a:lnTo>
+                  <a:pt x="160464" y="74980"/>
+                </a:lnTo>
+                <a:lnTo>
+                  <a:pt x="160464" y="294576"/>
+                </a:lnTo>
+                <a:lnTo>
+                  <a:pt x="128371" y="294576"/>
+                </a:lnTo>
+                <a:lnTo>
+                  <a:pt x="128371" y="321348"/>
+                </a:lnTo>
+                <a:lnTo>
+                  <a:pt x="128371" y="374916"/>
+                </a:lnTo>
+                <a:lnTo>
+                  <a:pt x="58839" y="374916"/>
+                </a:lnTo>
+                <a:lnTo>
+                  <a:pt x="58839" y="321348"/>
+                </a:lnTo>
+                <a:lnTo>
+                  <a:pt x="128371" y="321348"/>
+                </a:lnTo>
+                <a:lnTo>
+                  <a:pt x="128371" y="294576"/>
+                </a:lnTo>
+                <a:lnTo>
+                  <a:pt x="26746" y="294576"/>
+                </a:lnTo>
+                <a:lnTo>
+                  <a:pt x="26746" y="74980"/>
+                </a:lnTo>
+                <a:lnTo>
+                  <a:pt x="30505" y="55308"/>
+                </a:lnTo>
+                <a:lnTo>
+                  <a:pt x="40792" y="38150"/>
+                </a:lnTo>
+                <a:lnTo>
+                  <a:pt x="56083" y="26022"/>
+                </a:lnTo>
+                <a:lnTo>
+                  <a:pt x="74891" y="21412"/>
+                </a:lnTo>
+                <a:lnTo>
+                  <a:pt x="112331" y="21412"/>
+                </a:lnTo>
+                <a:lnTo>
+                  <a:pt x="131127" y="26022"/>
+                </a:lnTo>
+                <a:lnTo>
+                  <a:pt x="146418" y="38150"/>
+                </a:lnTo>
+                <a:lnTo>
+                  <a:pt x="156705" y="55308"/>
+                </a:lnTo>
+                <a:lnTo>
+                  <a:pt x="160464" y="74980"/>
+                </a:lnTo>
+                <a:lnTo>
+                  <a:pt x="160464" y="17881"/>
+                </a:lnTo>
+                <a:lnTo>
+                  <a:pt x="142074" y="5689"/>
+                </a:lnTo>
+                <a:lnTo>
+                  <a:pt x="112331" y="0"/>
+                </a:lnTo>
+                <a:lnTo>
+                  <a:pt x="74891" y="0"/>
+                </a:lnTo>
+                <a:lnTo>
+                  <a:pt x="45135" y="5689"/>
+                </a:lnTo>
+                <a:lnTo>
+                  <a:pt x="21399" y="21412"/>
+                </a:lnTo>
+                <a:lnTo>
+                  <a:pt x="5689" y="45186"/>
+                </a:lnTo>
+                <a:lnTo>
+                  <a:pt x="0" y="74980"/>
+                </a:lnTo>
+                <a:lnTo>
+                  <a:pt x="0" y="316001"/>
+                </a:lnTo>
+                <a:lnTo>
+                  <a:pt x="5359" y="321348"/>
+                </a:lnTo>
+                <a:lnTo>
+                  <a:pt x="32092" y="321348"/>
+                </a:lnTo>
+                <a:lnTo>
+                  <a:pt x="32092" y="396341"/>
+                </a:lnTo>
+                <a:lnTo>
+                  <a:pt x="37439" y="401688"/>
+                </a:lnTo>
+                <a:lnTo>
+                  <a:pt x="149771" y="401688"/>
+                </a:lnTo>
+                <a:lnTo>
+                  <a:pt x="155117" y="396341"/>
+                </a:lnTo>
+                <a:lnTo>
+                  <a:pt x="155117" y="374916"/>
+                </a:lnTo>
+                <a:lnTo>
+                  <a:pt x="155117" y="321348"/>
+                </a:lnTo>
+                <a:lnTo>
+                  <a:pt x="181864" y="321348"/>
+                </a:lnTo>
+                <a:lnTo>
+                  <a:pt x="187210" y="316001"/>
+                </a:lnTo>
+                <a:lnTo>
+                  <a:pt x="187210" y="294576"/>
+                </a:lnTo>
+                <a:lnTo>
+                  <a:pt x="187210" y="74980"/>
+                </a:lnTo>
+                <a:close/>
+              </a:path>
+            </a:pathLst>
+          </a:custGeom>
+          <a:solidFill>
+            <a:srgbClr val="000000"/>
+          </a:solidFill>
+        </p:spPr>
+        <p:txBody>
+          <a:bodyPr wrap="square" lIns="0" tIns="0" rIns="0" bIns="0" rtlCol="0"/>
+          <a:lstStyle/>
+          <a:p>
+            <a:endParaRPr/>
+          </a:p>
+        </p:txBody>
+      </p:sp>
+      <p:grpSp>
+        <p:nvGrpSpPr>
+          <p:cNvPr id="17" name="object 17"/>
+          <p:cNvGrpSpPr/>
+          <p:nvPr/>
+        </p:nvGrpSpPr>
+        <p:grpSpPr>
+          <a:xfrm>
+            <a:off x="6518888" y="857250"/>
+            <a:ext cx="1160780" cy="2468880"/>
+            <a:chOff x="6518888" y="0"/>
+            <a:chExt cx="1160780" cy="2468880"/>
+          </a:xfrm>
+        </p:grpSpPr>
+        <p:sp>
+          <p:nvSpPr>
+            <p:cNvPr id="18" name="object 18"/>
+            <p:cNvSpPr/>
+            <p:nvPr/>
+          </p:nvSpPr>
+          <p:spPr>
+            <a:xfrm>
+              <a:off x="6742849" y="1212824"/>
+              <a:ext cx="936625" cy="1256030"/>
+            </a:xfrm>
+            <a:custGeom>
+              <a:avLst/>
+              <a:gdLst/>
+              <a:ahLst/>
+              <a:cxnLst/>
+              <a:rect l="l" t="t" r="r" b="b"/>
+              <a:pathLst>
+                <a:path w="936625" h="1256030">
+                  <a:moveTo>
+                    <a:pt x="717524" y="482396"/>
+                  </a:moveTo>
+                  <a:lnTo>
+                    <a:pt x="694982" y="447573"/>
+                  </a:lnTo>
+                  <a:lnTo>
+                    <a:pt x="690803" y="446773"/>
+                  </a:lnTo>
+                  <a:lnTo>
+                    <a:pt x="690803" y="477012"/>
+                  </a:lnTo>
+                  <a:lnTo>
+                    <a:pt x="690803" y="487781"/>
+                  </a:lnTo>
+                  <a:lnTo>
+                    <a:pt x="685457" y="493166"/>
+                  </a:lnTo>
+                  <a:lnTo>
+                    <a:pt x="674776" y="493166"/>
+                  </a:lnTo>
+                  <a:lnTo>
+                    <a:pt x="674776" y="471627"/>
+                  </a:lnTo>
+                  <a:lnTo>
+                    <a:pt x="685457" y="471627"/>
+                  </a:lnTo>
+                  <a:lnTo>
+                    <a:pt x="690803" y="477012"/>
+                  </a:lnTo>
+                  <a:lnTo>
+                    <a:pt x="690803" y="446773"/>
+                  </a:lnTo>
+                  <a:lnTo>
+                    <a:pt x="650811" y="467423"/>
+                  </a:lnTo>
+                  <a:lnTo>
+                    <a:pt x="648055" y="482396"/>
+                  </a:lnTo>
+                  <a:lnTo>
+                    <a:pt x="648055" y="493166"/>
+                  </a:lnTo>
+                  <a:lnTo>
+                    <a:pt x="562571" y="563156"/>
+                  </a:lnTo>
+                  <a:lnTo>
+                    <a:pt x="557225" y="563156"/>
+                  </a:lnTo>
+                  <a:lnTo>
+                    <a:pt x="557225" y="590080"/>
+                  </a:lnTo>
+                  <a:lnTo>
+                    <a:pt x="557225" y="600837"/>
+                  </a:lnTo>
+                  <a:lnTo>
+                    <a:pt x="551878" y="606221"/>
+                  </a:lnTo>
+                  <a:lnTo>
+                    <a:pt x="541185" y="606221"/>
+                  </a:lnTo>
+                  <a:lnTo>
+                    <a:pt x="535851" y="600837"/>
+                  </a:lnTo>
+                  <a:lnTo>
+                    <a:pt x="535851" y="590080"/>
+                  </a:lnTo>
+                  <a:lnTo>
+                    <a:pt x="541185" y="584695"/>
+                  </a:lnTo>
+                  <a:lnTo>
+                    <a:pt x="551878" y="584695"/>
+                  </a:lnTo>
+                  <a:lnTo>
+                    <a:pt x="557225" y="590080"/>
+                  </a:lnTo>
+                  <a:lnTo>
+                    <a:pt x="557225" y="563156"/>
+                  </a:lnTo>
+                  <a:lnTo>
+                    <a:pt x="551878" y="557771"/>
+                  </a:lnTo>
+                  <a:lnTo>
+                    <a:pt x="546531" y="557771"/>
+                  </a:lnTo>
+                  <a:lnTo>
+                    <a:pt x="538607" y="558774"/>
+                  </a:lnTo>
+                  <a:lnTo>
+                    <a:pt x="531177" y="561809"/>
+                  </a:lnTo>
+                  <a:lnTo>
+                    <a:pt x="524738" y="566851"/>
+                  </a:lnTo>
+                  <a:lnTo>
+                    <a:pt x="519811" y="573925"/>
+                  </a:lnTo>
+                  <a:lnTo>
+                    <a:pt x="474929" y="557771"/>
+                  </a:lnTo>
+                  <a:lnTo>
+                    <a:pt x="445008" y="547001"/>
+                  </a:lnTo>
+                  <a:lnTo>
+                    <a:pt x="443725" y="541616"/>
+                  </a:lnTo>
+                  <a:lnTo>
+                    <a:pt x="442175" y="535139"/>
+                  </a:lnTo>
+                  <a:lnTo>
+                    <a:pt x="434327" y="524789"/>
+                  </a:lnTo>
+                  <a:lnTo>
+                    <a:pt x="422465" y="517474"/>
+                  </a:lnTo>
+                  <a:lnTo>
+                    <a:pt x="418299" y="516699"/>
+                  </a:lnTo>
+                  <a:lnTo>
+                    <a:pt x="418299" y="547001"/>
+                  </a:lnTo>
+                  <a:lnTo>
+                    <a:pt x="418299" y="557771"/>
+                  </a:lnTo>
+                  <a:lnTo>
+                    <a:pt x="396925" y="557771"/>
+                  </a:lnTo>
+                  <a:lnTo>
+                    <a:pt x="396925" y="547001"/>
+                  </a:lnTo>
+                  <a:lnTo>
+                    <a:pt x="402259" y="541616"/>
+                  </a:lnTo>
+                  <a:lnTo>
+                    <a:pt x="412953" y="541616"/>
+                  </a:lnTo>
+                  <a:lnTo>
+                    <a:pt x="418299" y="547001"/>
+                  </a:lnTo>
+                  <a:lnTo>
+                    <a:pt x="418299" y="516699"/>
+                  </a:lnTo>
+                  <a:lnTo>
+                    <a:pt x="380885" y="525462"/>
+                  </a:lnTo>
+                  <a:lnTo>
+                    <a:pt x="370205" y="552386"/>
+                  </a:lnTo>
+                  <a:lnTo>
+                    <a:pt x="370205" y="557771"/>
+                  </a:lnTo>
+                  <a:lnTo>
+                    <a:pt x="375551" y="563156"/>
+                  </a:lnTo>
+                  <a:lnTo>
+                    <a:pt x="375551" y="568540"/>
+                  </a:lnTo>
+                  <a:lnTo>
+                    <a:pt x="284708" y="676211"/>
+                  </a:lnTo>
+                  <a:lnTo>
+                    <a:pt x="279361" y="676211"/>
+                  </a:lnTo>
+                  <a:lnTo>
+                    <a:pt x="279361" y="703135"/>
+                  </a:lnTo>
+                  <a:lnTo>
+                    <a:pt x="279361" y="719289"/>
+                  </a:lnTo>
+                  <a:lnTo>
+                    <a:pt x="263334" y="719289"/>
+                  </a:lnTo>
+                  <a:lnTo>
+                    <a:pt x="263334" y="703135"/>
+                  </a:lnTo>
+                  <a:lnTo>
+                    <a:pt x="279361" y="703135"/>
+                  </a:lnTo>
+                  <a:lnTo>
+                    <a:pt x="279361" y="676211"/>
+                  </a:lnTo>
+                  <a:lnTo>
+                    <a:pt x="268681" y="676211"/>
+                  </a:lnTo>
+                  <a:lnTo>
+                    <a:pt x="256908" y="679081"/>
+                  </a:lnTo>
+                  <a:lnTo>
+                    <a:pt x="246634" y="686981"/>
+                  </a:lnTo>
+                  <a:lnTo>
+                    <a:pt x="239369" y="698931"/>
+                  </a:lnTo>
+                  <a:lnTo>
+                    <a:pt x="236613" y="713905"/>
+                  </a:lnTo>
+                  <a:lnTo>
+                    <a:pt x="239369" y="725766"/>
+                  </a:lnTo>
+                  <a:lnTo>
+                    <a:pt x="246634" y="736117"/>
+                  </a:lnTo>
+                  <a:lnTo>
+                    <a:pt x="256908" y="743432"/>
+                  </a:lnTo>
+                  <a:lnTo>
+                    <a:pt x="268681" y="746201"/>
+                  </a:lnTo>
+                  <a:lnTo>
+                    <a:pt x="283540" y="743432"/>
+                  </a:lnTo>
+                  <a:lnTo>
+                    <a:pt x="295402" y="736117"/>
+                  </a:lnTo>
+                  <a:lnTo>
+                    <a:pt x="303250" y="725766"/>
+                  </a:lnTo>
+                  <a:lnTo>
+                    <a:pt x="304800" y="719289"/>
+                  </a:lnTo>
+                  <a:lnTo>
+                    <a:pt x="306082" y="713905"/>
+                  </a:lnTo>
+                  <a:lnTo>
+                    <a:pt x="306082" y="703135"/>
+                  </a:lnTo>
+                  <a:lnTo>
+                    <a:pt x="306082" y="697750"/>
+                  </a:lnTo>
+                  <a:lnTo>
+                    <a:pt x="300736" y="692365"/>
+                  </a:lnTo>
+                  <a:lnTo>
+                    <a:pt x="396925" y="584695"/>
+                  </a:lnTo>
+                  <a:lnTo>
+                    <a:pt x="407606" y="584695"/>
+                  </a:lnTo>
+                  <a:lnTo>
+                    <a:pt x="415544" y="583768"/>
+                  </a:lnTo>
+                  <a:lnTo>
+                    <a:pt x="422973" y="581329"/>
+                  </a:lnTo>
+                  <a:lnTo>
+                    <a:pt x="429399" y="577875"/>
+                  </a:lnTo>
+                  <a:lnTo>
+                    <a:pt x="434327" y="573925"/>
+                  </a:lnTo>
+                  <a:lnTo>
+                    <a:pt x="509130" y="595464"/>
+                  </a:lnTo>
+                  <a:lnTo>
+                    <a:pt x="511962" y="610438"/>
+                  </a:lnTo>
+                  <a:lnTo>
+                    <a:pt x="519811" y="622376"/>
+                  </a:lnTo>
+                  <a:lnTo>
+                    <a:pt x="531672" y="630288"/>
+                  </a:lnTo>
+                  <a:lnTo>
+                    <a:pt x="546531" y="633145"/>
+                  </a:lnTo>
+                  <a:lnTo>
+                    <a:pt x="558304" y="630288"/>
+                  </a:lnTo>
+                  <a:lnTo>
+                    <a:pt x="568579" y="622376"/>
+                  </a:lnTo>
+                  <a:lnTo>
+                    <a:pt x="575843" y="610438"/>
+                  </a:lnTo>
+                  <a:lnTo>
+                    <a:pt x="576618" y="606221"/>
+                  </a:lnTo>
+                  <a:lnTo>
+                    <a:pt x="578599" y="595464"/>
+                  </a:lnTo>
+                  <a:lnTo>
+                    <a:pt x="578599" y="584695"/>
+                  </a:lnTo>
+                  <a:lnTo>
+                    <a:pt x="604901" y="563156"/>
+                  </a:lnTo>
+                  <a:lnTo>
+                    <a:pt x="664083" y="514705"/>
+                  </a:lnTo>
+                  <a:lnTo>
+                    <a:pt x="680123" y="514705"/>
+                  </a:lnTo>
+                  <a:lnTo>
+                    <a:pt x="694982" y="511924"/>
+                  </a:lnTo>
+                  <a:lnTo>
+                    <a:pt x="706831" y="504609"/>
+                  </a:lnTo>
+                  <a:lnTo>
+                    <a:pt x="714679" y="494258"/>
+                  </a:lnTo>
+                  <a:lnTo>
+                    <a:pt x="714946" y="493166"/>
+                  </a:lnTo>
+                  <a:lnTo>
+                    <a:pt x="717524" y="482396"/>
+                  </a:lnTo>
+                  <a:close/>
+                </a:path>
+                <a:path w="936625" h="1256030">
+                  <a:moveTo>
+                    <a:pt x="749274" y="1029589"/>
+                  </a:moveTo>
+                  <a:lnTo>
+                    <a:pt x="743927" y="1024039"/>
+                  </a:lnTo>
+                  <a:lnTo>
+                    <a:pt x="738593" y="1024039"/>
+                  </a:lnTo>
+                  <a:lnTo>
+                    <a:pt x="503809" y="1024039"/>
+                  </a:lnTo>
+                  <a:lnTo>
+                    <a:pt x="498475" y="1029589"/>
+                  </a:lnTo>
+                  <a:lnTo>
+                    <a:pt x="498475" y="1040688"/>
+                  </a:lnTo>
+                  <a:lnTo>
+                    <a:pt x="503809" y="1046238"/>
+                  </a:lnTo>
+                  <a:lnTo>
+                    <a:pt x="743927" y="1046238"/>
+                  </a:lnTo>
+                  <a:lnTo>
+                    <a:pt x="749274" y="1040688"/>
+                  </a:lnTo>
+                  <a:lnTo>
+                    <a:pt x="749274" y="1029589"/>
+                  </a:lnTo>
+                  <a:close/>
+                </a:path>
+                <a:path w="936625" h="1256030">
+                  <a:moveTo>
+                    <a:pt x="749274" y="943864"/>
+                  </a:moveTo>
+                  <a:lnTo>
+                    <a:pt x="743927" y="938314"/>
+                  </a:lnTo>
+                  <a:lnTo>
+                    <a:pt x="738593" y="938314"/>
+                  </a:lnTo>
+                  <a:lnTo>
+                    <a:pt x="503809" y="938314"/>
+                  </a:lnTo>
+                  <a:lnTo>
+                    <a:pt x="498475" y="943864"/>
+                  </a:lnTo>
+                  <a:lnTo>
+                    <a:pt x="498475" y="954963"/>
+                  </a:lnTo>
+                  <a:lnTo>
+                    <a:pt x="503809" y="960513"/>
+                  </a:lnTo>
+                  <a:lnTo>
+                    <a:pt x="743927" y="960513"/>
+                  </a:lnTo>
+                  <a:lnTo>
+                    <a:pt x="749274" y="954963"/>
+                  </a:lnTo>
+                  <a:lnTo>
+                    <a:pt x="749274" y="943864"/>
+                  </a:lnTo>
+                  <a:close/>
+                </a:path>
+                <a:path w="936625" h="1256030">
+                  <a:moveTo>
+                    <a:pt x="749274" y="853198"/>
+                  </a:moveTo>
+                  <a:lnTo>
+                    <a:pt x="743927" y="847788"/>
+                  </a:lnTo>
+                  <a:lnTo>
+                    <a:pt x="738593" y="847788"/>
+                  </a:lnTo>
+                  <a:lnTo>
+                    <a:pt x="503809" y="847788"/>
+                  </a:lnTo>
+                  <a:lnTo>
+                    <a:pt x="498475" y="853198"/>
+                  </a:lnTo>
+                  <a:lnTo>
+                    <a:pt x="498475" y="869391"/>
+                  </a:lnTo>
+                  <a:lnTo>
+                    <a:pt x="503809" y="874788"/>
+                  </a:lnTo>
+                  <a:lnTo>
+                    <a:pt x="743927" y="874788"/>
+                  </a:lnTo>
+                  <a:lnTo>
+                    <a:pt x="749274" y="869391"/>
+                  </a:lnTo>
+                  <a:lnTo>
+                    <a:pt x="749274" y="853198"/>
+                  </a:lnTo>
+                  <a:close/>
+                </a:path>
+                <a:path w="936625" h="1256030">
+                  <a:moveTo>
+                    <a:pt x="749274" y="197624"/>
+                  </a:moveTo>
+                  <a:lnTo>
+                    <a:pt x="743927" y="192239"/>
+                  </a:lnTo>
+                  <a:lnTo>
+                    <a:pt x="701167" y="192239"/>
+                  </a:lnTo>
+                  <a:lnTo>
+                    <a:pt x="701167" y="219163"/>
+                  </a:lnTo>
+                  <a:lnTo>
+                    <a:pt x="701167" y="305282"/>
+                  </a:lnTo>
+                  <a:lnTo>
+                    <a:pt x="658406" y="305282"/>
+                  </a:lnTo>
+                  <a:lnTo>
+                    <a:pt x="658406" y="219163"/>
+                  </a:lnTo>
+                  <a:lnTo>
+                    <a:pt x="701167" y="219163"/>
+                  </a:lnTo>
+                  <a:lnTo>
+                    <a:pt x="701167" y="192239"/>
+                  </a:lnTo>
+                  <a:lnTo>
+                    <a:pt x="567550" y="192239"/>
+                  </a:lnTo>
+                  <a:lnTo>
+                    <a:pt x="567550" y="219163"/>
+                  </a:lnTo>
+                  <a:lnTo>
+                    <a:pt x="567550" y="423697"/>
+                  </a:lnTo>
+                  <a:lnTo>
+                    <a:pt x="524789" y="423697"/>
+                  </a:lnTo>
+                  <a:lnTo>
+                    <a:pt x="524789" y="219163"/>
+                  </a:lnTo>
+                  <a:lnTo>
+                    <a:pt x="567550" y="219163"/>
+                  </a:lnTo>
+                  <a:lnTo>
+                    <a:pt x="567550" y="192239"/>
+                  </a:lnTo>
+                  <a:lnTo>
+                    <a:pt x="428574" y="192239"/>
+                  </a:lnTo>
+                  <a:lnTo>
+                    <a:pt x="428574" y="219163"/>
+                  </a:lnTo>
+                  <a:lnTo>
+                    <a:pt x="428574" y="375259"/>
+                  </a:lnTo>
+                  <a:lnTo>
+                    <a:pt x="385813" y="375259"/>
+                  </a:lnTo>
+                  <a:lnTo>
+                    <a:pt x="385813" y="219163"/>
+                  </a:lnTo>
+                  <a:lnTo>
+                    <a:pt x="428574" y="219163"/>
+                  </a:lnTo>
+                  <a:lnTo>
+                    <a:pt x="428574" y="192239"/>
+                  </a:lnTo>
+                  <a:lnTo>
+                    <a:pt x="289610" y="192239"/>
+                  </a:lnTo>
+                  <a:lnTo>
+                    <a:pt x="288696" y="200240"/>
+                  </a:lnTo>
+                  <a:lnTo>
+                    <a:pt x="286270" y="207721"/>
+                  </a:lnTo>
+                  <a:lnTo>
+                    <a:pt x="282841" y="214198"/>
+                  </a:lnTo>
+                  <a:lnTo>
+                    <a:pt x="278917" y="219163"/>
+                  </a:lnTo>
+                  <a:lnTo>
+                    <a:pt x="289610" y="219163"/>
+                  </a:lnTo>
+                  <a:lnTo>
+                    <a:pt x="289610" y="536740"/>
+                  </a:lnTo>
+                  <a:lnTo>
+                    <a:pt x="246849" y="536740"/>
+                  </a:lnTo>
+                  <a:lnTo>
+                    <a:pt x="246849" y="246075"/>
+                  </a:lnTo>
+                  <a:lnTo>
+                    <a:pt x="241503" y="246075"/>
+                  </a:lnTo>
+                  <a:lnTo>
+                    <a:pt x="230822" y="251460"/>
+                  </a:lnTo>
+                  <a:lnTo>
+                    <a:pt x="225475" y="251460"/>
+                  </a:lnTo>
+                  <a:lnTo>
+                    <a:pt x="225475" y="558266"/>
+                  </a:lnTo>
+                  <a:lnTo>
+                    <a:pt x="230822" y="563638"/>
+                  </a:lnTo>
+                  <a:lnTo>
+                    <a:pt x="310984" y="563638"/>
+                  </a:lnTo>
+                  <a:lnTo>
+                    <a:pt x="316331" y="558266"/>
+                  </a:lnTo>
+                  <a:lnTo>
+                    <a:pt x="316331" y="536740"/>
+                  </a:lnTo>
+                  <a:lnTo>
+                    <a:pt x="316331" y="219163"/>
+                  </a:lnTo>
+                  <a:lnTo>
+                    <a:pt x="359092" y="219163"/>
+                  </a:lnTo>
+                  <a:lnTo>
+                    <a:pt x="359092" y="396786"/>
+                  </a:lnTo>
+                  <a:lnTo>
+                    <a:pt x="364439" y="402170"/>
+                  </a:lnTo>
+                  <a:lnTo>
+                    <a:pt x="449961" y="402170"/>
+                  </a:lnTo>
+                  <a:lnTo>
+                    <a:pt x="455307" y="396786"/>
+                  </a:lnTo>
+                  <a:lnTo>
+                    <a:pt x="455307" y="375259"/>
+                  </a:lnTo>
+                  <a:lnTo>
+                    <a:pt x="455307" y="219163"/>
+                  </a:lnTo>
+                  <a:lnTo>
+                    <a:pt x="498055" y="219163"/>
+                  </a:lnTo>
+                  <a:lnTo>
+                    <a:pt x="498055" y="445223"/>
+                  </a:lnTo>
+                  <a:lnTo>
+                    <a:pt x="503402" y="450608"/>
+                  </a:lnTo>
+                  <a:lnTo>
+                    <a:pt x="583577" y="450608"/>
+                  </a:lnTo>
+                  <a:lnTo>
+                    <a:pt x="594271" y="445223"/>
+                  </a:lnTo>
+                  <a:lnTo>
+                    <a:pt x="594271" y="423697"/>
+                  </a:lnTo>
+                  <a:lnTo>
+                    <a:pt x="594271" y="219163"/>
+                  </a:lnTo>
+                  <a:lnTo>
+                    <a:pt x="637032" y="219163"/>
+                  </a:lnTo>
+                  <a:lnTo>
+                    <a:pt x="637032" y="326809"/>
+                  </a:lnTo>
+                  <a:lnTo>
+                    <a:pt x="642378" y="332193"/>
+                  </a:lnTo>
+                  <a:lnTo>
+                    <a:pt x="722541" y="332193"/>
+                  </a:lnTo>
+                  <a:lnTo>
+                    <a:pt x="727887" y="326809"/>
+                  </a:lnTo>
+                  <a:lnTo>
+                    <a:pt x="727887" y="305282"/>
+                  </a:lnTo>
+                  <a:lnTo>
+                    <a:pt x="727887" y="219163"/>
+                  </a:lnTo>
+                  <a:lnTo>
+                    <a:pt x="743927" y="219163"/>
+                  </a:lnTo>
+                  <a:lnTo>
+                    <a:pt x="749274" y="213779"/>
+                  </a:lnTo>
+                  <a:lnTo>
+                    <a:pt x="749274" y="197624"/>
+                  </a:lnTo>
+                  <a:close/>
+                </a:path>
+                <a:path w="936625" h="1256030">
+                  <a:moveTo>
+                    <a:pt x="936599" y="5359"/>
+                  </a:moveTo>
+                  <a:lnTo>
+                    <a:pt x="931252" y="0"/>
+                  </a:lnTo>
+                  <a:lnTo>
+                    <a:pt x="289001" y="0"/>
+                  </a:lnTo>
+                  <a:lnTo>
+                    <a:pt x="289001" y="21463"/>
+                  </a:lnTo>
+                  <a:lnTo>
+                    <a:pt x="909840" y="21463"/>
+                  </a:lnTo>
+                  <a:lnTo>
+                    <a:pt x="909840" y="1228966"/>
+                  </a:lnTo>
+                  <a:lnTo>
+                    <a:pt x="347878" y="1228966"/>
+                  </a:lnTo>
+                  <a:lnTo>
+                    <a:pt x="347878" y="1212862"/>
+                  </a:lnTo>
+                  <a:lnTo>
+                    <a:pt x="347878" y="933792"/>
+                  </a:lnTo>
+                  <a:lnTo>
+                    <a:pt x="347878" y="912329"/>
+                  </a:lnTo>
+                  <a:lnTo>
+                    <a:pt x="342519" y="906970"/>
+                  </a:lnTo>
+                  <a:lnTo>
+                    <a:pt x="321119" y="906970"/>
+                  </a:lnTo>
+                  <a:lnTo>
+                    <a:pt x="321119" y="933792"/>
+                  </a:lnTo>
+                  <a:lnTo>
+                    <a:pt x="321119" y="1212862"/>
+                  </a:lnTo>
+                  <a:lnTo>
+                    <a:pt x="48171" y="933792"/>
+                  </a:lnTo>
+                  <a:lnTo>
+                    <a:pt x="321119" y="933792"/>
+                  </a:lnTo>
+                  <a:lnTo>
+                    <a:pt x="321119" y="906970"/>
+                  </a:lnTo>
+                  <a:lnTo>
+                    <a:pt x="26758" y="906970"/>
+                  </a:lnTo>
+                  <a:lnTo>
+                    <a:pt x="26758" y="289801"/>
+                  </a:lnTo>
+                  <a:lnTo>
+                    <a:pt x="23660" y="284010"/>
+                  </a:lnTo>
+                  <a:lnTo>
+                    <a:pt x="22072" y="275717"/>
+                  </a:lnTo>
+                  <a:lnTo>
+                    <a:pt x="21488" y="266407"/>
+                  </a:lnTo>
+                  <a:lnTo>
+                    <a:pt x="21399" y="236131"/>
+                  </a:lnTo>
+                  <a:lnTo>
+                    <a:pt x="16052" y="236131"/>
+                  </a:lnTo>
+                  <a:lnTo>
+                    <a:pt x="10706" y="241490"/>
+                  </a:lnTo>
+                  <a:lnTo>
+                    <a:pt x="0" y="246862"/>
+                  </a:lnTo>
+                  <a:lnTo>
+                    <a:pt x="0" y="923074"/>
+                  </a:lnTo>
+                  <a:lnTo>
+                    <a:pt x="5346" y="923074"/>
+                  </a:lnTo>
+                  <a:lnTo>
+                    <a:pt x="5346" y="928433"/>
+                  </a:lnTo>
+                  <a:lnTo>
+                    <a:pt x="326466" y="1250442"/>
+                  </a:lnTo>
+                  <a:lnTo>
+                    <a:pt x="326466" y="1255788"/>
+                  </a:lnTo>
+                  <a:lnTo>
+                    <a:pt x="931252" y="1255788"/>
+                  </a:lnTo>
+                  <a:lnTo>
+                    <a:pt x="936599" y="1250442"/>
+                  </a:lnTo>
+                  <a:lnTo>
+                    <a:pt x="936599" y="1228966"/>
+                  </a:lnTo>
+                  <a:lnTo>
+                    <a:pt x="936599" y="5359"/>
+                  </a:lnTo>
+                  <a:close/>
+                </a:path>
+              </a:pathLst>
+            </a:custGeom>
+            <a:solidFill>
+              <a:srgbClr val="FFFFFF"/>
+            </a:solidFill>
+          </p:spPr>
+          <p:txBody>
+            <a:bodyPr wrap="square" lIns="0" tIns="0" rIns="0" bIns="0" rtlCol="0"/>
+            <a:lstStyle/>
+            <a:p>
+              <a:endParaRPr/>
+            </a:p>
+          </p:txBody>
+        </p:sp>
+        <p:sp>
+          <p:nvSpPr>
+            <p:cNvPr id="19" name="object 19"/>
+            <p:cNvSpPr/>
+            <p:nvPr/>
+          </p:nvSpPr>
+          <p:spPr>
+            <a:xfrm>
+              <a:off x="6518888" y="0"/>
+              <a:ext cx="704215" cy="1544955"/>
+            </a:xfrm>
+            <a:custGeom>
+              <a:avLst/>
+              <a:gdLst/>
+              <a:ahLst/>
+              <a:cxnLst/>
+              <a:rect l="l" t="t" r="r" b="b"/>
+              <a:pathLst>
+                <a:path w="704215" h="1544955">
+                  <a:moveTo>
+                    <a:pt x="529468" y="563171"/>
+                  </a:moveTo>
+                  <a:lnTo>
+                    <a:pt x="32091" y="563171"/>
+                  </a:lnTo>
+                  <a:lnTo>
+                    <a:pt x="26744" y="552449"/>
+                  </a:lnTo>
+                  <a:lnTo>
+                    <a:pt x="26744" y="0"/>
+                  </a:lnTo>
+                  <a:lnTo>
+                    <a:pt x="53483" y="0"/>
+                  </a:lnTo>
+                  <a:lnTo>
+                    <a:pt x="53483" y="386175"/>
+                  </a:lnTo>
+                  <a:lnTo>
+                    <a:pt x="534814" y="386175"/>
+                  </a:lnTo>
+                  <a:lnTo>
+                    <a:pt x="534814" y="407633"/>
+                  </a:lnTo>
+                  <a:lnTo>
+                    <a:pt x="53483" y="407633"/>
+                  </a:lnTo>
+                  <a:lnTo>
+                    <a:pt x="53483" y="536358"/>
+                  </a:lnTo>
+                  <a:lnTo>
+                    <a:pt x="534814" y="536358"/>
+                  </a:lnTo>
+                  <a:lnTo>
+                    <a:pt x="534814" y="552449"/>
+                  </a:lnTo>
+                  <a:lnTo>
+                    <a:pt x="529468" y="563171"/>
+                  </a:lnTo>
+                  <a:close/>
+                </a:path>
+                <a:path w="704215" h="1544955">
+                  <a:moveTo>
+                    <a:pt x="534814" y="386175"/>
+                  </a:moveTo>
+                  <a:lnTo>
+                    <a:pt x="508075" y="386175"/>
+                  </a:lnTo>
+                  <a:lnTo>
+                    <a:pt x="508075" y="0"/>
+                  </a:lnTo>
+                  <a:lnTo>
+                    <a:pt x="534814" y="0"/>
+                  </a:lnTo>
+                  <a:lnTo>
+                    <a:pt x="534814" y="386175"/>
+                  </a:lnTo>
+                  <a:close/>
+                </a:path>
+                <a:path w="704215" h="1544955">
+                  <a:moveTo>
+                    <a:pt x="534814" y="536358"/>
+                  </a:moveTo>
+                  <a:lnTo>
+                    <a:pt x="508075" y="536358"/>
+                  </a:lnTo>
+                  <a:lnTo>
+                    <a:pt x="508075" y="407633"/>
+                  </a:lnTo>
+                  <a:lnTo>
+                    <a:pt x="534814" y="407633"/>
+                  </a:lnTo>
+                  <a:lnTo>
+                    <a:pt x="534814" y="536358"/>
+                  </a:lnTo>
+                  <a:close/>
+                </a:path>
+                <a:path w="704215" h="1544955">
+                  <a:moveTo>
+                    <a:pt x="74875" y="1340889"/>
+                  </a:moveTo>
+                  <a:lnTo>
+                    <a:pt x="45126" y="1335191"/>
+                  </a:lnTo>
+                  <a:lnTo>
+                    <a:pt x="21393" y="1319436"/>
+                  </a:lnTo>
+                  <a:lnTo>
+                    <a:pt x="5682" y="1295636"/>
+                  </a:lnTo>
+                  <a:lnTo>
+                    <a:pt x="0" y="1265804"/>
+                  </a:lnTo>
+                  <a:lnTo>
+                    <a:pt x="0" y="858170"/>
+                  </a:lnTo>
+                  <a:lnTo>
+                    <a:pt x="6768" y="804035"/>
+                  </a:lnTo>
+                  <a:lnTo>
+                    <a:pt x="26072" y="754925"/>
+                  </a:lnTo>
+                  <a:lnTo>
+                    <a:pt x="56407" y="711847"/>
+                  </a:lnTo>
+                  <a:lnTo>
+                    <a:pt x="96268" y="675806"/>
+                  </a:lnTo>
+                  <a:lnTo>
+                    <a:pt x="96268" y="563171"/>
+                  </a:lnTo>
+                  <a:lnTo>
+                    <a:pt x="123006" y="563171"/>
+                  </a:lnTo>
+                  <a:lnTo>
+                    <a:pt x="122927" y="686621"/>
+                  </a:lnTo>
+                  <a:lnTo>
+                    <a:pt x="117661" y="691896"/>
+                  </a:lnTo>
+                  <a:lnTo>
+                    <a:pt x="117661" y="697264"/>
+                  </a:lnTo>
+                  <a:lnTo>
+                    <a:pt x="78636" y="726176"/>
+                  </a:lnTo>
+                  <a:lnTo>
+                    <a:pt x="50141" y="763636"/>
+                  </a:lnTo>
+                  <a:lnTo>
+                    <a:pt x="32677" y="808137"/>
+                  </a:lnTo>
+                  <a:lnTo>
+                    <a:pt x="26744" y="858170"/>
+                  </a:lnTo>
+                  <a:lnTo>
+                    <a:pt x="26744" y="1265804"/>
+                  </a:lnTo>
+                  <a:lnTo>
+                    <a:pt x="31340" y="1287676"/>
+                  </a:lnTo>
+                  <a:lnTo>
+                    <a:pt x="43456" y="1304016"/>
+                  </a:lnTo>
+                  <a:lnTo>
+                    <a:pt x="60586" y="1313318"/>
+                  </a:lnTo>
+                  <a:lnTo>
+                    <a:pt x="80222" y="1314076"/>
+                  </a:lnTo>
+                  <a:lnTo>
+                    <a:pt x="149752" y="1314076"/>
+                  </a:lnTo>
+                  <a:lnTo>
+                    <a:pt x="149752" y="1324799"/>
+                  </a:lnTo>
+                  <a:lnTo>
+                    <a:pt x="123006" y="1324799"/>
+                  </a:lnTo>
+                  <a:lnTo>
+                    <a:pt x="110976" y="1331836"/>
+                  </a:lnTo>
+                  <a:lnTo>
+                    <a:pt x="98943" y="1336865"/>
+                  </a:lnTo>
+                  <a:lnTo>
+                    <a:pt x="86910" y="1339883"/>
+                  </a:lnTo>
+                  <a:lnTo>
+                    <a:pt x="74875" y="1340889"/>
+                  </a:lnTo>
+                  <a:close/>
+                </a:path>
+                <a:path w="704215" h="1544955">
+                  <a:moveTo>
+                    <a:pt x="690887" y="1106901"/>
+                  </a:moveTo>
+                  <a:lnTo>
+                    <a:pt x="646456" y="1106901"/>
+                  </a:lnTo>
+                  <a:lnTo>
+                    <a:pt x="658739" y="1103297"/>
+                  </a:lnTo>
+                  <a:lnTo>
+                    <a:pt x="668514" y="1094162"/>
+                  </a:lnTo>
+                  <a:lnTo>
+                    <a:pt x="675368" y="1084442"/>
+                  </a:lnTo>
+                  <a:lnTo>
+                    <a:pt x="679213" y="1072710"/>
+                  </a:lnTo>
+                  <a:lnTo>
+                    <a:pt x="679047" y="1060978"/>
+                  </a:lnTo>
+                  <a:lnTo>
+                    <a:pt x="673867" y="1051258"/>
+                  </a:lnTo>
+                  <a:lnTo>
+                    <a:pt x="673867" y="1045890"/>
+                  </a:lnTo>
+                  <a:lnTo>
+                    <a:pt x="668514" y="1045890"/>
+                  </a:lnTo>
+                  <a:lnTo>
+                    <a:pt x="654058" y="1015721"/>
+                  </a:lnTo>
+                  <a:lnTo>
+                    <a:pt x="617039" y="941304"/>
+                  </a:lnTo>
+                  <a:lnTo>
+                    <a:pt x="566985" y="846772"/>
+                  </a:lnTo>
+                  <a:lnTo>
+                    <a:pt x="513421" y="756259"/>
+                  </a:lnTo>
+                  <a:lnTo>
+                    <a:pt x="485343" y="720057"/>
+                  </a:lnTo>
+                  <a:lnTo>
+                    <a:pt x="449245" y="691896"/>
+                  </a:lnTo>
+                  <a:lnTo>
+                    <a:pt x="443898" y="686541"/>
+                  </a:lnTo>
+                  <a:lnTo>
+                    <a:pt x="438546" y="686541"/>
+                  </a:lnTo>
+                  <a:lnTo>
+                    <a:pt x="438546" y="563171"/>
+                  </a:lnTo>
+                  <a:lnTo>
+                    <a:pt x="465290" y="563171"/>
+                  </a:lnTo>
+                  <a:lnTo>
+                    <a:pt x="465290" y="670451"/>
+                  </a:lnTo>
+                  <a:lnTo>
+                    <a:pt x="487433" y="686621"/>
+                  </a:lnTo>
+                  <a:lnTo>
+                    <a:pt x="521694" y="720979"/>
+                  </a:lnTo>
+                  <a:lnTo>
+                    <a:pt x="565031" y="789444"/>
+                  </a:lnTo>
+                  <a:lnTo>
+                    <a:pt x="595155" y="842753"/>
+                  </a:lnTo>
+                  <a:lnTo>
+                    <a:pt x="623782" y="896248"/>
+                  </a:lnTo>
+                  <a:lnTo>
+                    <a:pt x="649510" y="946084"/>
+                  </a:lnTo>
+                  <a:lnTo>
+                    <a:pt x="686652" y="1019390"/>
+                  </a:lnTo>
+                  <a:lnTo>
+                    <a:pt x="695260" y="1035167"/>
+                  </a:lnTo>
+                  <a:lnTo>
+                    <a:pt x="703363" y="1056032"/>
+                  </a:lnTo>
+                  <a:lnTo>
+                    <a:pt x="703947" y="1077402"/>
+                  </a:lnTo>
+                  <a:lnTo>
+                    <a:pt x="697513" y="1097768"/>
+                  </a:lnTo>
+                  <a:lnTo>
+                    <a:pt x="690887" y="1106901"/>
+                  </a:lnTo>
+                  <a:close/>
+                </a:path>
+                <a:path w="704215" h="1544955">
+                  <a:moveTo>
+                    <a:pt x="496105" y="1437433"/>
+                  </a:moveTo>
+                  <a:lnTo>
+                    <a:pt x="449245" y="1437433"/>
+                  </a:lnTo>
+                  <a:lnTo>
+                    <a:pt x="464955" y="1430644"/>
+                  </a:lnTo>
+                  <a:lnTo>
+                    <a:pt x="478659" y="1419331"/>
+                  </a:lnTo>
+                  <a:lnTo>
+                    <a:pt x="488353" y="1405001"/>
+                  </a:lnTo>
+                  <a:lnTo>
+                    <a:pt x="492029" y="1389161"/>
+                  </a:lnTo>
+                  <a:lnTo>
+                    <a:pt x="492029" y="970805"/>
+                  </a:lnTo>
+                  <a:lnTo>
+                    <a:pt x="497376" y="965437"/>
+                  </a:lnTo>
+                  <a:lnTo>
+                    <a:pt x="508075" y="965437"/>
+                  </a:lnTo>
+                  <a:lnTo>
+                    <a:pt x="513421" y="970805"/>
+                  </a:lnTo>
+                  <a:lnTo>
+                    <a:pt x="549072" y="1013709"/>
+                  </a:lnTo>
+                  <a:lnTo>
+                    <a:pt x="513421" y="1013709"/>
+                  </a:lnTo>
+                  <a:lnTo>
+                    <a:pt x="513421" y="1389161"/>
+                  </a:lnTo>
+                  <a:lnTo>
+                    <a:pt x="507823" y="1418993"/>
+                  </a:lnTo>
+                  <a:lnTo>
+                    <a:pt x="496105" y="1437433"/>
+                  </a:lnTo>
+                  <a:close/>
+                </a:path>
+                <a:path w="704215" h="1544955">
+                  <a:moveTo>
+                    <a:pt x="644449" y="1131714"/>
+                  </a:moveTo>
+                  <a:lnTo>
+                    <a:pt x="622889" y="1127691"/>
+                  </a:lnTo>
+                  <a:lnTo>
+                    <a:pt x="604338" y="1115620"/>
+                  </a:lnTo>
+                  <a:lnTo>
+                    <a:pt x="598991" y="1115620"/>
+                  </a:lnTo>
+                  <a:lnTo>
+                    <a:pt x="513421" y="1013709"/>
+                  </a:lnTo>
+                  <a:lnTo>
+                    <a:pt x="549072" y="1013709"/>
+                  </a:lnTo>
+                  <a:lnTo>
+                    <a:pt x="620383" y="1099530"/>
+                  </a:lnTo>
+                  <a:lnTo>
+                    <a:pt x="633170" y="1105478"/>
+                  </a:lnTo>
+                  <a:lnTo>
+                    <a:pt x="646456" y="1106901"/>
+                  </a:lnTo>
+                  <a:lnTo>
+                    <a:pt x="690887" y="1106901"/>
+                  </a:lnTo>
+                  <a:lnTo>
+                    <a:pt x="684561" y="1115620"/>
+                  </a:lnTo>
+                  <a:lnTo>
+                    <a:pt x="666009" y="1127691"/>
+                  </a:lnTo>
+                  <a:lnTo>
+                    <a:pt x="644449" y="1131714"/>
+                  </a:lnTo>
+                  <a:close/>
+                </a:path>
+                <a:path w="704215" h="1544955">
+                  <a:moveTo>
+                    <a:pt x="149752" y="1314076"/>
+                  </a:moveTo>
+                  <a:lnTo>
+                    <a:pt x="80222" y="1314076"/>
+                  </a:lnTo>
+                  <a:lnTo>
+                    <a:pt x="98190" y="1309549"/>
+                  </a:lnTo>
+                  <a:lnTo>
+                    <a:pt x="111644" y="1297982"/>
+                  </a:lnTo>
+                  <a:lnTo>
+                    <a:pt x="120082" y="1282394"/>
+                  </a:lnTo>
+                  <a:lnTo>
+                    <a:pt x="123006" y="1265804"/>
+                  </a:lnTo>
+                  <a:lnTo>
+                    <a:pt x="123006" y="1099530"/>
+                  </a:lnTo>
+                  <a:lnTo>
+                    <a:pt x="128359" y="1088807"/>
+                  </a:lnTo>
+                  <a:lnTo>
+                    <a:pt x="144399" y="1088807"/>
+                  </a:lnTo>
+                  <a:lnTo>
+                    <a:pt x="149752" y="1099530"/>
+                  </a:lnTo>
+                  <a:lnTo>
+                    <a:pt x="149752" y="1314076"/>
+                  </a:lnTo>
+                  <a:close/>
+                </a:path>
+                <a:path w="704215" h="1544955">
+                  <a:moveTo>
+                    <a:pt x="272759" y="1437433"/>
+                  </a:moveTo>
+                  <a:lnTo>
+                    <a:pt x="203229" y="1437433"/>
+                  </a:lnTo>
+                  <a:lnTo>
+                    <a:pt x="218940" y="1430644"/>
+                  </a:lnTo>
+                  <a:lnTo>
+                    <a:pt x="232644" y="1419331"/>
+                  </a:lnTo>
+                  <a:lnTo>
+                    <a:pt x="242338" y="1405001"/>
+                  </a:lnTo>
+                  <a:lnTo>
+                    <a:pt x="246014" y="1389161"/>
+                  </a:lnTo>
+                  <a:lnTo>
+                    <a:pt x="246014" y="1158525"/>
+                  </a:lnTo>
+                  <a:lnTo>
+                    <a:pt x="251367" y="1153170"/>
+                  </a:lnTo>
+                  <a:lnTo>
+                    <a:pt x="262060" y="1153170"/>
+                  </a:lnTo>
+                  <a:lnTo>
+                    <a:pt x="272759" y="1158525"/>
+                  </a:lnTo>
+                  <a:lnTo>
+                    <a:pt x="272759" y="1437433"/>
+                  </a:lnTo>
+                  <a:close/>
+                </a:path>
+                <a:path w="704215" h="1544955">
+                  <a:moveTo>
+                    <a:pt x="373098" y="1517886"/>
+                  </a:moveTo>
+                  <a:lnTo>
+                    <a:pt x="326237" y="1517886"/>
+                  </a:lnTo>
+                  <a:lnTo>
+                    <a:pt x="341947" y="1514114"/>
+                  </a:lnTo>
+                  <a:lnTo>
+                    <a:pt x="355651" y="1503805"/>
+                  </a:lnTo>
+                  <a:lnTo>
+                    <a:pt x="365345" y="1488469"/>
+                  </a:lnTo>
+                  <a:lnTo>
+                    <a:pt x="369021" y="1469614"/>
+                  </a:lnTo>
+                  <a:lnTo>
+                    <a:pt x="369021" y="1158525"/>
+                  </a:lnTo>
+                  <a:lnTo>
+                    <a:pt x="374368" y="1153170"/>
+                  </a:lnTo>
+                  <a:lnTo>
+                    <a:pt x="385068" y="1153170"/>
+                  </a:lnTo>
+                  <a:lnTo>
+                    <a:pt x="390414" y="1158525"/>
+                  </a:lnTo>
+                  <a:lnTo>
+                    <a:pt x="390414" y="1389161"/>
+                  </a:lnTo>
+                  <a:lnTo>
+                    <a:pt x="395094" y="1408770"/>
+                  </a:lnTo>
+                  <a:lnTo>
+                    <a:pt x="407795" y="1425365"/>
+                  </a:lnTo>
+                  <a:lnTo>
+                    <a:pt x="426514" y="1435926"/>
+                  </a:lnTo>
+                  <a:lnTo>
+                    <a:pt x="449245" y="1437433"/>
+                  </a:lnTo>
+                  <a:lnTo>
+                    <a:pt x="496105" y="1437433"/>
+                  </a:lnTo>
+                  <a:lnTo>
+                    <a:pt x="492699" y="1442793"/>
+                  </a:lnTo>
+                  <a:lnTo>
+                    <a:pt x="485161" y="1448156"/>
+                  </a:lnTo>
+                  <a:lnTo>
+                    <a:pt x="390414" y="1448156"/>
+                  </a:lnTo>
+                  <a:lnTo>
+                    <a:pt x="390414" y="1469614"/>
+                  </a:lnTo>
+                  <a:lnTo>
+                    <a:pt x="384816" y="1499446"/>
+                  </a:lnTo>
+                  <a:lnTo>
+                    <a:pt x="373098" y="1517886"/>
+                  </a:lnTo>
+                  <a:close/>
+                </a:path>
+                <a:path w="704215" h="1544955">
+                  <a:moveTo>
+                    <a:pt x="197883" y="1464246"/>
+                  </a:moveTo>
+                  <a:lnTo>
+                    <a:pt x="168134" y="1458548"/>
+                  </a:lnTo>
+                  <a:lnTo>
+                    <a:pt x="144401" y="1442793"/>
+                  </a:lnTo>
+                  <a:lnTo>
+                    <a:pt x="128689" y="1418993"/>
+                  </a:lnTo>
+                  <a:lnTo>
+                    <a:pt x="123006" y="1389161"/>
+                  </a:lnTo>
+                  <a:lnTo>
+                    <a:pt x="123006" y="1324799"/>
+                  </a:lnTo>
+                  <a:lnTo>
+                    <a:pt x="149752" y="1324799"/>
+                  </a:lnTo>
+                  <a:lnTo>
+                    <a:pt x="149752" y="1389161"/>
+                  </a:lnTo>
+                  <a:lnTo>
+                    <a:pt x="153596" y="1408770"/>
+                  </a:lnTo>
+                  <a:lnTo>
+                    <a:pt x="164459" y="1425365"/>
+                  </a:lnTo>
+                  <a:lnTo>
+                    <a:pt x="181338" y="1435926"/>
+                  </a:lnTo>
+                  <a:lnTo>
+                    <a:pt x="203229" y="1437433"/>
+                  </a:lnTo>
+                  <a:lnTo>
+                    <a:pt x="272759" y="1437433"/>
+                  </a:lnTo>
+                  <a:lnTo>
+                    <a:pt x="272759" y="1448156"/>
+                  </a:lnTo>
+                  <a:lnTo>
+                    <a:pt x="246014" y="1448156"/>
+                  </a:lnTo>
+                  <a:lnTo>
+                    <a:pt x="233981" y="1455199"/>
+                  </a:lnTo>
+                  <a:lnTo>
+                    <a:pt x="221949" y="1460227"/>
+                  </a:lnTo>
+                  <a:lnTo>
+                    <a:pt x="209917" y="1463242"/>
+                  </a:lnTo>
+                  <a:lnTo>
+                    <a:pt x="197883" y="1464246"/>
+                  </a:lnTo>
+                  <a:close/>
+                </a:path>
+                <a:path w="704215" h="1544955">
+                  <a:moveTo>
+                    <a:pt x="320890" y="1544699"/>
+                  </a:moveTo>
+                  <a:lnTo>
+                    <a:pt x="291141" y="1539001"/>
+                  </a:lnTo>
+                  <a:lnTo>
+                    <a:pt x="267408" y="1523246"/>
+                  </a:lnTo>
+                  <a:lnTo>
+                    <a:pt x="251697" y="1499446"/>
+                  </a:lnTo>
+                  <a:lnTo>
+                    <a:pt x="246014" y="1469614"/>
+                  </a:lnTo>
+                  <a:lnTo>
+                    <a:pt x="246014" y="1448156"/>
+                  </a:lnTo>
+                  <a:lnTo>
+                    <a:pt x="272759" y="1448156"/>
+                  </a:lnTo>
+                  <a:lnTo>
+                    <a:pt x="272759" y="1469614"/>
+                  </a:lnTo>
+                  <a:lnTo>
+                    <a:pt x="276603" y="1491488"/>
+                  </a:lnTo>
+                  <a:lnTo>
+                    <a:pt x="287466" y="1507831"/>
+                  </a:lnTo>
+                  <a:lnTo>
+                    <a:pt x="304345" y="1517134"/>
+                  </a:lnTo>
+                  <a:lnTo>
+                    <a:pt x="326237" y="1517886"/>
+                  </a:lnTo>
+                  <a:lnTo>
+                    <a:pt x="373098" y="1517886"/>
+                  </a:lnTo>
+                  <a:lnTo>
+                    <a:pt x="369692" y="1523246"/>
+                  </a:lnTo>
+                  <a:lnTo>
+                    <a:pt x="347548" y="1539001"/>
+                  </a:lnTo>
+                  <a:lnTo>
+                    <a:pt x="320890" y="1544699"/>
+                  </a:lnTo>
+                  <a:close/>
+                </a:path>
+                <a:path w="704215" h="1544955">
+                  <a:moveTo>
+                    <a:pt x="443898" y="1464246"/>
+                  </a:moveTo>
+                  <a:lnTo>
+                    <a:pt x="428773" y="1463242"/>
+                  </a:lnTo>
+                  <a:lnTo>
+                    <a:pt x="415151" y="1460227"/>
+                  </a:lnTo>
+                  <a:lnTo>
+                    <a:pt x="402532" y="1455199"/>
+                  </a:lnTo>
+                  <a:lnTo>
+                    <a:pt x="390414" y="1448156"/>
+                  </a:lnTo>
+                  <a:lnTo>
+                    <a:pt x="485161" y="1448156"/>
+                  </a:lnTo>
+                  <a:lnTo>
+                    <a:pt x="470556" y="1458548"/>
+                  </a:lnTo>
+                  <a:lnTo>
+                    <a:pt x="443898" y="1464246"/>
+                  </a:lnTo>
+                  <a:close/>
+                </a:path>
+              </a:pathLst>
+            </a:custGeom>
+            <a:solidFill>
+              <a:srgbClr val="000000"/>
+            </a:solidFill>
+          </p:spPr>
+          <p:txBody>
+            <a:bodyPr wrap="square" lIns="0" tIns="0" rIns="0" bIns="0" rtlCol="0"/>
+            <a:lstStyle/>
+            <a:p>
+              <a:endParaRPr/>
+            </a:p>
+          </p:txBody>
+        </p:sp>
+      </p:grpSp>
+      <p:sp>
+        <p:nvSpPr>
+          <p:cNvPr id="20" name="object 20"/>
+          <p:cNvSpPr txBox="1">
+            <a:spLocks noGrp="1"/>
+          </p:cNvSpPr>
+          <p:nvPr>
+            <p:ph type="title"/>
+          </p:nvPr>
+        </p:nvSpPr>
+        <p:spPr>
+          <a:xfrm>
+            <a:off x="539552" y="1305233"/>
+            <a:ext cx="5193903" cy="936153"/>
+          </a:xfrm>
+          <a:prstGeom prst="rect">
+            <a:avLst/>
+          </a:prstGeom>
+        </p:spPr>
+        <p:txBody>
+          <a:bodyPr vert="horz" wrap="square" lIns="0" tIns="12699" rIns="0" bIns="0" rtlCol="0">
+            <a:spAutoFit/>
+          </a:bodyPr>
+          <a:lstStyle/>
+          <a:p>
+            <a:pPr marL="12699">
+              <a:spcBef>
+                <a:spcPts val="100"/>
+              </a:spcBef>
+            </a:pPr>
+            <a:r>
+              <a:rPr lang="en-ZA" sz="3000" spc="105" dirty="0" smtClean="0">
+                <a:solidFill>
+                  <a:schemeClr val="tx1"/>
+                </a:solidFill>
+              </a:rPr>
+              <a:t>Different Types of Collaborative Models</a:t>
+            </a:r>
+            <a:endParaRPr sz="3000" dirty="0">
+              <a:solidFill>
+                <a:schemeClr val="tx1"/>
+              </a:solidFill>
+            </a:endParaRPr>
+          </a:p>
+        </p:txBody>
+      </p:sp>
+      <p:graphicFrame>
+        <p:nvGraphicFramePr>
+          <p:cNvPr id="21" name="object 21"/>
+          <p:cNvGraphicFramePr>
+            <a:graphicFrameLocks noGrp="1"/>
+          </p:cNvGraphicFramePr>
+          <p:nvPr>
+            <p:extLst>
+              <p:ext uri="{D42A27DB-BD31-4B8C-83A1-F6EECF244321}">
+                <p14:modId xmlns:p14="http://schemas.microsoft.com/office/powerpoint/2010/main" val="777634526"/>
+              </p:ext>
+            </p:extLst>
+          </p:nvPr>
+        </p:nvGraphicFramePr>
+        <p:xfrm>
+          <a:off x="588887" y="2491168"/>
+          <a:ext cx="4411738" cy="3039110"/>
+        </p:xfrm>
+        <a:graphic>
+          <a:graphicData uri="http://schemas.openxmlformats.org/drawingml/2006/table">
+            <a:tbl>
+              <a:tblPr firstRow="1" bandRow="1">
+                <a:tableStyleId>{2D5ABB26-0587-4C30-8999-92F81FD0307C}</a:tableStyleId>
+              </a:tblPr>
+              <a:tblGrid>
+                <a:gridCol w="2205869">
+                  <a:extLst>
+                    <a:ext uri="{9D8B030D-6E8A-4147-A177-3AD203B41FA5}">
+                      <a16:colId xmlns="" xmlns:a16="http://schemas.microsoft.com/office/drawing/2014/main" val="20000"/>
+                    </a:ext>
+                  </a:extLst>
+                </a:gridCol>
+                <a:gridCol w="2205869">
+                  <a:extLst>
+                    <a:ext uri="{9D8B030D-6E8A-4147-A177-3AD203B41FA5}">
+                      <a16:colId xmlns="" xmlns:a16="http://schemas.microsoft.com/office/drawing/2014/main" val="20001"/>
+                    </a:ext>
+                  </a:extLst>
+                </a:gridCol>
+              </a:tblGrid>
+              <a:tr h="726440">
+                <a:tc>
+                  <a:txBody>
+                    <a:bodyPr/>
+                    <a:lstStyle/>
+                    <a:p>
+                      <a:pPr>
+                        <a:lnSpc>
+                          <a:spcPct val="100000"/>
+                        </a:lnSpc>
+                        <a:spcBef>
+                          <a:spcPts val="25"/>
+                        </a:spcBef>
+                      </a:pPr>
+                      <a:endParaRPr sz="1700" dirty="0">
+                        <a:latin typeface="Times New Roman"/>
+                        <a:cs typeface="Times New Roman"/>
+                      </a:endParaRPr>
+                    </a:p>
+                    <a:p>
+                      <a:pPr marL="85725">
+                        <a:lnSpc>
+                          <a:spcPct val="100000"/>
+                        </a:lnSpc>
+                      </a:pPr>
+                      <a:r>
+                        <a:rPr sz="1400" dirty="0">
+                          <a:latin typeface="Tahoma"/>
+                          <a:cs typeface="Tahoma"/>
+                        </a:rPr>
+                        <a:t>Algorithm</a:t>
+                      </a:r>
+                      <a:r>
+                        <a:rPr sz="1400" spc="-160" dirty="0">
+                          <a:latin typeface="Tahoma"/>
+                          <a:cs typeface="Tahoma"/>
+                        </a:rPr>
+                        <a:t> </a:t>
+                      </a:r>
+                      <a:r>
+                        <a:rPr sz="1400" dirty="0">
+                          <a:latin typeface="Tahoma"/>
+                          <a:cs typeface="Tahoma"/>
+                        </a:rPr>
+                        <a:t>Na</a:t>
+                      </a:r>
+                      <a:r>
+                        <a:rPr sz="1400" spc="-15" dirty="0">
+                          <a:latin typeface="Tahoma"/>
+                          <a:cs typeface="Tahoma"/>
+                        </a:rPr>
+                        <a:t>m</a:t>
+                      </a:r>
+                      <a:r>
+                        <a:rPr sz="1400" dirty="0">
+                          <a:latin typeface="Tahoma"/>
+                          <a:cs typeface="Tahoma"/>
+                        </a:rPr>
+                        <a:t>e</a:t>
+                      </a:r>
+                    </a:p>
+                  </a:txBody>
+                  <a:tcPr marL="0" marR="0" marT="3175" marB="0">
+                    <a:lnL w="9525">
+                      <a:solidFill>
+                        <a:srgbClr val="A5B0FD"/>
+                      </a:solidFill>
+                      <a:prstDash val="solid"/>
+                    </a:lnL>
+                    <a:lnR w="9525">
+                      <a:solidFill>
+                        <a:srgbClr val="A5B0FD"/>
+                      </a:solidFill>
+                      <a:prstDash val="solid"/>
+                    </a:lnR>
+                    <a:lnT w="28575">
+                      <a:solidFill>
+                        <a:srgbClr val="A5B0FD"/>
+                      </a:solidFill>
+                      <a:prstDash val="solid"/>
+                    </a:lnT>
+                    <a:lnB w="9525">
+                      <a:solidFill>
+                        <a:srgbClr val="A5B0FD"/>
+                      </a:solidFill>
+                      <a:prstDash val="solid"/>
+                    </a:lnB>
+                  </a:tcPr>
+                </a:tc>
+                <a:tc>
+                  <a:txBody>
+                    <a:bodyPr/>
+                    <a:lstStyle/>
+                    <a:p>
+                      <a:pPr>
+                        <a:lnSpc>
+                          <a:spcPct val="100000"/>
+                        </a:lnSpc>
+                        <a:spcBef>
+                          <a:spcPts val="15"/>
+                        </a:spcBef>
+                      </a:pPr>
+                      <a:endParaRPr sz="1800" b="1" dirty="0">
+                        <a:latin typeface="Times New Roman"/>
+                        <a:cs typeface="Times New Roman"/>
+                      </a:endParaRPr>
+                    </a:p>
+                    <a:p>
+                      <a:pPr algn="ctr">
+                        <a:lnSpc>
+                          <a:spcPct val="100000"/>
+                        </a:lnSpc>
+                      </a:pPr>
+                      <a:r>
+                        <a:rPr sz="1100" b="1" dirty="0">
+                          <a:latin typeface="Tahoma"/>
+                          <a:cs typeface="Tahoma"/>
+                        </a:rPr>
+                        <a:t>RMSE</a:t>
+                      </a:r>
+                    </a:p>
+                  </a:txBody>
+                  <a:tcPr marL="0" marR="0" marT="1905" marB="0">
+                    <a:lnL w="9525">
+                      <a:solidFill>
+                        <a:srgbClr val="A5B0FD"/>
+                      </a:solidFill>
+                      <a:prstDash val="solid"/>
+                    </a:lnL>
+                    <a:lnR w="9525">
+                      <a:solidFill>
+                        <a:srgbClr val="A5B0FD"/>
+                      </a:solidFill>
+                      <a:prstDash val="solid"/>
+                    </a:lnR>
+                    <a:lnT w="28575">
+                      <a:solidFill>
+                        <a:srgbClr val="A5B0FD"/>
+                      </a:solidFill>
+                      <a:prstDash val="solid"/>
+                    </a:lnT>
+                    <a:lnB w="9525">
+                      <a:solidFill>
+                        <a:srgbClr val="A5B0FD"/>
+                      </a:solidFill>
+                      <a:prstDash val="solid"/>
+                    </a:lnB>
+                  </a:tcPr>
+                </a:tc>
+                <a:extLst>
+                  <a:ext uri="{0D108BD9-81ED-4DB2-BD59-A6C34878D82A}">
+                    <a16:rowId xmlns="" xmlns:a16="http://schemas.microsoft.com/office/drawing/2014/main" val="10000"/>
+                  </a:ext>
+                </a:extLst>
+              </a:tr>
+              <a:tr h="859790">
+                <a:tc>
+                  <a:txBody>
+                    <a:bodyPr/>
+                    <a:lstStyle/>
+                    <a:p>
+                      <a:pPr>
+                        <a:lnSpc>
+                          <a:spcPct val="100000"/>
+                        </a:lnSpc>
+                        <a:spcBef>
+                          <a:spcPts val="55"/>
+                        </a:spcBef>
+                      </a:pPr>
+                      <a:endParaRPr sz="1200">
+                        <a:solidFill>
+                          <a:schemeClr val="bg1"/>
+                        </a:solidFill>
+                        <a:latin typeface="Times New Roman"/>
+                        <a:cs typeface="Times New Roman"/>
+                      </a:endParaRPr>
+                    </a:p>
+                    <a:p>
+                      <a:pPr marL="302895" marR="76835" indent="378460">
+                        <a:lnSpc>
+                          <a:spcPct val="102299"/>
+                        </a:lnSpc>
+                      </a:pPr>
+                      <a:r>
+                        <a:rPr sz="1100" dirty="0">
+                          <a:solidFill>
+                            <a:schemeClr val="bg1"/>
+                          </a:solidFill>
+                          <a:latin typeface="Tahoma"/>
+                          <a:cs typeface="Tahoma"/>
+                        </a:rPr>
+                        <a:t>Singula</a:t>
+                      </a:r>
+                      <a:r>
+                        <a:rPr sz="1100" spc="-5" dirty="0">
+                          <a:solidFill>
+                            <a:schemeClr val="bg1"/>
+                          </a:solidFill>
+                          <a:latin typeface="Tahoma"/>
+                          <a:cs typeface="Tahoma"/>
+                        </a:rPr>
+                        <a:t>r</a:t>
+                      </a:r>
+                      <a:r>
+                        <a:rPr sz="1100" dirty="0">
+                          <a:solidFill>
+                            <a:schemeClr val="bg1"/>
+                          </a:solidFill>
+                          <a:latin typeface="Tahoma"/>
+                          <a:cs typeface="Tahoma"/>
+                        </a:rPr>
+                        <a:t>-</a:t>
+                      </a:r>
+                      <a:r>
+                        <a:rPr sz="1100" spc="-50" dirty="0">
+                          <a:solidFill>
+                            <a:schemeClr val="bg1"/>
+                          </a:solidFill>
+                          <a:latin typeface="Tahoma"/>
+                          <a:cs typeface="Tahoma"/>
+                        </a:rPr>
+                        <a:t>V</a:t>
+                      </a:r>
+                      <a:r>
+                        <a:rPr sz="1100" dirty="0">
+                          <a:solidFill>
+                            <a:schemeClr val="bg1"/>
+                          </a:solidFill>
+                          <a:latin typeface="Tahoma"/>
+                          <a:cs typeface="Tahoma"/>
+                        </a:rPr>
+                        <a:t>alue  De</a:t>
+                      </a:r>
+                      <a:r>
+                        <a:rPr sz="1100" spc="-5" dirty="0">
+                          <a:solidFill>
+                            <a:schemeClr val="bg1"/>
+                          </a:solidFill>
+                          <a:latin typeface="Tahoma"/>
+                          <a:cs typeface="Tahoma"/>
+                        </a:rPr>
+                        <a:t>c</a:t>
+                      </a:r>
+                      <a:r>
+                        <a:rPr sz="1100" dirty="0">
+                          <a:solidFill>
+                            <a:schemeClr val="bg1"/>
+                          </a:solidFill>
+                          <a:latin typeface="Tahoma"/>
+                          <a:cs typeface="Tahoma"/>
+                        </a:rPr>
+                        <a:t>om</a:t>
+                      </a:r>
+                      <a:r>
+                        <a:rPr sz="1100" spc="-10" dirty="0">
+                          <a:solidFill>
+                            <a:schemeClr val="bg1"/>
+                          </a:solidFill>
+                          <a:latin typeface="Tahoma"/>
+                          <a:cs typeface="Tahoma"/>
+                        </a:rPr>
+                        <a:t>p</a:t>
+                      </a:r>
+                      <a:r>
+                        <a:rPr sz="1100" dirty="0">
+                          <a:solidFill>
+                            <a:schemeClr val="bg1"/>
+                          </a:solidFill>
+                          <a:latin typeface="Tahoma"/>
+                          <a:cs typeface="Tahoma"/>
+                        </a:rPr>
+                        <a:t>osition</a:t>
+                      </a:r>
+                      <a:r>
+                        <a:rPr sz="1100" spc="-125" dirty="0">
+                          <a:solidFill>
+                            <a:schemeClr val="bg1"/>
+                          </a:solidFill>
+                          <a:latin typeface="Tahoma"/>
+                          <a:cs typeface="Tahoma"/>
+                        </a:rPr>
+                        <a:t> </a:t>
+                      </a:r>
+                      <a:r>
+                        <a:rPr sz="1100" dirty="0">
+                          <a:solidFill>
+                            <a:schemeClr val="bg1"/>
+                          </a:solidFill>
+                          <a:latin typeface="Tahoma"/>
+                          <a:cs typeface="Tahoma"/>
+                        </a:rPr>
+                        <a:t>(</a:t>
+                      </a:r>
+                      <a:r>
+                        <a:rPr sz="1100" spc="-10" dirty="0">
+                          <a:solidFill>
+                            <a:schemeClr val="bg1"/>
+                          </a:solidFill>
+                          <a:latin typeface="Tahoma"/>
+                          <a:cs typeface="Tahoma"/>
+                        </a:rPr>
+                        <a:t>S</a:t>
+                      </a:r>
+                      <a:r>
+                        <a:rPr sz="1100" spc="-20" dirty="0">
+                          <a:solidFill>
+                            <a:schemeClr val="bg1"/>
+                          </a:solidFill>
+                          <a:latin typeface="Tahoma"/>
+                          <a:cs typeface="Tahoma"/>
+                        </a:rPr>
+                        <a:t>V</a:t>
+                      </a:r>
+                      <a:r>
+                        <a:rPr sz="1100" dirty="0">
+                          <a:solidFill>
+                            <a:schemeClr val="bg1"/>
+                          </a:solidFill>
+                          <a:latin typeface="Tahoma"/>
+                          <a:cs typeface="Tahoma"/>
+                        </a:rPr>
+                        <a:t>D)</a:t>
+                      </a:r>
+                      <a:endParaRPr sz="1100">
+                        <a:solidFill>
+                          <a:schemeClr val="bg1"/>
+                        </a:solidFill>
+                        <a:latin typeface="Tahoma"/>
+                        <a:cs typeface="Tahoma"/>
+                      </a:endParaRPr>
+                    </a:p>
+                  </a:txBody>
+                  <a:tcPr marL="0" marR="0" marT="6985" marB="0">
+                    <a:lnL w="9525">
+                      <a:solidFill>
+                        <a:srgbClr val="A5B0FD"/>
+                      </a:solidFill>
+                      <a:prstDash val="solid"/>
+                    </a:lnL>
+                    <a:lnR w="9525">
+                      <a:solidFill>
+                        <a:srgbClr val="A5B0FD"/>
+                      </a:solidFill>
+                      <a:prstDash val="solid"/>
+                    </a:lnR>
+                    <a:lnT w="9525">
+                      <a:solidFill>
+                        <a:srgbClr val="A5B0FD"/>
+                      </a:solidFill>
+                      <a:prstDash val="solid"/>
+                    </a:lnT>
+                    <a:lnB w="9525">
+                      <a:solidFill>
+                        <a:srgbClr val="A5B0FD"/>
+                      </a:solidFill>
+                      <a:prstDash val="solid"/>
+                    </a:lnB>
+                    <a:solidFill>
+                      <a:srgbClr val="FFFF00"/>
+                    </a:solidFill>
+                  </a:tcPr>
+                </a:tc>
+                <a:tc>
+                  <a:txBody>
+                    <a:bodyPr/>
+                    <a:lstStyle/>
+                    <a:p>
+                      <a:pPr algn="ctr">
+                        <a:lnSpc>
+                          <a:spcPct val="100000"/>
+                        </a:lnSpc>
+                        <a:spcBef>
+                          <a:spcPts val="1700"/>
+                        </a:spcBef>
+                      </a:pPr>
+                      <a:r>
+                        <a:rPr sz="1800" spc="-40" dirty="0">
+                          <a:solidFill>
+                            <a:schemeClr val="bg1"/>
+                          </a:solidFill>
+                          <a:latin typeface="Tahoma"/>
+                          <a:cs typeface="Tahoma"/>
+                        </a:rPr>
+                        <a:t>.</a:t>
+                      </a:r>
+                      <a:r>
+                        <a:rPr lang="en-ZA" sz="1800" spc="-40" dirty="0">
+                          <a:solidFill>
+                            <a:schemeClr val="bg1"/>
+                          </a:solidFill>
+                          <a:latin typeface="Tahoma"/>
+                          <a:cs typeface="Tahoma"/>
+                        </a:rPr>
+                        <a:t>70</a:t>
+                      </a:r>
+                      <a:endParaRPr sz="1800" dirty="0">
+                        <a:solidFill>
+                          <a:schemeClr val="bg1"/>
+                        </a:solidFill>
+                        <a:latin typeface="Tahoma"/>
+                        <a:cs typeface="Tahoma"/>
+                      </a:endParaRPr>
+                    </a:p>
+                  </a:txBody>
+                  <a:tcPr marL="0" marR="0" marT="215900" marB="0">
+                    <a:lnL w="9525">
+                      <a:solidFill>
+                        <a:srgbClr val="A5B0FD"/>
+                      </a:solidFill>
+                      <a:prstDash val="solid"/>
+                    </a:lnL>
+                    <a:lnR w="9525">
+                      <a:solidFill>
+                        <a:srgbClr val="A5B0FD"/>
+                      </a:solidFill>
+                      <a:prstDash val="solid"/>
+                    </a:lnR>
+                    <a:lnT w="9525">
+                      <a:solidFill>
+                        <a:srgbClr val="A5B0FD"/>
+                      </a:solidFill>
+                      <a:prstDash val="solid"/>
+                    </a:lnT>
+                    <a:lnB w="9525">
+                      <a:solidFill>
+                        <a:srgbClr val="A5B0FD"/>
+                      </a:solidFill>
+                      <a:prstDash val="solid"/>
+                    </a:lnB>
+                    <a:solidFill>
+                      <a:srgbClr val="FFFF00"/>
+                    </a:solidFill>
+                  </a:tcPr>
+                </a:tc>
+                <a:extLst>
+                  <a:ext uri="{0D108BD9-81ED-4DB2-BD59-A6C34878D82A}">
+                    <a16:rowId xmlns="" xmlns:a16="http://schemas.microsoft.com/office/drawing/2014/main" val="10001"/>
+                  </a:ext>
+                </a:extLst>
+              </a:tr>
+              <a:tr h="726440">
+                <a:tc>
+                  <a:txBody>
+                    <a:bodyPr/>
+                    <a:lstStyle/>
+                    <a:p>
+                      <a:pPr>
+                        <a:lnSpc>
+                          <a:spcPct val="100000"/>
+                        </a:lnSpc>
+                        <a:spcBef>
+                          <a:spcPts val="15"/>
+                        </a:spcBef>
+                      </a:pPr>
+                      <a:endParaRPr sz="1800">
+                        <a:latin typeface="Times New Roman"/>
+                        <a:cs typeface="Times New Roman"/>
+                      </a:endParaRPr>
+                    </a:p>
+                    <a:p>
+                      <a:pPr marR="76835" algn="r">
+                        <a:lnSpc>
+                          <a:spcPct val="100000"/>
+                        </a:lnSpc>
+                      </a:pPr>
+                      <a:r>
+                        <a:rPr sz="1100" dirty="0">
+                          <a:latin typeface="Tahoma"/>
+                          <a:cs typeface="Tahoma"/>
+                        </a:rPr>
+                        <a:t>K</a:t>
+                      </a:r>
+                      <a:r>
+                        <a:rPr sz="1100" spc="-20" dirty="0">
+                          <a:latin typeface="Tahoma"/>
+                          <a:cs typeface="Tahoma"/>
+                        </a:rPr>
+                        <a:t>N</a:t>
+                      </a:r>
+                      <a:r>
+                        <a:rPr sz="1100" dirty="0">
+                          <a:latin typeface="Tahoma"/>
+                          <a:cs typeface="Tahoma"/>
+                        </a:rPr>
+                        <a:t>N</a:t>
+                      </a:r>
+                      <a:r>
+                        <a:rPr sz="1100" spc="-125" dirty="0">
+                          <a:latin typeface="Tahoma"/>
+                          <a:cs typeface="Tahoma"/>
+                        </a:rPr>
+                        <a:t> </a:t>
+                      </a:r>
+                      <a:r>
+                        <a:rPr sz="1100" spc="-10" dirty="0">
+                          <a:latin typeface="Tahoma"/>
+                          <a:cs typeface="Tahoma"/>
+                        </a:rPr>
+                        <a:t>B</a:t>
+                      </a:r>
+                      <a:r>
+                        <a:rPr sz="1100" dirty="0">
+                          <a:latin typeface="Tahoma"/>
+                          <a:cs typeface="Tahoma"/>
+                        </a:rPr>
+                        <a:t>asic</a:t>
+                      </a:r>
+                      <a:endParaRPr sz="1100">
+                        <a:latin typeface="Tahoma"/>
+                        <a:cs typeface="Tahoma"/>
+                      </a:endParaRPr>
+                    </a:p>
+                  </a:txBody>
+                  <a:tcPr marL="0" marR="0" marT="1905" marB="0">
+                    <a:lnL w="9525">
+                      <a:solidFill>
+                        <a:srgbClr val="A5B0FD"/>
+                      </a:solidFill>
+                      <a:prstDash val="solid"/>
+                    </a:lnL>
+                    <a:lnR w="9525">
+                      <a:solidFill>
+                        <a:srgbClr val="A5B0FD"/>
+                      </a:solidFill>
+                      <a:prstDash val="solid"/>
+                    </a:lnR>
+                    <a:lnT w="9525">
+                      <a:solidFill>
+                        <a:srgbClr val="A5B0FD"/>
+                      </a:solidFill>
+                      <a:prstDash val="solid"/>
+                    </a:lnT>
+                    <a:lnB w="9525">
+                      <a:solidFill>
+                        <a:srgbClr val="A5B0FD"/>
+                      </a:solidFill>
+                      <a:prstDash val="solid"/>
+                    </a:lnB>
+                  </a:tcPr>
+                </a:tc>
+                <a:tc>
+                  <a:txBody>
+                    <a:bodyPr/>
+                    <a:lstStyle/>
+                    <a:p>
+                      <a:pPr algn="ctr">
+                        <a:lnSpc>
+                          <a:spcPct val="100000"/>
+                        </a:lnSpc>
+                        <a:spcBef>
+                          <a:spcPts val="1700"/>
+                        </a:spcBef>
+                      </a:pPr>
+                      <a:r>
+                        <a:rPr sz="1800" spc="-55" dirty="0">
+                          <a:latin typeface="Tahoma"/>
+                          <a:cs typeface="Tahoma"/>
+                        </a:rPr>
+                        <a:t>.96</a:t>
+                      </a:r>
+                      <a:endParaRPr sz="1800" dirty="0">
+                        <a:latin typeface="Tahoma"/>
+                        <a:cs typeface="Tahoma"/>
+                      </a:endParaRPr>
+                    </a:p>
+                  </a:txBody>
+                  <a:tcPr marL="0" marR="0" marT="215900" marB="0">
+                    <a:lnL w="9525">
+                      <a:solidFill>
+                        <a:srgbClr val="A5B0FD"/>
+                      </a:solidFill>
+                      <a:prstDash val="solid"/>
+                    </a:lnL>
+                    <a:lnR w="9525">
+                      <a:solidFill>
+                        <a:srgbClr val="A5B0FD"/>
+                      </a:solidFill>
+                      <a:prstDash val="solid"/>
+                    </a:lnR>
+                    <a:lnT w="9525">
+                      <a:solidFill>
+                        <a:srgbClr val="A5B0FD"/>
+                      </a:solidFill>
+                      <a:prstDash val="solid"/>
+                    </a:lnT>
+                    <a:lnB w="9525">
+                      <a:solidFill>
+                        <a:srgbClr val="A5B0FD"/>
+                      </a:solidFill>
+                      <a:prstDash val="solid"/>
+                    </a:lnB>
+                  </a:tcPr>
+                </a:tc>
+                <a:extLst>
+                  <a:ext uri="{0D108BD9-81ED-4DB2-BD59-A6C34878D82A}">
+                    <a16:rowId xmlns="" xmlns:a16="http://schemas.microsoft.com/office/drawing/2014/main" val="10002"/>
+                  </a:ext>
+                </a:extLst>
+              </a:tr>
+              <a:tr h="726440">
+                <a:tc>
+                  <a:txBody>
+                    <a:bodyPr/>
+                    <a:lstStyle/>
+                    <a:p>
+                      <a:pPr>
+                        <a:lnSpc>
+                          <a:spcPct val="100000"/>
+                        </a:lnSpc>
+                        <a:spcBef>
+                          <a:spcPts val="15"/>
+                        </a:spcBef>
+                      </a:pPr>
+                      <a:endParaRPr sz="1800">
+                        <a:latin typeface="Times New Roman"/>
+                        <a:cs typeface="Times New Roman"/>
+                      </a:endParaRPr>
+                    </a:p>
+                    <a:p>
+                      <a:pPr marR="76835" algn="r">
+                        <a:lnSpc>
+                          <a:spcPct val="100000"/>
+                        </a:lnSpc>
+                      </a:pPr>
+                      <a:r>
+                        <a:rPr sz="1100" dirty="0">
+                          <a:latin typeface="Tahoma"/>
+                          <a:cs typeface="Tahoma"/>
+                        </a:rPr>
+                        <a:t>K</a:t>
+                      </a:r>
+                      <a:r>
+                        <a:rPr sz="1100" spc="-20" dirty="0">
+                          <a:latin typeface="Tahoma"/>
+                          <a:cs typeface="Tahoma"/>
+                        </a:rPr>
+                        <a:t>N</a:t>
+                      </a:r>
+                      <a:r>
+                        <a:rPr sz="1100" dirty="0">
+                          <a:latin typeface="Tahoma"/>
+                          <a:cs typeface="Tahoma"/>
+                        </a:rPr>
+                        <a:t>N</a:t>
+                      </a:r>
+                      <a:r>
+                        <a:rPr sz="1100" spc="-125" dirty="0">
+                          <a:latin typeface="Tahoma"/>
+                          <a:cs typeface="Tahoma"/>
+                        </a:rPr>
+                        <a:t> </a:t>
+                      </a:r>
+                      <a:r>
+                        <a:rPr sz="1100" spc="-10" dirty="0">
+                          <a:latin typeface="Tahoma"/>
+                          <a:cs typeface="Tahoma"/>
+                        </a:rPr>
+                        <a:t>B</a:t>
+                      </a:r>
+                      <a:r>
+                        <a:rPr sz="1100" dirty="0">
+                          <a:latin typeface="Tahoma"/>
+                          <a:cs typeface="Tahoma"/>
+                        </a:rPr>
+                        <a:t>aseli</a:t>
+                      </a:r>
+                      <a:r>
+                        <a:rPr sz="1100" spc="-10" dirty="0">
+                          <a:latin typeface="Tahoma"/>
+                          <a:cs typeface="Tahoma"/>
+                        </a:rPr>
+                        <a:t>n</a:t>
+                      </a:r>
+                      <a:r>
+                        <a:rPr sz="1100" dirty="0">
+                          <a:latin typeface="Tahoma"/>
+                          <a:cs typeface="Tahoma"/>
+                        </a:rPr>
+                        <a:t>e</a:t>
+                      </a:r>
+                      <a:endParaRPr sz="1100">
+                        <a:latin typeface="Tahoma"/>
+                        <a:cs typeface="Tahoma"/>
+                      </a:endParaRPr>
+                    </a:p>
+                  </a:txBody>
+                  <a:tcPr marL="0" marR="0" marT="1905" marB="0">
+                    <a:lnL w="9525">
+                      <a:solidFill>
+                        <a:srgbClr val="A5B0FD"/>
+                      </a:solidFill>
+                      <a:prstDash val="solid"/>
+                    </a:lnL>
+                    <a:lnR w="9525">
+                      <a:solidFill>
+                        <a:srgbClr val="A5B0FD"/>
+                      </a:solidFill>
+                      <a:prstDash val="solid"/>
+                    </a:lnR>
+                    <a:lnT w="9525">
+                      <a:solidFill>
+                        <a:srgbClr val="A5B0FD"/>
+                      </a:solidFill>
+                      <a:prstDash val="solid"/>
+                    </a:lnT>
+                    <a:lnB w="28575">
+                      <a:solidFill>
+                        <a:srgbClr val="A5B0FD"/>
+                      </a:solidFill>
+                      <a:prstDash val="solid"/>
+                    </a:lnB>
+                  </a:tcPr>
+                </a:tc>
+                <a:tc>
+                  <a:txBody>
+                    <a:bodyPr/>
+                    <a:lstStyle/>
+                    <a:p>
+                      <a:pPr algn="ctr">
+                        <a:lnSpc>
+                          <a:spcPct val="100000"/>
+                        </a:lnSpc>
+                        <a:spcBef>
+                          <a:spcPts val="1700"/>
+                        </a:spcBef>
+                      </a:pPr>
+                      <a:r>
+                        <a:rPr sz="1800" spc="-80" dirty="0">
+                          <a:latin typeface="Tahoma"/>
+                          <a:cs typeface="Tahoma"/>
+                        </a:rPr>
+                        <a:t>.87</a:t>
+                      </a:r>
+                      <a:endParaRPr sz="1800" dirty="0">
+                        <a:latin typeface="Tahoma"/>
+                        <a:cs typeface="Tahoma"/>
+                      </a:endParaRPr>
+                    </a:p>
+                  </a:txBody>
+                  <a:tcPr marL="0" marR="0" marT="215900" marB="0">
+                    <a:lnL w="9525">
+                      <a:solidFill>
+                        <a:srgbClr val="A5B0FD"/>
+                      </a:solidFill>
+                      <a:prstDash val="solid"/>
+                    </a:lnL>
+                    <a:lnR w="9525">
+                      <a:solidFill>
+                        <a:srgbClr val="A5B0FD"/>
+                      </a:solidFill>
+                      <a:prstDash val="solid"/>
+                    </a:lnR>
+                    <a:lnT w="9525">
+                      <a:solidFill>
+                        <a:srgbClr val="A5B0FD"/>
+                      </a:solidFill>
+                      <a:prstDash val="solid"/>
+                    </a:lnT>
+                    <a:lnB w="28575">
+                      <a:solidFill>
+                        <a:srgbClr val="A5B0FD"/>
+                      </a:solidFill>
+                      <a:prstDash val="solid"/>
+                    </a:lnB>
+                  </a:tcPr>
+                </a:tc>
+                <a:extLst>
+                  <a:ext uri="{0D108BD9-81ED-4DB2-BD59-A6C34878D82A}">
+                    <a16:rowId xmlns="" xmlns:a16="http://schemas.microsoft.com/office/drawing/2014/main" val="10003"/>
+                  </a:ext>
+                </a:extLst>
+              </a:tr>
+            </a:tbl>
+          </a:graphicData>
+        </a:graphic>
+      </p:graphicFrame>
+    </p:spTree>
+    <p:extLst>
+      <p:ext uri="{BB962C8B-B14F-4D97-AF65-F5344CB8AC3E}">
+        <p14:creationId xmlns:p14="http://schemas.microsoft.com/office/powerpoint/2010/main" val="3125451633"/>
+      </p:ext>
+    </p:extLst>
+  </p:cSld>
+  <p:clrMapOvr>
+    <a:masterClrMapping/>
+  </p:clrMapOvr>
+  <p:timing>
+    <p:tnLst>
+      <p:par>
+        <p:cTn id="1" dur="indefinite" restart="never" nodeType="tmRoot"/>
+      </p:par>
+    </p:tnLst>
+  </p:timing>
+</p:sld>
+</file>
+
+<file path=ppt/slides/slide22.xml><?xml version="1.0" encoding="utf-8"?>
 <p:sld xmlns:a="http://schemas.openxmlformats.org/drawingml/2006/main" xmlns:r="http://schemas.openxmlformats.org/officeDocument/2006/relationships" xmlns:p="http://schemas.openxmlformats.org/presentationml/2006/main">
   <p:cSld>
     <p:spTree>
@@ -6141,95 +13232,6 @@
             </p:seq>
           </p:childTnLst>
         </p:cTn>
-      </p:par>
-    </p:tnLst>
-  </p:timing>
-</p:sld>
-</file>
-
-<file path=ppt/slides/slide2.xml><?xml version="1.0" encoding="utf-8"?>
-<p:sld xmlns:a="http://schemas.openxmlformats.org/drawingml/2006/main" xmlns:r="http://schemas.openxmlformats.org/officeDocument/2006/relationships" xmlns:p="http://schemas.openxmlformats.org/presentationml/2006/main">
-  <p:cSld>
-    <p:spTree>
-      <p:nvGrpSpPr>
-        <p:cNvPr id="1" name=""/>
-        <p:cNvGrpSpPr/>
-        <p:nvPr/>
-      </p:nvGrpSpPr>
-      <p:grpSpPr>
-        <a:xfrm>
-          <a:off x="0" y="0"/>
-          <a:ext cx="0" cy="0"/>
-          <a:chOff x="0" y="0"/>
-          <a:chExt cx="0" cy="0"/>
-        </a:xfrm>
-      </p:grpSpPr>
-      <p:sp>
-        <p:nvSpPr>
-          <p:cNvPr id="2" name="Title 1"/>
-          <p:cNvSpPr>
-            <a:spLocks noGrp="1"/>
-          </p:cNvSpPr>
-          <p:nvPr>
-            <p:ph type="title"/>
-          </p:nvPr>
-        </p:nvSpPr>
-        <p:spPr/>
-        <p:txBody>
-          <a:bodyPr/>
-          <a:lstStyle/>
-          <a:p>
-            <a:r>
-              <a:rPr lang="en-ZA" dirty="0" smtClean="0"/>
-              <a:t>Johnny had a tough Week</a:t>
-            </a:r>
-            <a:endParaRPr lang="en-ZA" dirty="0"/>
-          </a:p>
-        </p:txBody>
-      </p:sp>
-      <p:pic>
-        <p:nvPicPr>
-          <p:cNvPr id="4" name="Content Placeholder 3"/>
-          <p:cNvPicPr>
-            <a:picLocks noGrp="1" noChangeAspect="1"/>
-          </p:cNvPicPr>
-          <p:nvPr>
-            <p:ph idx="1"/>
-          </p:nvPr>
-        </p:nvPicPr>
-        <p:blipFill>
-          <a:blip r:embed="rId2">
-            <a:extLst>
-              <a:ext uri="{28A0092B-C50C-407E-A947-70E740481C1C}">
-                <a14:useLocalDpi xmlns:a14="http://schemas.microsoft.com/office/drawing/2010/main" val="0"/>
-              </a:ext>
-            </a:extLst>
-          </a:blip>
-          <a:stretch>
-            <a:fillRect/>
-          </a:stretch>
-        </p:blipFill>
-        <p:spPr>
-          <a:xfrm>
-            <a:off x="2221354" y="1600200"/>
-            <a:ext cx="4701292" cy="4708525"/>
-          </a:xfrm>
-        </p:spPr>
-      </p:pic>
-    </p:spTree>
-    <p:extLst>
-      <p:ext uri="{BB962C8B-B14F-4D97-AF65-F5344CB8AC3E}">
-        <p14:creationId xmlns:p14="http://schemas.microsoft.com/office/powerpoint/2010/main" val="3037039112"/>
-      </p:ext>
-    </p:extLst>
-  </p:cSld>
-  <p:clrMapOvr>
-    <a:masterClrMapping/>
-  </p:clrMapOvr>
-  <p:timing>
-    <p:tnLst>
-      <p:par>
-        <p:cTn id="1" dur="indefinite" restart="never" nodeType="tmRoot"/>
       </p:par>
     </p:tnLst>
   </p:timing>
@@ -8281,4 +15283,289 @@
   <a:objectDefaults/>
   <a:extraClrSchemeLst/>
 </a:theme>
+</file>
+
+<file path=ppt/theme/theme2.xml><?xml version="1.0" encoding="utf-8"?>
+<a:theme xmlns:a="http://schemas.openxmlformats.org/drawingml/2006/main" name="Office Theme">
+  <a:themeElements>
+    <a:clrScheme name="Office">
+      <a:dk1>
+        <a:sysClr val="windowText" lastClr="000000"/>
+      </a:dk1>
+      <a:lt1>
+        <a:sysClr val="window" lastClr="FFFFFF"/>
+      </a:lt1>
+      <a:dk2>
+        <a:srgbClr val="1F497D"/>
+      </a:dk2>
+      <a:lt2>
+        <a:srgbClr val="EEECE1"/>
+      </a:lt2>
+      <a:accent1>
+        <a:srgbClr val="4F81BD"/>
+      </a:accent1>
+      <a:accent2>
+        <a:srgbClr val="C0504D"/>
+      </a:accent2>
+      <a:accent3>
+        <a:srgbClr val="9BBB59"/>
+      </a:accent3>
+      <a:accent4>
+        <a:srgbClr val="8064A2"/>
+      </a:accent4>
+      <a:accent5>
+        <a:srgbClr val="4BACC6"/>
+      </a:accent5>
+      <a:accent6>
+        <a:srgbClr val="F79646"/>
+      </a:accent6>
+      <a:hlink>
+        <a:srgbClr val="0000FF"/>
+      </a:hlink>
+      <a:folHlink>
+        <a:srgbClr val="800080"/>
+      </a:folHlink>
+    </a:clrScheme>
+    <a:fontScheme name="Office">
+      <a:majorFont>
+        <a:latin typeface="Calibri"/>
+        <a:ea typeface=""/>
+        <a:cs typeface=""/>
+        <a:font script="Jpan" typeface="ＭＳ Ｐゴシック"/>
+        <a:font script="Hang" typeface="맑은 고딕"/>
+        <a:font script="Hans" typeface="宋体"/>
+        <a:font script="Hant" typeface="新細明體"/>
+        <a:font script="Arab" typeface="Times New Roman"/>
+        <a:font script="Hebr" typeface="Times New Roman"/>
+        <a:font script="Thai" typeface="Angsana New"/>
+        <a:font script="Ethi" typeface="Nyala"/>
+        <a:font script="Beng" typeface="Vrinda"/>
+        <a:font script="Gujr" typeface="Shruti"/>
+        <a:font script="Khmr" typeface="MoolBoran"/>
+        <a:font script="Knda" typeface="Tunga"/>
+        <a:font script="Guru" typeface="Raavi"/>
+        <a:font script="Cans" typeface="Euphemia"/>
+        <a:font script="Cher" typeface="Plantagenet Cherokee"/>
+        <a:font script="Yiii" typeface="Microsoft Yi Baiti"/>
+        <a:font script="Tibt" typeface="Microsoft Himalaya"/>
+        <a:font script="Thaa" typeface="MV Boli"/>
+        <a:font script="Deva" typeface="Mangal"/>
+        <a:font script="Telu" typeface="Gautami"/>
+        <a:font script="Taml" typeface="Latha"/>
+        <a:font script="Syrc" typeface="Estrangelo Edessa"/>
+        <a:font script="Orya" typeface="Kalinga"/>
+        <a:font script="Mlym" typeface="Kartika"/>
+        <a:font script="Laoo" typeface="DokChampa"/>
+        <a:font script="Sinh" typeface="Iskoola Pota"/>
+        <a:font script="Mong" typeface="Mongolian Baiti"/>
+        <a:font script="Viet" typeface="Times New Roman"/>
+        <a:font script="Uigh" typeface="Microsoft Uighur"/>
+        <a:font script="Geor" typeface="Sylfaen"/>
+      </a:majorFont>
+      <a:minorFont>
+        <a:latin typeface="Calibri"/>
+        <a:ea typeface=""/>
+        <a:cs typeface=""/>
+        <a:font script="Jpan" typeface="ＭＳ Ｐゴシック"/>
+        <a:font script="Hang" typeface="맑은 고딕"/>
+        <a:font script="Hans" typeface="宋体"/>
+        <a:font script="Hant" typeface="新細明體"/>
+        <a:font script="Arab" typeface="Arial"/>
+        <a:font script="Hebr" typeface="Arial"/>
+        <a:font script="Thai" typeface="Cordia New"/>
+        <a:font script="Ethi" typeface="Nyala"/>
+        <a:font script="Beng" typeface="Vrinda"/>
+        <a:font script="Gujr" typeface="Shruti"/>
+        <a:font script="Khmr" typeface="DaunPenh"/>
+        <a:font script="Knda" typeface="Tunga"/>
+        <a:font script="Guru" typeface="Raavi"/>
+        <a:font script="Cans" typeface="Euphemia"/>
+        <a:font script="Cher" typeface="Plantagenet Cherokee"/>
+        <a:font script="Yiii" typeface="Microsoft Yi Baiti"/>
+        <a:font script="Tibt" typeface="Microsoft Himalaya"/>
+        <a:font script="Thaa" typeface="MV Boli"/>
+        <a:font script="Deva" typeface="Mangal"/>
+        <a:font script="Telu" typeface="Gautami"/>
+        <a:font script="Taml" typeface="Latha"/>
+        <a:font script="Syrc" typeface="Estrangelo Edessa"/>
+        <a:font script="Orya" typeface="Kalinga"/>
+        <a:font script="Mlym" typeface="Kartika"/>
+        <a:font script="Laoo" typeface="DokChampa"/>
+        <a:font script="Sinh" typeface="Iskoola Pota"/>
+        <a:font script="Mong" typeface="Mongolian Baiti"/>
+        <a:font script="Viet" typeface="Arial"/>
+        <a:font script="Uigh" typeface="Microsoft Uighur"/>
+        <a:font script="Geor" typeface="Sylfaen"/>
+      </a:minorFont>
+    </a:fontScheme>
+    <a:fmtScheme name="Office">
+      <a:fillStyleLst>
+        <a:solidFill>
+          <a:schemeClr val="phClr"/>
+        </a:solidFill>
+        <a:gradFill rotWithShape="1">
+          <a:gsLst>
+            <a:gs pos="0">
+              <a:schemeClr val="phClr">
+                <a:tint val="50000"/>
+                <a:satMod val="300000"/>
+              </a:schemeClr>
+            </a:gs>
+            <a:gs pos="35000">
+              <a:schemeClr val="phClr">
+                <a:tint val="37000"/>
+                <a:satMod val="300000"/>
+              </a:schemeClr>
+            </a:gs>
+            <a:gs pos="100000">
+              <a:schemeClr val="phClr">
+                <a:tint val="15000"/>
+                <a:satMod val="350000"/>
+              </a:schemeClr>
+            </a:gs>
+          </a:gsLst>
+          <a:lin ang="16200000" scaled="1"/>
+        </a:gradFill>
+        <a:gradFill rotWithShape="1">
+          <a:gsLst>
+            <a:gs pos="0">
+              <a:schemeClr val="phClr">
+                <a:shade val="51000"/>
+                <a:satMod val="130000"/>
+              </a:schemeClr>
+            </a:gs>
+            <a:gs pos="80000">
+              <a:schemeClr val="phClr">
+                <a:shade val="93000"/>
+                <a:satMod val="130000"/>
+              </a:schemeClr>
+            </a:gs>
+            <a:gs pos="100000">
+              <a:schemeClr val="phClr">
+                <a:shade val="94000"/>
+                <a:satMod val="135000"/>
+              </a:schemeClr>
+            </a:gs>
+          </a:gsLst>
+          <a:lin ang="16200000" scaled="0"/>
+        </a:gradFill>
+      </a:fillStyleLst>
+      <a:lnStyleLst>
+        <a:ln w="9525" cap="flat" cmpd="sng" algn="ctr">
+          <a:solidFill>
+            <a:schemeClr val="phClr">
+              <a:shade val="95000"/>
+              <a:satMod val="105000"/>
+            </a:schemeClr>
+          </a:solidFill>
+          <a:prstDash val="solid"/>
+        </a:ln>
+        <a:ln w="25400" cap="flat" cmpd="sng" algn="ctr">
+          <a:solidFill>
+            <a:schemeClr val="phClr"/>
+          </a:solidFill>
+          <a:prstDash val="solid"/>
+        </a:ln>
+        <a:ln w="38100" cap="flat" cmpd="sng" algn="ctr">
+          <a:solidFill>
+            <a:schemeClr val="phClr"/>
+          </a:solidFill>
+          <a:prstDash val="solid"/>
+        </a:ln>
+      </a:lnStyleLst>
+      <a:effectStyleLst>
+        <a:effectStyle>
+          <a:effectLst>
+            <a:outerShdw blurRad="40000" dist="20000" dir="5400000" rotWithShape="0">
+              <a:srgbClr val="000000">
+                <a:alpha val="38000"/>
+              </a:srgbClr>
+            </a:outerShdw>
+          </a:effectLst>
+        </a:effectStyle>
+        <a:effectStyle>
+          <a:effectLst>
+            <a:outerShdw blurRad="40000" dist="23000" dir="5400000" rotWithShape="0">
+              <a:srgbClr val="000000">
+                <a:alpha val="35000"/>
+              </a:srgbClr>
+            </a:outerShdw>
+          </a:effectLst>
+        </a:effectStyle>
+        <a:effectStyle>
+          <a:effectLst>
+            <a:outerShdw blurRad="40000" dist="23000" dir="5400000" rotWithShape="0">
+              <a:srgbClr val="000000">
+                <a:alpha val="35000"/>
+              </a:srgbClr>
+            </a:outerShdw>
+          </a:effectLst>
+          <a:scene3d>
+            <a:camera prst="orthographicFront">
+              <a:rot lat="0" lon="0" rev="0"/>
+            </a:camera>
+            <a:lightRig rig="threePt" dir="t">
+              <a:rot lat="0" lon="0" rev="1200000"/>
+            </a:lightRig>
+          </a:scene3d>
+          <a:sp3d>
+            <a:bevelT w="63500" h="25400"/>
+          </a:sp3d>
+        </a:effectStyle>
+      </a:effectStyleLst>
+      <a:bgFillStyleLst>
+        <a:solidFill>
+          <a:schemeClr val="phClr"/>
+        </a:solidFill>
+        <a:gradFill rotWithShape="1">
+          <a:gsLst>
+            <a:gs pos="0">
+              <a:schemeClr val="phClr">
+                <a:tint val="40000"/>
+                <a:satMod val="350000"/>
+              </a:schemeClr>
+            </a:gs>
+            <a:gs pos="40000">
+              <a:schemeClr val="phClr">
+                <a:tint val="45000"/>
+                <a:shade val="99000"/>
+                <a:satMod val="350000"/>
+              </a:schemeClr>
+            </a:gs>
+            <a:gs pos="100000">
+              <a:schemeClr val="phClr">
+                <a:shade val="20000"/>
+                <a:satMod val="255000"/>
+              </a:schemeClr>
+            </a:gs>
+          </a:gsLst>
+          <a:path path="circle">
+            <a:fillToRect l="50000" t="-80000" r="50000" b="180000"/>
+          </a:path>
+        </a:gradFill>
+        <a:gradFill rotWithShape="1">
+          <a:gsLst>
+            <a:gs pos="0">
+              <a:schemeClr val="phClr">
+                <a:tint val="80000"/>
+                <a:satMod val="300000"/>
+              </a:schemeClr>
+            </a:gs>
+            <a:gs pos="100000">
+              <a:schemeClr val="phClr">
+                <a:shade val="30000"/>
+                <a:satMod val="200000"/>
+              </a:schemeClr>
+            </a:gs>
+          </a:gsLst>
+          <a:path path="circle">
+            <a:fillToRect l="50000" t="50000" r="50000" b="50000"/>
+          </a:path>
+        </a:gradFill>
+      </a:bgFillStyleLst>
+    </a:fmtScheme>
+  </a:themeElements>
+  <a:objectDefaults/>
+  <a:extraClrSchemeLst/>
+</a:theme>
 </file>